--- a/docs/developers/_assets/submission_flow.pptx
+++ b/docs/developers/_assets/submission_flow.pptx
@@ -104,6 +104,11 @@
       </a:defRPr>
     </a:lvl9pPr>
   </p:defaultTextStyle>
+  <p:extLst>
+    <p:ext uri="{EFAFB233-063F-42B5-8137-9DF3F51BA10A}">
+      <p15:sldGuideLst xmlns:p15="http://schemas.microsoft.com/office/powerpoint/2012/main"/>
+    </p:ext>
+  </p:extLst>
 </p:presentation>
 </file>
 
@@ -254,7 +259,7 @@
           <a:p>
             <a:fld id="{BE8CE0A6-3D20-4606-90F3-C7B969CAD821}" type="datetimeFigureOut">
               <a:rPr lang="nl-NL" smtClean="0"/>
-              <a:t>1-9-2021</a:t>
+              <a:t>28-10-2021</a:t>
             </a:fld>
             <a:endParaRPr lang="nl-NL"/>
           </a:p>
@@ -452,7 +457,7 @@
           <a:p>
             <a:fld id="{BE8CE0A6-3D20-4606-90F3-C7B969CAD821}" type="datetimeFigureOut">
               <a:rPr lang="nl-NL" smtClean="0"/>
-              <a:t>1-9-2021</a:t>
+              <a:t>28-10-2021</a:t>
             </a:fld>
             <a:endParaRPr lang="nl-NL"/>
           </a:p>
@@ -660,7 +665,7 @@
           <a:p>
             <a:fld id="{BE8CE0A6-3D20-4606-90F3-C7B969CAD821}" type="datetimeFigureOut">
               <a:rPr lang="nl-NL" smtClean="0"/>
-              <a:t>1-9-2021</a:t>
+              <a:t>28-10-2021</a:t>
             </a:fld>
             <a:endParaRPr lang="nl-NL"/>
           </a:p>
@@ -858,7 +863,7 @@
           <a:p>
             <a:fld id="{BE8CE0A6-3D20-4606-90F3-C7B969CAD821}" type="datetimeFigureOut">
               <a:rPr lang="nl-NL" smtClean="0"/>
-              <a:t>1-9-2021</a:t>
+              <a:t>28-10-2021</a:t>
             </a:fld>
             <a:endParaRPr lang="nl-NL"/>
           </a:p>
@@ -1133,7 +1138,7 @@
           <a:p>
             <a:fld id="{BE8CE0A6-3D20-4606-90F3-C7B969CAD821}" type="datetimeFigureOut">
               <a:rPr lang="nl-NL" smtClean="0"/>
-              <a:t>1-9-2021</a:t>
+              <a:t>28-10-2021</a:t>
             </a:fld>
             <a:endParaRPr lang="nl-NL"/>
           </a:p>
@@ -1398,7 +1403,7 @@
           <a:p>
             <a:fld id="{BE8CE0A6-3D20-4606-90F3-C7B969CAD821}" type="datetimeFigureOut">
               <a:rPr lang="nl-NL" smtClean="0"/>
-              <a:t>1-9-2021</a:t>
+              <a:t>28-10-2021</a:t>
             </a:fld>
             <a:endParaRPr lang="nl-NL"/>
           </a:p>
@@ -1810,7 +1815,7 @@
           <a:p>
             <a:fld id="{BE8CE0A6-3D20-4606-90F3-C7B969CAD821}" type="datetimeFigureOut">
               <a:rPr lang="nl-NL" smtClean="0"/>
-              <a:t>1-9-2021</a:t>
+              <a:t>28-10-2021</a:t>
             </a:fld>
             <a:endParaRPr lang="nl-NL"/>
           </a:p>
@@ -1951,7 +1956,7 @@
           <a:p>
             <a:fld id="{BE8CE0A6-3D20-4606-90F3-C7B969CAD821}" type="datetimeFigureOut">
               <a:rPr lang="nl-NL" smtClean="0"/>
-              <a:t>1-9-2021</a:t>
+              <a:t>28-10-2021</a:t>
             </a:fld>
             <a:endParaRPr lang="nl-NL"/>
           </a:p>
@@ -2064,7 +2069,7 @@
           <a:p>
             <a:fld id="{BE8CE0A6-3D20-4606-90F3-C7B969CAD821}" type="datetimeFigureOut">
               <a:rPr lang="nl-NL" smtClean="0"/>
-              <a:t>1-9-2021</a:t>
+              <a:t>28-10-2021</a:t>
             </a:fld>
             <a:endParaRPr lang="nl-NL"/>
           </a:p>
@@ -2375,7 +2380,7 @@
           <a:p>
             <a:fld id="{BE8CE0A6-3D20-4606-90F3-C7B969CAD821}" type="datetimeFigureOut">
               <a:rPr lang="nl-NL" smtClean="0"/>
-              <a:t>1-9-2021</a:t>
+              <a:t>28-10-2021</a:t>
             </a:fld>
             <a:endParaRPr lang="nl-NL"/>
           </a:p>
@@ -2663,7 +2668,7 @@
           <a:p>
             <a:fld id="{BE8CE0A6-3D20-4606-90F3-C7B969CAD821}" type="datetimeFigureOut">
               <a:rPr lang="nl-NL" smtClean="0"/>
-              <a:t>1-9-2021</a:t>
+              <a:t>28-10-2021</a:t>
             </a:fld>
             <a:endParaRPr lang="nl-NL"/>
           </a:p>
@@ -2904,7 +2909,7 @@
           <a:p>
             <a:fld id="{BE8CE0A6-3D20-4606-90F3-C7B969CAD821}" type="datetimeFigureOut">
               <a:rPr lang="nl-NL" smtClean="0"/>
-              <a:t>1-9-2021</a:t>
+              <a:t>28-10-2021</a:t>
             </a:fld>
             <a:endParaRPr lang="nl-NL"/>
           </a:p>
@@ -3323,218 +3328,10 @@
       </p:grpSpPr>
       <p:sp>
         <p:nvSpPr>
-          <p:cNvPr id="165" name="Ovaal 164">
-            <a:extLst>
-              <a:ext uri="{FF2B5EF4-FFF2-40B4-BE49-F238E27FC236}">
-                <a16:creationId xmlns:a16="http://schemas.microsoft.com/office/drawing/2014/main" id="{0287A88C-6A22-42A0-9713-7B977CC53D2C}"/>
-              </a:ext>
-            </a:extLst>
-          </p:cNvPr>
-          <p:cNvSpPr/>
-          <p:nvPr/>
-        </p:nvSpPr>
-        <p:spPr>
-          <a:xfrm>
-            <a:off x="9108400" y="2764074"/>
-            <a:ext cx="249842" cy="253022"/>
-          </a:xfrm>
-          <a:prstGeom prst="ellipse">
-            <a:avLst/>
-          </a:prstGeom>
-          <a:noFill/>
-          <a:ln w="12700">
-            <a:solidFill>
-              <a:schemeClr val="accent1"/>
-            </a:solidFill>
-          </a:ln>
-        </p:spPr>
-        <p:style>
-          <a:lnRef idx="2">
-            <a:schemeClr val="accent1">
-              <a:shade val="50000"/>
-            </a:schemeClr>
-          </a:lnRef>
-          <a:fillRef idx="1">
-            <a:schemeClr val="accent1"/>
-          </a:fillRef>
-          <a:effectRef idx="0">
-            <a:schemeClr val="accent1"/>
-          </a:effectRef>
-          <a:fontRef idx="minor">
-            <a:schemeClr val="lt1"/>
-          </a:fontRef>
-        </p:style>
-        <p:txBody>
-          <a:bodyPr rtlCol="0" anchor="ctr"/>
-          <a:lstStyle/>
-          <a:p>
-            <a:pPr algn="ctr"/>
-            <a:endParaRPr lang="nl-NL"/>
-          </a:p>
-        </p:txBody>
-      </p:sp>
-      <p:sp>
-        <p:nvSpPr>
-          <p:cNvPr id="160" name="Ovaal 159">
-            <a:extLst>
-              <a:ext uri="{FF2B5EF4-FFF2-40B4-BE49-F238E27FC236}">
-                <a16:creationId xmlns:a16="http://schemas.microsoft.com/office/drawing/2014/main" id="{6E9915AB-6AB5-47EB-95EB-60E9A43F01E2}"/>
-              </a:ext>
-            </a:extLst>
-          </p:cNvPr>
-          <p:cNvSpPr/>
-          <p:nvPr/>
-        </p:nvSpPr>
-        <p:spPr>
-          <a:xfrm>
-            <a:off x="11066658" y="2267692"/>
-            <a:ext cx="249842" cy="253022"/>
-          </a:xfrm>
-          <a:prstGeom prst="ellipse">
-            <a:avLst/>
-          </a:prstGeom>
-          <a:noFill/>
-          <a:ln w="12700">
-            <a:solidFill>
-              <a:schemeClr val="accent1"/>
-            </a:solidFill>
-          </a:ln>
-        </p:spPr>
-        <p:style>
-          <a:lnRef idx="2">
-            <a:schemeClr val="accent1">
-              <a:shade val="50000"/>
-            </a:schemeClr>
-          </a:lnRef>
-          <a:fillRef idx="1">
-            <a:schemeClr val="accent1"/>
-          </a:fillRef>
-          <a:effectRef idx="0">
-            <a:schemeClr val="accent1"/>
-          </a:effectRef>
-          <a:fontRef idx="minor">
-            <a:schemeClr val="lt1"/>
-          </a:fontRef>
-        </p:style>
-        <p:txBody>
-          <a:bodyPr rtlCol="0" anchor="ctr"/>
-          <a:lstStyle/>
-          <a:p>
-            <a:pPr algn="ctr"/>
-            <a:endParaRPr lang="nl-NL"/>
-          </a:p>
-        </p:txBody>
-      </p:sp>
-      <p:sp>
-        <p:nvSpPr>
-          <p:cNvPr id="124" name="Ovaal 123">
-            <a:extLst>
-              <a:ext uri="{FF2B5EF4-FFF2-40B4-BE49-F238E27FC236}">
-                <a16:creationId xmlns:a16="http://schemas.microsoft.com/office/drawing/2014/main" id="{3BFB6E16-9256-4096-AF3F-AB25FB37C60E}"/>
-              </a:ext>
-            </a:extLst>
-          </p:cNvPr>
-          <p:cNvSpPr/>
-          <p:nvPr/>
-        </p:nvSpPr>
-        <p:spPr>
-          <a:xfrm>
-            <a:off x="1993702" y="1439321"/>
-            <a:ext cx="249842" cy="253022"/>
-          </a:xfrm>
-          <a:prstGeom prst="ellipse">
-            <a:avLst/>
-          </a:prstGeom>
-          <a:noFill/>
-          <a:ln w="12700">
-            <a:solidFill>
-              <a:schemeClr val="accent1"/>
-            </a:solidFill>
-          </a:ln>
-        </p:spPr>
-        <p:style>
-          <a:lnRef idx="2">
-            <a:schemeClr val="accent1">
-              <a:shade val="50000"/>
-            </a:schemeClr>
-          </a:lnRef>
-          <a:fillRef idx="1">
-            <a:schemeClr val="accent1"/>
-          </a:fillRef>
-          <a:effectRef idx="0">
-            <a:schemeClr val="accent1"/>
-          </a:effectRef>
-          <a:fontRef idx="minor">
-            <a:schemeClr val="lt1"/>
-          </a:fontRef>
-        </p:style>
-        <p:txBody>
-          <a:bodyPr rtlCol="0" anchor="ctr"/>
-          <a:lstStyle/>
-          <a:p>
-            <a:pPr algn="ctr"/>
-            <a:endParaRPr lang="nl-NL"/>
-          </a:p>
-        </p:txBody>
-      </p:sp>
-      <p:sp>
-        <p:nvSpPr>
-          <p:cNvPr id="107" name="Ovaal 106">
-            <a:extLst>
-              <a:ext uri="{FF2B5EF4-FFF2-40B4-BE49-F238E27FC236}">
-                <a16:creationId xmlns:a16="http://schemas.microsoft.com/office/drawing/2014/main" id="{A1B5C286-3B71-4460-AF10-F6EDA627DC2B}"/>
-              </a:ext>
-            </a:extLst>
-          </p:cNvPr>
-          <p:cNvSpPr/>
-          <p:nvPr/>
-        </p:nvSpPr>
-        <p:spPr>
-          <a:xfrm>
-            <a:off x="6723909" y="1476375"/>
-            <a:ext cx="249842" cy="253022"/>
-          </a:xfrm>
-          <a:prstGeom prst="ellipse">
-            <a:avLst/>
-          </a:prstGeom>
-          <a:noFill/>
-          <a:ln w="12700">
-            <a:solidFill>
-              <a:schemeClr val="accent1"/>
-            </a:solidFill>
-          </a:ln>
-        </p:spPr>
-        <p:style>
-          <a:lnRef idx="2">
-            <a:schemeClr val="accent1">
-              <a:shade val="50000"/>
-            </a:schemeClr>
-          </a:lnRef>
-          <a:fillRef idx="1">
-            <a:schemeClr val="accent1"/>
-          </a:fillRef>
-          <a:effectRef idx="0">
-            <a:schemeClr val="accent1"/>
-          </a:effectRef>
-          <a:fontRef idx="minor">
-            <a:schemeClr val="lt1"/>
-          </a:fontRef>
-        </p:style>
-        <p:txBody>
-          <a:bodyPr rtlCol="0" anchor="ctr"/>
-          <a:lstStyle/>
-          <a:p>
-            <a:pPr algn="ctr"/>
-            <a:endParaRPr lang="nl-NL"/>
-          </a:p>
-        </p:txBody>
-      </p:sp>
-      <p:sp>
-        <p:nvSpPr>
-          <p:cNvPr id="4" name="Tekstvak 3">
-            <a:extLst>
-              <a:ext uri="{FF2B5EF4-FFF2-40B4-BE49-F238E27FC236}">
-                <a16:creationId xmlns:a16="http://schemas.microsoft.com/office/drawing/2014/main" id="{C3063D4C-F41F-4FE2-AB3E-D60B65F3FA20}"/>
+          <p:cNvPr id="250" name="Tekstvak 249">
+            <a:extLst>
+              <a:ext uri="{FF2B5EF4-FFF2-40B4-BE49-F238E27FC236}">
+                <a16:creationId xmlns:a16="http://schemas.microsoft.com/office/drawing/2014/main" id="{74269AA7-73D7-49EC-8D7E-B25E7434DE4A}"/>
               </a:ext>
             </a:extLst>
           </p:cNvPr>
@@ -3543,12 +3340,19 @@
         </p:nvSpPr>
         <p:spPr>
           <a:xfrm>
-            <a:off x="1239466" y="797668"/>
-            <a:ext cx="865761" cy="505842"/>
+            <a:off x="6420985" y="4213508"/>
+            <a:ext cx="2557334" cy="2466562"/>
           </a:xfrm>
           <a:prstGeom prst="rect">
             <a:avLst/>
           </a:prstGeom>
+          <a:noFill/>
+          <a:ln>
+            <a:solidFill>
+              <a:schemeClr val="tx1"/>
+            </a:solidFill>
+            <a:prstDash val="dash"/>
+          </a:ln>
         </p:spPr>
         <p:style>
           <a:lnRef idx="2">
@@ -3565,25 +3369,124 @@
           </a:fontRef>
         </p:style>
         <p:txBody>
-          <a:bodyPr wrap="square" rtlCol="0" anchor="ctr" anchorCtr="0">
+          <a:bodyPr wrap="square" rtlCol="0" anchor="t" anchorCtr="0">
             <a:noAutofit/>
           </a:bodyPr>
           <a:lstStyle/>
           <a:p>
+            <a:pPr algn="r"/>
+            <a:r>
+              <a:rPr lang="nl-NL" sz="1000" b="1" dirty="0" err="1"/>
+              <a:t>Confirmation</a:t>
+            </a:r>
+            <a:r>
+              <a:rPr lang="nl-NL" sz="1000" b="1" dirty="0"/>
+              <a:t> email</a:t>
+            </a:r>
+          </a:p>
+        </p:txBody>
+      </p:sp>
+      <p:sp>
+        <p:nvSpPr>
+          <p:cNvPr id="306" name="Ovaal 305">
+            <a:extLst>
+              <a:ext uri="{FF2B5EF4-FFF2-40B4-BE49-F238E27FC236}">
+                <a16:creationId xmlns:a16="http://schemas.microsoft.com/office/drawing/2014/main" id="{0A060E0E-0BC2-4FF3-A61B-A5CF6A39F885}"/>
+              </a:ext>
+            </a:extLst>
+          </p:cNvPr>
+          <p:cNvSpPr/>
+          <p:nvPr/>
+        </p:nvSpPr>
+        <p:spPr>
+          <a:xfrm>
+            <a:off x="7497788" y="6259077"/>
+            <a:ext cx="249842" cy="253022"/>
+          </a:xfrm>
+          <a:prstGeom prst="ellipse">
+            <a:avLst/>
+          </a:prstGeom>
+          <a:noFill/>
+          <a:ln w="12700">
+            <a:solidFill>
+              <a:schemeClr val="accent1"/>
+            </a:solidFill>
+          </a:ln>
+        </p:spPr>
+        <p:style>
+          <a:lnRef idx="2">
+            <a:schemeClr val="accent1">
+              <a:shade val="50000"/>
+            </a:schemeClr>
+          </a:lnRef>
+          <a:fillRef idx="1">
+            <a:schemeClr val="accent1"/>
+          </a:fillRef>
+          <a:effectRef idx="0">
+            <a:schemeClr val="accent1"/>
+          </a:effectRef>
+          <a:fontRef idx="minor">
+            <a:schemeClr val="lt1"/>
+          </a:fontRef>
+        </p:style>
+        <p:txBody>
+          <a:bodyPr rtlCol="0" anchor="ctr"/>
+          <a:lstStyle/>
+          <a:p>
             <a:pPr algn="ctr"/>
-            <a:r>
-              <a:rPr lang="nl-NL" sz="1000" dirty="0"/>
-              <a:t>Start form</a:t>
-            </a:r>
-          </a:p>
-        </p:txBody>
-      </p:sp>
-      <p:sp>
-        <p:nvSpPr>
-          <p:cNvPr id="5" name="Tekstvak 4">
-            <a:extLst>
-              <a:ext uri="{FF2B5EF4-FFF2-40B4-BE49-F238E27FC236}">
-                <a16:creationId xmlns:a16="http://schemas.microsoft.com/office/drawing/2014/main" id="{77740B61-BE46-4D18-B8C0-B4F6D4C0E487}"/>
+            <a:endParaRPr lang="nl-NL"/>
+          </a:p>
+        </p:txBody>
+      </p:sp>
+      <p:cxnSp>
+        <p:nvCxnSpPr>
+          <p:cNvPr id="307" name="Rechte verbindingslijn met pijl 306">
+            <a:extLst>
+              <a:ext uri="{FF2B5EF4-FFF2-40B4-BE49-F238E27FC236}">
+                <a16:creationId xmlns:a16="http://schemas.microsoft.com/office/drawing/2014/main" id="{AC5A518B-E69C-47CA-9075-1A163303277F}"/>
+              </a:ext>
+            </a:extLst>
+          </p:cNvPr>
+          <p:cNvCxnSpPr>
+            <a:cxnSpLocks/>
+            <a:stCxn id="306" idx="3"/>
+            <a:endCxn id="306" idx="2"/>
+          </p:cNvCxnSpPr>
+          <p:nvPr/>
+        </p:nvCxnSpPr>
+        <p:spPr>
+          <a:xfrm flipH="1" flipV="1">
+            <a:off x="7497788" y="6385588"/>
+            <a:ext cx="36589" cy="89457"/>
+          </a:xfrm>
+          <a:prstGeom prst="straightConnector1">
+            <a:avLst/>
+          </a:prstGeom>
+          <a:ln>
+            <a:tailEnd type="triangle"/>
+          </a:ln>
+        </p:spPr>
+        <p:style>
+          <a:lnRef idx="1">
+            <a:schemeClr val="accent1"/>
+          </a:lnRef>
+          <a:fillRef idx="0">
+            <a:schemeClr val="accent1"/>
+          </a:fillRef>
+          <a:effectRef idx="0">
+            <a:schemeClr val="accent1"/>
+          </a:effectRef>
+          <a:fontRef idx="minor">
+            <a:schemeClr val="tx1"/>
+          </a:fontRef>
+        </p:style>
+      </p:cxnSp>
+      <p:sp>
+        <p:nvSpPr>
+          <p:cNvPr id="308" name="Tekstvak 307">
+            <a:extLst>
+              <a:ext uri="{FF2B5EF4-FFF2-40B4-BE49-F238E27FC236}">
+                <a16:creationId xmlns:a16="http://schemas.microsoft.com/office/drawing/2014/main" id="{EBC7FFE1-1907-4A8F-B54A-F6696141B7B8}"/>
               </a:ext>
             </a:extLst>
           </p:cNvPr>
@@ -3592,12 +3495,225 @@
         </p:nvSpPr>
         <p:spPr>
           <a:xfrm>
-            <a:off x="1239466" y="1595333"/>
-            <a:ext cx="865762" cy="505842"/>
+            <a:off x="7678919" y="6374005"/>
+            <a:ext cx="853119" cy="246221"/>
           </a:xfrm>
           <a:prstGeom prst="rect">
             <a:avLst/>
           </a:prstGeom>
+          <a:noFill/>
+        </p:spPr>
+        <p:txBody>
+          <a:bodyPr wrap="none" rtlCol="0">
+            <a:spAutoFit/>
+          </a:bodyPr>
+          <a:lstStyle/>
+          <a:p>
+            <a:r>
+              <a:rPr lang="nl-NL" sz="1000" dirty="0" err="1"/>
+              <a:t>retry</a:t>
+            </a:r>
+            <a:r>
+              <a:rPr lang="nl-NL" sz="1000" dirty="0"/>
+              <a:t> </a:t>
+            </a:r>
+            <a:r>
+              <a:rPr lang="nl-NL" sz="1000" dirty="0" err="1"/>
+              <a:t>if</a:t>
+            </a:r>
+            <a:r>
+              <a:rPr lang="nl-NL" sz="1000" dirty="0"/>
+              <a:t> </a:t>
+            </a:r>
+            <a:r>
+              <a:rPr lang="nl-NL" sz="1000" dirty="0" err="1"/>
+              <a:t>failed</a:t>
+            </a:r>
+            <a:endParaRPr lang="nl-NL" sz="1000" dirty="0"/>
+          </a:p>
+        </p:txBody>
+      </p:sp>
+      <p:grpSp>
+        <p:nvGrpSpPr>
+          <p:cNvPr id="282" name="Groep 281">
+            <a:extLst>
+              <a:ext uri="{FF2B5EF4-FFF2-40B4-BE49-F238E27FC236}">
+                <a16:creationId xmlns:a16="http://schemas.microsoft.com/office/drawing/2014/main" id="{97E0DDDC-C9F1-4A04-B390-0264B6F37E58}"/>
+              </a:ext>
+            </a:extLst>
+          </p:cNvPr>
+          <p:cNvGrpSpPr/>
+          <p:nvPr/>
+        </p:nvGrpSpPr>
+        <p:grpSpPr>
+          <a:xfrm>
+            <a:off x="2008216" y="214167"/>
+            <a:ext cx="1202211" cy="434961"/>
+            <a:chOff x="1993702" y="1257382"/>
+            <a:chExt cx="1202211" cy="434961"/>
+          </a:xfrm>
+        </p:grpSpPr>
+        <p:sp>
+          <p:nvSpPr>
+            <p:cNvPr id="124" name="Ovaal 123">
+              <a:extLst>
+                <a:ext uri="{FF2B5EF4-FFF2-40B4-BE49-F238E27FC236}">
+                  <a16:creationId xmlns:a16="http://schemas.microsoft.com/office/drawing/2014/main" id="{3BFB6E16-9256-4096-AF3F-AB25FB37C60E}"/>
+                </a:ext>
+              </a:extLst>
+            </p:cNvPr>
+            <p:cNvSpPr/>
+            <p:nvPr/>
+          </p:nvSpPr>
+          <p:spPr>
+            <a:xfrm>
+              <a:off x="1993702" y="1439321"/>
+              <a:ext cx="249842" cy="253022"/>
+            </a:xfrm>
+            <a:prstGeom prst="ellipse">
+              <a:avLst/>
+            </a:prstGeom>
+            <a:noFill/>
+            <a:ln w="12700">
+              <a:solidFill>
+                <a:schemeClr val="accent1"/>
+              </a:solidFill>
+            </a:ln>
+          </p:spPr>
+          <p:style>
+            <a:lnRef idx="2">
+              <a:schemeClr val="accent1">
+                <a:shade val="50000"/>
+              </a:schemeClr>
+            </a:lnRef>
+            <a:fillRef idx="1">
+              <a:schemeClr val="accent1"/>
+            </a:fillRef>
+            <a:effectRef idx="0">
+              <a:schemeClr val="accent1"/>
+            </a:effectRef>
+            <a:fontRef idx="minor">
+              <a:schemeClr val="lt1"/>
+            </a:fontRef>
+          </p:style>
+          <p:txBody>
+            <a:bodyPr rtlCol="0" anchor="ctr"/>
+            <a:lstStyle/>
+            <a:p>
+              <a:pPr algn="ctr"/>
+              <a:endParaRPr lang="nl-NL"/>
+            </a:p>
+          </p:txBody>
+        </p:sp>
+        <p:cxnSp>
+          <p:nvCxnSpPr>
+            <p:cNvPr id="125" name="Rechte verbindingslijn met pijl 124">
+              <a:extLst>
+                <a:ext uri="{FF2B5EF4-FFF2-40B4-BE49-F238E27FC236}">
+                  <a16:creationId xmlns:a16="http://schemas.microsoft.com/office/drawing/2014/main" id="{2146862A-B6CE-4F62-A659-3BCD75727DFE}"/>
+                </a:ext>
+              </a:extLst>
+            </p:cNvPr>
+            <p:cNvCxnSpPr>
+              <a:cxnSpLocks/>
+              <a:stCxn id="124" idx="5"/>
+            </p:cNvCxnSpPr>
+            <p:nvPr/>
+          </p:nvCxnSpPr>
+          <p:spPr>
+            <a:xfrm flipH="1">
+              <a:off x="2113025" y="1655289"/>
+              <a:ext cx="93930" cy="37054"/>
+            </a:xfrm>
+            <a:prstGeom prst="straightConnector1">
+              <a:avLst/>
+            </a:prstGeom>
+            <a:ln>
+              <a:tailEnd type="triangle"/>
+            </a:ln>
+          </p:spPr>
+          <p:style>
+            <a:lnRef idx="1">
+              <a:schemeClr val="accent1"/>
+            </a:lnRef>
+            <a:fillRef idx="0">
+              <a:schemeClr val="accent1"/>
+            </a:fillRef>
+            <a:effectRef idx="0">
+              <a:schemeClr val="accent1"/>
+            </a:effectRef>
+            <a:fontRef idx="minor">
+              <a:schemeClr val="tx1"/>
+            </a:fontRef>
+          </p:style>
+        </p:cxnSp>
+        <p:sp>
+          <p:nvSpPr>
+            <p:cNvPr id="127" name="Tekstvak 126">
+              <a:extLst>
+                <a:ext uri="{FF2B5EF4-FFF2-40B4-BE49-F238E27FC236}">
+                  <a16:creationId xmlns:a16="http://schemas.microsoft.com/office/drawing/2014/main" id="{61BD5CF2-3808-41E5-B0B7-1DB866708179}"/>
+                </a:ext>
+              </a:extLst>
+            </p:cNvPr>
+            <p:cNvSpPr txBox="1"/>
+            <p:nvPr/>
+          </p:nvSpPr>
+          <p:spPr>
+            <a:xfrm>
+              <a:off x="2150434" y="1257382"/>
+              <a:ext cx="1045479" cy="246221"/>
+            </a:xfrm>
+            <a:prstGeom prst="rect">
+              <a:avLst/>
+            </a:prstGeom>
+            <a:noFill/>
+          </p:spPr>
+          <p:txBody>
+            <a:bodyPr wrap="none" rtlCol="0">
+              <a:spAutoFit/>
+            </a:bodyPr>
+            <a:lstStyle/>
+            <a:p>
+              <a:r>
+                <a:rPr lang="nl-NL" sz="1000" dirty="0" err="1"/>
+                <a:t>fill</a:t>
+              </a:r>
+              <a:r>
+                <a:rPr lang="nl-NL" sz="1000" dirty="0"/>
+                <a:t> in more steps</a:t>
+              </a:r>
+            </a:p>
+          </p:txBody>
+        </p:sp>
+      </p:grpSp>
+      <p:sp>
+        <p:nvSpPr>
+          <p:cNvPr id="178" name="Tekstvak 177">
+            <a:extLst>
+              <a:ext uri="{FF2B5EF4-FFF2-40B4-BE49-F238E27FC236}">
+                <a16:creationId xmlns:a16="http://schemas.microsoft.com/office/drawing/2014/main" id="{E7F9B108-38A8-4F0A-ADF0-32AB375B16A4}"/>
+              </a:ext>
+            </a:extLst>
+          </p:cNvPr>
+          <p:cNvSpPr txBox="1"/>
+          <p:nvPr/>
+        </p:nvSpPr>
+        <p:spPr>
+          <a:xfrm>
+            <a:off x="3763829" y="3676952"/>
+            <a:ext cx="2331145" cy="2303013"/>
+          </a:xfrm>
+          <a:prstGeom prst="rect">
+            <a:avLst/>
+          </a:prstGeom>
+          <a:noFill/>
+          <a:ln>
+            <a:solidFill>
+              <a:schemeClr val="tx1"/>
+            </a:solidFill>
+            <a:prstDash val="dash"/>
+          </a:ln>
         </p:spPr>
         <p:style>
           <a:lnRef idx="2">
@@ -3614,29 +3730,34 @@
           </a:fontRef>
         </p:style>
         <p:txBody>
-          <a:bodyPr wrap="square" rtlCol="0" anchor="ctr" anchorCtr="0">
+          <a:bodyPr wrap="square" rtlCol="0" anchor="t" anchorCtr="0">
             <a:noAutofit/>
           </a:bodyPr>
           <a:lstStyle/>
           <a:p>
-            <a:pPr algn="ctr"/>
-            <a:r>
-              <a:rPr lang="nl-NL" sz="1000" dirty="0" err="1"/>
-              <a:t>Fill</a:t>
-            </a:r>
-            <a:r>
-              <a:rPr lang="nl-NL" sz="1000" dirty="0"/>
-              <a:t> in form steps</a:t>
-            </a:r>
-          </a:p>
-        </p:txBody>
-      </p:sp>
-      <p:sp>
-        <p:nvSpPr>
-          <p:cNvPr id="6" name="Tekstvak 5">
-            <a:extLst>
-              <a:ext uri="{FF2B5EF4-FFF2-40B4-BE49-F238E27FC236}">
-                <a16:creationId xmlns:a16="http://schemas.microsoft.com/office/drawing/2014/main" id="{D1BB12C5-43E8-41DF-9484-DBEC48F3970C}"/>
+            <a:pPr algn="r"/>
+            <a:r>
+              <a:rPr lang="nl-NL" sz="1000" b="1" dirty="0" err="1"/>
+              <a:t>Submission</a:t>
+            </a:r>
+            <a:r>
+              <a:rPr lang="nl-NL" sz="1000" b="1" dirty="0"/>
+              <a:t> </a:t>
+            </a:r>
+            <a:r>
+              <a:rPr lang="nl-NL" sz="1000" b="1" dirty="0" err="1"/>
+              <a:t>identifier</a:t>
+            </a:r>
+            <a:endParaRPr lang="nl-NL" sz="1000" b="1" dirty="0"/>
+          </a:p>
+        </p:txBody>
+      </p:sp>
+      <p:sp>
+        <p:nvSpPr>
+          <p:cNvPr id="96" name="Tekstvak 95">
+            <a:extLst>
+              <a:ext uri="{FF2B5EF4-FFF2-40B4-BE49-F238E27FC236}">
+                <a16:creationId xmlns:a16="http://schemas.microsoft.com/office/drawing/2014/main" id="{9F29D660-EDCF-45F0-9D9E-8E9E75A205A5}"/>
               </a:ext>
             </a:extLst>
           </p:cNvPr>
@@ -3645,12 +3766,19 @@
         </p:nvSpPr>
         <p:spPr>
           <a:xfrm>
-            <a:off x="1239463" y="3190663"/>
-            <a:ext cx="865763" cy="505842"/>
+            <a:off x="910093" y="2825047"/>
+            <a:ext cx="2557334" cy="3852397"/>
           </a:xfrm>
           <a:prstGeom prst="rect">
             <a:avLst/>
           </a:prstGeom>
+          <a:noFill/>
+          <a:ln>
+            <a:solidFill>
+              <a:schemeClr val="tx1"/>
+            </a:solidFill>
+            <a:prstDash val="dash"/>
+          </a:ln>
         </p:spPr>
         <p:style>
           <a:lnRef idx="2">
@@ -3667,29 +3795,26 @@
           </a:fontRef>
         </p:style>
         <p:txBody>
-          <a:bodyPr wrap="square" rtlCol="0" anchor="ctr" anchorCtr="0">
+          <a:bodyPr wrap="square" rtlCol="0" anchor="t" anchorCtr="0">
             <a:noAutofit/>
           </a:bodyPr>
           <a:lstStyle/>
           <a:p>
-            <a:pPr algn="ctr"/>
-            <a:r>
-              <a:rPr lang="nl-NL" sz="1000" dirty="0" err="1"/>
-              <a:t>Submit</a:t>
-            </a:r>
-            <a:r>
-              <a:rPr lang="nl-NL" sz="1000" dirty="0"/>
-              <a:t> form</a:t>
-            </a:r>
-          </a:p>
-        </p:txBody>
-      </p:sp>
-      <p:sp>
-        <p:nvSpPr>
-          <p:cNvPr id="7" name="Tekstvak 6">
-            <a:extLst>
-              <a:ext uri="{FF2B5EF4-FFF2-40B4-BE49-F238E27FC236}">
-                <a16:creationId xmlns:a16="http://schemas.microsoft.com/office/drawing/2014/main" id="{8BB5E304-84E6-4C13-A1E3-10FE61B12F99}"/>
+            <a:pPr algn="r"/>
+            <a:r>
+              <a:rPr lang="nl-NL" sz="1000" b="1" dirty="0" err="1"/>
+              <a:t>Appointment</a:t>
+            </a:r>
+            <a:endParaRPr lang="nl-NL" sz="1000" b="1" dirty="0"/>
+          </a:p>
+        </p:txBody>
+      </p:sp>
+      <p:sp>
+        <p:nvSpPr>
+          <p:cNvPr id="238" name="Tekstvak 237">
+            <a:extLst>
+              <a:ext uri="{FF2B5EF4-FFF2-40B4-BE49-F238E27FC236}">
+                <a16:creationId xmlns:a16="http://schemas.microsoft.com/office/drawing/2014/main" id="{2B274404-2E19-4D79-A3FD-10F3B2B1C422}"/>
               </a:ext>
             </a:extLst>
           </p:cNvPr>
@@ -3698,12 +3823,13 @@
         </p:nvSpPr>
         <p:spPr>
           <a:xfrm>
-            <a:off x="1239463" y="3988328"/>
-            <a:ext cx="865764" cy="505842"/>
+            <a:off x="6419369" y="368659"/>
+            <a:ext cx="2557334" cy="3062683"/>
           </a:xfrm>
           <a:prstGeom prst="rect">
             <a:avLst/>
           </a:prstGeom>
+          <a:noFill/>
           <a:ln>
             <a:solidFill>
               <a:schemeClr val="tx1"/>
@@ -3726,34 +3852,29 @@
           </a:fontRef>
         </p:style>
         <p:txBody>
-          <a:bodyPr wrap="square" rtlCol="0" anchor="ctr" anchorCtr="0">
+          <a:bodyPr wrap="square" rtlCol="0" anchor="t" anchorCtr="0">
             <a:noAutofit/>
           </a:bodyPr>
           <a:lstStyle/>
           <a:p>
-            <a:pPr algn="ctr"/>
-            <a:r>
-              <a:rPr lang="nl-NL" sz="1000" dirty="0" err="1"/>
-              <a:t>Create</a:t>
-            </a:r>
-            <a:r>
-              <a:rPr lang="nl-NL" sz="1000" dirty="0"/>
-              <a:t> </a:t>
-            </a:r>
-            <a:r>
-              <a:rPr lang="nl-NL" sz="1000" dirty="0" err="1"/>
-              <a:t>appointment</a:t>
-            </a:r>
-            <a:endParaRPr lang="nl-NL" sz="1000" dirty="0"/>
-          </a:p>
-        </p:txBody>
-      </p:sp>
-      <p:sp>
-        <p:nvSpPr>
-          <p:cNvPr id="8" name="Tekstvak 7">
-            <a:extLst>
-              <a:ext uri="{FF2B5EF4-FFF2-40B4-BE49-F238E27FC236}">
-                <a16:creationId xmlns:a16="http://schemas.microsoft.com/office/drawing/2014/main" id="{C56EA9C4-110F-407B-BFFB-EED2A0D2186E}"/>
+            <a:pPr algn="r"/>
+            <a:r>
+              <a:rPr lang="nl-NL" sz="1000" b="1" dirty="0" err="1"/>
+              <a:t>Appointment</a:t>
+            </a:r>
+            <a:r>
+              <a:rPr lang="nl-NL" sz="1000" b="1" dirty="0"/>
+              <a:t> update</a:t>
+            </a:r>
+          </a:p>
+        </p:txBody>
+      </p:sp>
+      <p:sp>
+        <p:nvSpPr>
+          <p:cNvPr id="4" name="Tekstvak 3">
+            <a:extLst>
+              <a:ext uri="{FF2B5EF4-FFF2-40B4-BE49-F238E27FC236}">
+                <a16:creationId xmlns:a16="http://schemas.microsoft.com/office/drawing/2014/main" id="{C3063D4C-F41F-4FE2-AB3E-D60B65F3FA20}"/>
               </a:ext>
             </a:extLst>
           </p:cNvPr>
@@ -3762,10 +3883,10 @@
         </p:nvSpPr>
         <p:spPr>
           <a:xfrm>
-            <a:off x="4011845" y="797668"/>
-            <a:ext cx="865764" cy="505842"/>
-          </a:xfrm>
-          <a:prstGeom prst="rect">
+            <a:off x="1253980" y="40203"/>
+            <a:ext cx="865761" cy="505842"/>
+          </a:xfrm>
+          <a:prstGeom prst="flowChartManualInput">
             <a:avLst/>
           </a:prstGeom>
         </p:spPr>
@@ -3784,29 +3905,25 @@
           </a:fontRef>
         </p:style>
         <p:txBody>
-          <a:bodyPr wrap="square" rtlCol="0" anchor="ctr" anchorCtr="0">
+          <a:bodyPr wrap="square" lIns="0" rIns="0" rtlCol="0" anchor="ctr" anchorCtr="0">
             <a:noAutofit/>
           </a:bodyPr>
           <a:lstStyle/>
           <a:p>
             <a:pPr algn="ctr"/>
             <a:r>
-              <a:rPr lang="nl-NL" sz="1000" dirty="0" err="1"/>
-              <a:t>Create</a:t>
-            </a:r>
-            <a:r>
-              <a:rPr lang="nl-NL" sz="1000" dirty="0"/>
-              <a:t> PDF</a:t>
-            </a:r>
-          </a:p>
-        </p:txBody>
-      </p:sp>
-      <p:sp>
-        <p:nvSpPr>
-          <p:cNvPr id="9" name="Tekstvak 8">
-            <a:extLst>
-              <a:ext uri="{FF2B5EF4-FFF2-40B4-BE49-F238E27FC236}">
-                <a16:creationId xmlns:a16="http://schemas.microsoft.com/office/drawing/2014/main" id="{50E47F1C-20C4-420D-AF3B-CC49507E9DB4}"/>
+              <a:rPr lang="nl-NL" sz="900" dirty="0"/>
+              <a:t>Show form</a:t>
+            </a:r>
+          </a:p>
+        </p:txBody>
+      </p:sp>
+      <p:sp>
+        <p:nvSpPr>
+          <p:cNvPr id="5" name="Tekstvak 4">
+            <a:extLst>
+              <a:ext uri="{FF2B5EF4-FFF2-40B4-BE49-F238E27FC236}">
+                <a16:creationId xmlns:a16="http://schemas.microsoft.com/office/drawing/2014/main" id="{77740B61-BE46-4D18-B8C0-B4F6D4C0E487}"/>
               </a:ext>
             </a:extLst>
           </p:cNvPr>
@@ -3815,10 +3932,10 @@
         </p:nvSpPr>
         <p:spPr>
           <a:xfrm>
-            <a:off x="4011845" y="1595333"/>
-            <a:ext cx="865764" cy="505842"/>
-          </a:xfrm>
-          <a:prstGeom prst="rect">
+            <a:off x="1253980" y="733093"/>
+            <a:ext cx="865762" cy="505842"/>
+          </a:xfrm>
+          <a:prstGeom prst="flowChartManualInput">
             <a:avLst/>
           </a:prstGeom>
         </p:spPr>
@@ -3837,30 +3954,25 @@
           </a:fontRef>
         </p:style>
         <p:txBody>
-          <a:bodyPr wrap="square" rtlCol="0" anchor="ctr" anchorCtr="0">
+          <a:bodyPr wrap="square" lIns="0" rIns="0" rtlCol="0" anchor="ctr" anchorCtr="0">
             <a:noAutofit/>
           </a:bodyPr>
           <a:lstStyle/>
           <a:p>
             <a:pPr algn="ctr"/>
             <a:r>
-              <a:rPr lang="nl-NL" sz="1000" dirty="0"/>
-              <a:t>Register </a:t>
-            </a:r>
-            <a:r>
-              <a:rPr lang="nl-NL" sz="1000" dirty="0" err="1"/>
-              <a:t>submission</a:t>
-            </a:r>
-            <a:endParaRPr lang="nl-NL" sz="1000" dirty="0"/>
-          </a:p>
-        </p:txBody>
-      </p:sp>
-      <p:sp>
-        <p:nvSpPr>
-          <p:cNvPr id="10" name="Tekstvak 9">
-            <a:extLst>
-              <a:ext uri="{FF2B5EF4-FFF2-40B4-BE49-F238E27FC236}">
-                <a16:creationId xmlns:a16="http://schemas.microsoft.com/office/drawing/2014/main" id="{17D0491C-CA88-42D9-A99E-0F4868BD519B}"/>
+              <a:rPr lang="nl-NL" sz="900" dirty="0"/>
+              <a:t>Show form step</a:t>
+            </a:r>
+          </a:p>
+        </p:txBody>
+      </p:sp>
+      <p:sp>
+        <p:nvSpPr>
+          <p:cNvPr id="6" name="Tekstvak 5">
+            <a:extLst>
+              <a:ext uri="{FF2B5EF4-FFF2-40B4-BE49-F238E27FC236}">
+                <a16:creationId xmlns:a16="http://schemas.microsoft.com/office/drawing/2014/main" id="{D1BB12C5-43E8-41DF-9484-DBEC48F3970C}"/>
               </a:ext>
             </a:extLst>
           </p:cNvPr>
@@ -3869,8 +3981,8 @@
         </p:nvSpPr>
         <p:spPr>
           <a:xfrm>
-            <a:off x="4011845" y="2392998"/>
-            <a:ext cx="865764" cy="505842"/>
+            <a:off x="1253977" y="2147448"/>
+            <a:ext cx="865763" cy="505842"/>
           </a:xfrm>
           <a:prstGeom prst="rect">
             <a:avLst/>
@@ -3891,46 +4003,29 @@
           </a:fontRef>
         </p:style>
         <p:txBody>
-          <a:bodyPr wrap="square" lIns="0" rIns="0" rtlCol="0" anchor="ctr" anchorCtr="0">
+          <a:bodyPr wrap="square" rtlCol="0" anchor="ctr" anchorCtr="0">
             <a:noAutofit/>
           </a:bodyPr>
           <a:lstStyle/>
           <a:p>
             <a:pPr algn="ctr"/>
             <a:r>
+              <a:rPr lang="nl-NL" sz="1000" dirty="0" err="1"/>
+              <a:t>Submit</a:t>
+            </a:r>
+            <a:r>
               <a:rPr lang="nl-NL" sz="1000" dirty="0"/>
-              <a:t>Get </a:t>
-            </a:r>
-            <a:r>
-              <a:rPr lang="nl-NL" sz="1000" dirty="0" err="1"/>
-              <a:t>registration</a:t>
-            </a:r>
-            <a:r>
-              <a:rPr lang="nl-NL" sz="1000" dirty="0"/>
-              <a:t> or </a:t>
-            </a:r>
-            <a:r>
-              <a:rPr lang="nl-NL" sz="1000" dirty="0" err="1"/>
-              <a:t>internal</a:t>
-            </a:r>
-            <a:r>
-              <a:rPr lang="nl-NL" sz="1000" dirty="0"/>
-              <a:t> </a:t>
-            </a:r>
-            <a:r>
-              <a:rPr lang="nl-NL" sz="1000" dirty="0" err="1"/>
-              <a:t>reference</a:t>
-            </a:r>
-            <a:endParaRPr lang="nl-NL" sz="1000" dirty="0"/>
-          </a:p>
-        </p:txBody>
-      </p:sp>
-      <p:sp>
-        <p:nvSpPr>
-          <p:cNvPr id="11" name="Tekstvak 10">
-            <a:extLst>
-              <a:ext uri="{FF2B5EF4-FFF2-40B4-BE49-F238E27FC236}">
-                <a16:creationId xmlns:a16="http://schemas.microsoft.com/office/drawing/2014/main" id="{3C759EF7-7FCE-4693-B767-649FD92778AA}"/>
+              <a:t> form</a:t>
+            </a:r>
+          </a:p>
+        </p:txBody>
+      </p:sp>
+      <p:sp>
+        <p:nvSpPr>
+          <p:cNvPr id="8" name="Tekstvak 7">
+            <a:extLst>
+              <a:ext uri="{FF2B5EF4-FFF2-40B4-BE49-F238E27FC236}">
+                <a16:creationId xmlns:a16="http://schemas.microsoft.com/office/drawing/2014/main" id="{C56EA9C4-110F-407B-BFFB-EED2A0D2186E}"/>
               </a:ext>
             </a:extLst>
           </p:cNvPr>
@@ -3939,18 +4034,12 @@
         </p:nvSpPr>
         <p:spPr>
           <a:xfrm>
-            <a:off x="4011845" y="3190663"/>
+            <a:off x="3873884" y="473905"/>
             <a:ext cx="865764" cy="505842"/>
           </a:xfrm>
           <a:prstGeom prst="rect">
             <a:avLst/>
           </a:prstGeom>
-          <a:ln>
-            <a:solidFill>
-              <a:schemeClr val="tx1"/>
-            </a:solidFill>
-            <a:prstDash val="dash"/>
-          </a:ln>
         </p:spPr>
         <p:style>
           <a:lnRef idx="2">
@@ -3974,31 +4063,22 @@
           <a:p>
             <a:pPr algn="ctr"/>
             <a:r>
+              <a:rPr lang="nl-NL" sz="1000" dirty="0" err="1"/>
+              <a:t>Create</a:t>
+            </a:r>
+            <a:r>
               <a:rPr lang="nl-NL" sz="1000" dirty="0"/>
-              <a:t>Update </a:t>
-            </a:r>
-            <a:r>
-              <a:rPr lang="nl-NL" sz="1000" dirty="0" err="1"/>
-              <a:t>appointment</a:t>
-            </a:r>
-            <a:r>
-              <a:rPr lang="nl-NL" sz="1000" dirty="0"/>
-              <a:t> w/ </a:t>
-            </a:r>
-            <a:r>
-              <a:rPr lang="nl-NL" sz="1000" dirty="0" err="1"/>
-              <a:t>reference</a:t>
-            </a:r>
-            <a:endParaRPr lang="nl-NL" sz="1000" dirty="0"/>
-          </a:p>
-        </p:txBody>
-      </p:sp>
-      <p:sp>
-        <p:nvSpPr>
-          <p:cNvPr id="12" name="Tekstvak 11">
-            <a:extLst>
-              <a:ext uri="{FF2B5EF4-FFF2-40B4-BE49-F238E27FC236}">
-                <a16:creationId xmlns:a16="http://schemas.microsoft.com/office/drawing/2014/main" id="{329B4F03-8F21-4662-AAD7-B8265F293356}"/>
+              <a:t> PDF</a:t>
+            </a:r>
+          </a:p>
+        </p:txBody>
+      </p:sp>
+      <p:sp>
+        <p:nvSpPr>
+          <p:cNvPr id="15" name="Tekstvak 14">
+            <a:extLst>
+              <a:ext uri="{FF2B5EF4-FFF2-40B4-BE49-F238E27FC236}">
+                <a16:creationId xmlns:a16="http://schemas.microsoft.com/office/drawing/2014/main" id="{CA2E5E36-564E-4209-A88B-0281073C1E8F}"/>
               </a:ext>
             </a:extLst>
           </p:cNvPr>
@@ -4007,10 +4087,10 @@
         </p:nvSpPr>
         <p:spPr>
           <a:xfrm>
-            <a:off x="4011845" y="3988328"/>
-            <a:ext cx="865764" cy="505842"/>
-          </a:xfrm>
-          <a:prstGeom prst="rect">
+            <a:off x="1253976" y="1425983"/>
+            <a:ext cx="865762" cy="505842"/>
+          </a:xfrm>
+          <a:prstGeom prst="flowChartManualInput">
             <a:avLst/>
           </a:prstGeom>
         </p:spPr>
@@ -4029,33 +4109,293 @@
           </a:fontRef>
         </p:style>
         <p:txBody>
-          <a:bodyPr wrap="square" rtlCol="0" anchor="ctr" anchorCtr="0">
+          <a:bodyPr wrap="square" lIns="0" rIns="0" rtlCol="0" anchor="ctr" anchorCtr="0">
             <a:noAutofit/>
           </a:bodyPr>
           <a:lstStyle/>
           <a:p>
             <a:pPr algn="ctr"/>
             <a:r>
+              <a:rPr lang="nl-NL" sz="900" dirty="0"/>
+              <a:t>Show summary page</a:t>
+            </a:r>
+          </a:p>
+        </p:txBody>
+      </p:sp>
+      <p:cxnSp>
+        <p:nvCxnSpPr>
+          <p:cNvPr id="26" name="Rechte verbindingslijn met pijl 25">
+            <a:extLst>
+              <a:ext uri="{FF2B5EF4-FFF2-40B4-BE49-F238E27FC236}">
+                <a16:creationId xmlns:a16="http://schemas.microsoft.com/office/drawing/2014/main" id="{012CB186-681B-4FE8-A0A0-AFCABED6F110}"/>
+              </a:ext>
+            </a:extLst>
+          </p:cNvPr>
+          <p:cNvCxnSpPr>
+            <a:cxnSpLocks/>
+            <a:stCxn id="4" idx="2"/>
+            <a:endCxn id="5" idx="0"/>
+          </p:cNvCxnSpPr>
+          <p:nvPr/>
+        </p:nvCxnSpPr>
+        <p:spPr>
+          <a:xfrm>
+            <a:off x="1686861" y="546045"/>
+            <a:ext cx="0" cy="237632"/>
+          </a:xfrm>
+          <a:prstGeom prst="straightConnector1">
+            <a:avLst/>
+          </a:prstGeom>
+          <a:ln w="12700">
+            <a:tailEnd type="triangle"/>
+          </a:ln>
+        </p:spPr>
+        <p:style>
+          <a:lnRef idx="1">
+            <a:schemeClr val="accent1"/>
+          </a:lnRef>
+          <a:fillRef idx="0">
+            <a:schemeClr val="accent1"/>
+          </a:fillRef>
+          <a:effectRef idx="0">
+            <a:schemeClr val="accent1"/>
+          </a:effectRef>
+          <a:fontRef idx="minor">
+            <a:schemeClr val="tx1"/>
+          </a:fontRef>
+        </p:style>
+      </p:cxnSp>
+      <p:cxnSp>
+        <p:nvCxnSpPr>
+          <p:cNvPr id="27" name="Rechte verbindingslijn met pijl 26">
+            <a:extLst>
+              <a:ext uri="{FF2B5EF4-FFF2-40B4-BE49-F238E27FC236}">
+                <a16:creationId xmlns:a16="http://schemas.microsoft.com/office/drawing/2014/main" id="{BC210FCB-6FDF-45E0-8383-75508CF40625}"/>
+              </a:ext>
+            </a:extLst>
+          </p:cNvPr>
+          <p:cNvCxnSpPr>
+            <a:cxnSpLocks/>
+            <a:stCxn id="5" idx="2"/>
+            <a:endCxn id="15" idx="0"/>
+          </p:cNvCxnSpPr>
+          <p:nvPr/>
+        </p:nvCxnSpPr>
+        <p:spPr>
+          <a:xfrm flipH="1">
+            <a:off x="1686857" y="1238935"/>
+            <a:ext cx="4" cy="237632"/>
+          </a:xfrm>
+          <a:prstGeom prst="straightConnector1">
+            <a:avLst/>
+          </a:prstGeom>
+          <a:ln w="12700">
+            <a:tailEnd type="triangle"/>
+          </a:ln>
+        </p:spPr>
+        <p:style>
+          <a:lnRef idx="1">
+            <a:schemeClr val="accent1"/>
+          </a:lnRef>
+          <a:fillRef idx="0">
+            <a:schemeClr val="accent1"/>
+          </a:fillRef>
+          <a:effectRef idx="0">
+            <a:schemeClr val="accent1"/>
+          </a:effectRef>
+          <a:fontRef idx="minor">
+            <a:schemeClr val="tx1"/>
+          </a:fontRef>
+        </p:style>
+      </p:cxnSp>
+      <p:cxnSp>
+        <p:nvCxnSpPr>
+          <p:cNvPr id="30" name="Rechte verbindingslijn met pijl 29">
+            <a:extLst>
+              <a:ext uri="{FF2B5EF4-FFF2-40B4-BE49-F238E27FC236}">
+                <a16:creationId xmlns:a16="http://schemas.microsoft.com/office/drawing/2014/main" id="{B09C5217-8581-4DC7-A092-4BEFCE1E8136}"/>
+              </a:ext>
+            </a:extLst>
+          </p:cNvPr>
+          <p:cNvCxnSpPr>
+            <a:cxnSpLocks/>
+            <a:stCxn id="15" idx="2"/>
+            <a:endCxn id="6" idx="0"/>
+          </p:cNvCxnSpPr>
+          <p:nvPr/>
+        </p:nvCxnSpPr>
+        <p:spPr>
+          <a:xfrm>
+            <a:off x="1686857" y="1931825"/>
+            <a:ext cx="2" cy="215623"/>
+          </a:xfrm>
+          <a:prstGeom prst="straightConnector1">
+            <a:avLst/>
+          </a:prstGeom>
+          <a:ln w="12700">
+            <a:tailEnd type="triangle"/>
+          </a:ln>
+        </p:spPr>
+        <p:style>
+          <a:lnRef idx="1">
+            <a:schemeClr val="accent1"/>
+          </a:lnRef>
+          <a:fillRef idx="0">
+            <a:schemeClr val="accent1"/>
+          </a:fillRef>
+          <a:effectRef idx="0">
+            <a:schemeClr val="accent1"/>
+          </a:effectRef>
+          <a:fontRef idx="minor">
+            <a:schemeClr val="tx1"/>
+          </a:fontRef>
+        </p:style>
+      </p:cxnSp>
+      <p:sp>
+        <p:nvSpPr>
+          <p:cNvPr id="38" name="Tekstvak 37">
+            <a:extLst>
+              <a:ext uri="{FF2B5EF4-FFF2-40B4-BE49-F238E27FC236}">
+                <a16:creationId xmlns:a16="http://schemas.microsoft.com/office/drawing/2014/main" id="{EF0E4648-0D4D-47EF-A1AC-4FF3F4E57DDD}"/>
+              </a:ext>
+            </a:extLst>
+          </p:cNvPr>
+          <p:cNvSpPr txBox="1"/>
+          <p:nvPr/>
+        </p:nvSpPr>
+        <p:spPr>
+          <a:xfrm>
+            <a:off x="2305097" y="1583115"/>
+            <a:ext cx="933269" cy="400110"/>
+          </a:xfrm>
+          <a:prstGeom prst="rect">
+            <a:avLst/>
+          </a:prstGeom>
+          <a:noFill/>
+        </p:spPr>
+        <p:txBody>
+          <a:bodyPr wrap="none" rtlCol="0">
+            <a:spAutoFit/>
+          </a:bodyPr>
+          <a:lstStyle/>
+          <a:p>
+            <a:r>
+              <a:rPr lang="nl-NL" sz="1000" dirty="0" err="1"/>
+              <a:t>appointment</a:t>
+            </a:r>
+            <a:br>
               <a:rPr lang="nl-NL" sz="1000" dirty="0"/>
-              <a:t>Show </a:t>
-            </a:r>
+            </a:br>
             <a:r>
               <a:rPr lang="nl-NL" sz="1000" dirty="0" err="1"/>
-              <a:t>confirmation</a:t>
+              <a:t>creation</a:t>
             </a:r>
             <a:r>
               <a:rPr lang="nl-NL" sz="1000" dirty="0"/>
-              <a:t> page</a:t>
-            </a:r>
-          </a:p>
-        </p:txBody>
-      </p:sp>
-      <p:sp>
-        <p:nvSpPr>
-          <p:cNvPr id="15" name="Tekstvak 14">
-            <a:extLst>
-              <a:ext uri="{FF2B5EF4-FFF2-40B4-BE49-F238E27FC236}">
-                <a16:creationId xmlns:a16="http://schemas.microsoft.com/office/drawing/2014/main" id="{CA2E5E36-564E-4209-A88B-0281073C1E8F}"/>
+              <a:t> </a:t>
+            </a:r>
+            <a:r>
+              <a:rPr lang="nl-NL" sz="1000" dirty="0" err="1"/>
+              <a:t>failed</a:t>
+            </a:r>
+            <a:endParaRPr lang="nl-NL" sz="1000" dirty="0"/>
+          </a:p>
+        </p:txBody>
+      </p:sp>
+      <p:cxnSp>
+        <p:nvCxnSpPr>
+          <p:cNvPr id="43" name="Rechte verbindingslijn met pijl 42">
+            <a:extLst>
+              <a:ext uri="{FF2B5EF4-FFF2-40B4-BE49-F238E27FC236}">
+                <a16:creationId xmlns:a16="http://schemas.microsoft.com/office/drawing/2014/main" id="{7C44EFF8-3C1E-414B-B585-6E576D144A32}"/>
+              </a:ext>
+            </a:extLst>
+          </p:cNvPr>
+          <p:cNvCxnSpPr>
+            <a:cxnSpLocks/>
+            <a:stCxn id="8" idx="2"/>
+            <a:endCxn id="134" idx="0"/>
+          </p:cNvCxnSpPr>
+          <p:nvPr/>
+        </p:nvCxnSpPr>
+        <p:spPr>
+          <a:xfrm flipH="1">
+            <a:off x="4304746" y="979747"/>
+            <a:ext cx="2020" cy="365007"/>
+          </a:xfrm>
+          <a:prstGeom prst="straightConnector1">
+            <a:avLst/>
+          </a:prstGeom>
+          <a:ln w="12700">
+            <a:tailEnd type="triangle"/>
+          </a:ln>
+        </p:spPr>
+        <p:style>
+          <a:lnRef idx="1">
+            <a:schemeClr val="accent1"/>
+          </a:lnRef>
+          <a:fillRef idx="0">
+            <a:schemeClr val="accent1"/>
+          </a:fillRef>
+          <a:effectRef idx="0">
+            <a:schemeClr val="accent1"/>
+          </a:effectRef>
+          <a:fontRef idx="minor">
+            <a:schemeClr val="tx1"/>
+          </a:fontRef>
+        </p:style>
+      </p:cxnSp>
+      <p:cxnSp>
+        <p:nvCxnSpPr>
+          <p:cNvPr id="59" name="Verbindingslijn: gebogen 58">
+            <a:extLst>
+              <a:ext uri="{FF2B5EF4-FFF2-40B4-BE49-F238E27FC236}">
+                <a16:creationId xmlns:a16="http://schemas.microsoft.com/office/drawing/2014/main" id="{AC8D5BB7-1600-4B19-AF8C-6C434634112B}"/>
+              </a:ext>
+            </a:extLst>
+          </p:cNvPr>
+          <p:cNvCxnSpPr>
+            <a:cxnSpLocks/>
+            <a:stCxn id="6" idx="1"/>
+            <a:endCxn id="15" idx="1"/>
+          </p:cNvCxnSpPr>
+          <p:nvPr/>
+        </p:nvCxnSpPr>
+        <p:spPr>
+          <a:xfrm rot="10800000">
+            <a:off x="1253977" y="1678905"/>
+            <a:ext cx="1" cy="721465"/>
+          </a:xfrm>
+          <a:prstGeom prst="bentConnector3">
+            <a:avLst>
+              <a:gd name="adj1" fmla="val 22860100000"/>
+            </a:avLst>
+          </a:prstGeom>
+          <a:ln w="12700">
+            <a:tailEnd type="triangle"/>
+          </a:ln>
+        </p:spPr>
+        <p:style>
+          <a:lnRef idx="1">
+            <a:schemeClr val="accent1"/>
+          </a:lnRef>
+          <a:fillRef idx="0">
+            <a:schemeClr val="accent1"/>
+          </a:fillRef>
+          <a:effectRef idx="0">
+            <a:schemeClr val="accent1"/>
+          </a:effectRef>
+          <a:fontRef idx="minor">
+            <a:schemeClr val="tx1"/>
+          </a:fontRef>
+        </p:style>
+      </p:cxnSp>
+      <p:sp>
+        <p:nvSpPr>
+          <p:cNvPr id="60" name="Tekstvak 59">
+            <a:extLst>
+              <a:ext uri="{FF2B5EF4-FFF2-40B4-BE49-F238E27FC236}">
+                <a16:creationId xmlns:a16="http://schemas.microsoft.com/office/drawing/2014/main" id="{972A18C1-2AEE-44FE-BE46-26E482618C2B}"/>
               </a:ext>
             </a:extLst>
           </p:cNvPr>
@@ -4064,8 +4404,60 @@
         </p:nvSpPr>
         <p:spPr>
           <a:xfrm>
-            <a:off x="1239462" y="2392998"/>
-            <a:ext cx="865762" cy="505842"/>
+            <a:off x="30064" y="1855625"/>
+            <a:ext cx="994183" cy="400110"/>
+          </a:xfrm>
+          <a:prstGeom prst="rect">
+            <a:avLst/>
+          </a:prstGeom>
+          <a:noFill/>
+        </p:spPr>
+        <p:txBody>
+          <a:bodyPr wrap="none" rtlCol="0">
+            <a:spAutoFit/>
+          </a:bodyPr>
+          <a:lstStyle/>
+          <a:p>
+            <a:pPr algn="r"/>
+            <a:r>
+              <a:rPr lang="nl-NL" sz="1000" dirty="0" err="1"/>
+              <a:t>submit</a:t>
+            </a:r>
+            <a:br>
+              <a:rPr lang="nl-NL" sz="1000" dirty="0"/>
+            </a:br>
+            <a:r>
+              <a:rPr lang="nl-NL" sz="1000" dirty="0" err="1"/>
+              <a:t>condition</a:t>
+            </a:r>
+            <a:r>
+              <a:rPr lang="nl-NL" sz="1000" dirty="0"/>
+              <a:t> </a:t>
+            </a:r>
+            <a:r>
+              <a:rPr lang="nl-NL" sz="1000" dirty="0" err="1"/>
+              <a:t>failed</a:t>
+            </a:r>
+            <a:endParaRPr lang="nl-NL" sz="1000" dirty="0"/>
+          </a:p>
+        </p:txBody>
+      </p:sp>
+      <p:sp>
+        <p:nvSpPr>
+          <p:cNvPr id="67" name="Tekstvak 66">
+            <a:extLst>
+              <a:ext uri="{FF2B5EF4-FFF2-40B4-BE49-F238E27FC236}">
+                <a16:creationId xmlns:a16="http://schemas.microsoft.com/office/drawing/2014/main" id="{CAC95619-1FDD-46BC-B239-EFD45B3D7295}"/>
+              </a:ext>
+            </a:extLst>
+          </p:cNvPr>
+          <p:cNvSpPr txBox="1"/>
+          <p:nvPr/>
+        </p:nvSpPr>
+        <p:spPr>
+          <a:xfrm>
+            <a:off x="1247655" y="4492517"/>
+            <a:ext cx="865763" cy="505842"/>
           </a:xfrm>
           <a:prstGeom prst="rect">
             <a:avLst/>
@@ -4093,618 +4485,255 @@
           <a:p>
             <a:pPr algn="ctr"/>
             <a:r>
+              <a:rPr lang="nl-NL" sz="1000" dirty="0" err="1"/>
+              <a:t>Create</a:t>
+            </a:r>
+            <a:r>
               <a:rPr lang="nl-NL" sz="1000" dirty="0"/>
-              <a:t>Show summary page</a:t>
-            </a:r>
-          </a:p>
-        </p:txBody>
-      </p:sp>
-      <p:cxnSp>
-        <p:nvCxnSpPr>
-          <p:cNvPr id="26" name="Rechte verbindingslijn met pijl 25">
-            <a:extLst>
-              <a:ext uri="{FF2B5EF4-FFF2-40B4-BE49-F238E27FC236}">
-                <a16:creationId xmlns:a16="http://schemas.microsoft.com/office/drawing/2014/main" id="{012CB186-681B-4FE8-A0A0-AFCABED6F110}"/>
-              </a:ext>
-            </a:extLst>
-          </p:cNvPr>
-          <p:cNvCxnSpPr>
-            <a:stCxn id="4" idx="2"/>
-            <a:endCxn id="5" idx="0"/>
-          </p:cNvCxnSpPr>
-          <p:nvPr/>
-        </p:nvCxnSpPr>
-        <p:spPr>
-          <a:xfrm>
-            <a:off x="1672347" y="1303510"/>
-            <a:ext cx="0" cy="291823"/>
-          </a:xfrm>
-          <a:prstGeom prst="straightConnector1">
-            <a:avLst/>
-          </a:prstGeom>
-          <a:ln w="12700">
-            <a:tailEnd type="triangle"/>
-          </a:ln>
-        </p:spPr>
-        <p:style>
-          <a:lnRef idx="1">
-            <a:schemeClr val="accent1"/>
-          </a:lnRef>
-          <a:fillRef idx="0">
-            <a:schemeClr val="accent1"/>
-          </a:fillRef>
-          <a:effectRef idx="0">
-            <a:schemeClr val="accent1"/>
-          </a:effectRef>
-          <a:fontRef idx="minor">
-            <a:schemeClr val="tx1"/>
-          </a:fontRef>
-        </p:style>
-      </p:cxnSp>
-      <p:cxnSp>
-        <p:nvCxnSpPr>
-          <p:cNvPr id="27" name="Rechte verbindingslijn met pijl 26">
-            <a:extLst>
-              <a:ext uri="{FF2B5EF4-FFF2-40B4-BE49-F238E27FC236}">
-                <a16:creationId xmlns:a16="http://schemas.microsoft.com/office/drawing/2014/main" id="{BC210FCB-6FDF-45E0-8383-75508CF40625}"/>
-              </a:ext>
-            </a:extLst>
-          </p:cNvPr>
-          <p:cNvCxnSpPr>
-            <a:cxnSpLocks/>
-            <a:stCxn id="5" idx="2"/>
-            <a:endCxn id="15" idx="0"/>
-          </p:cNvCxnSpPr>
-          <p:nvPr/>
-        </p:nvCxnSpPr>
-        <p:spPr>
-          <a:xfrm flipH="1">
-            <a:off x="1672343" y="2101175"/>
-            <a:ext cx="4" cy="291823"/>
-          </a:xfrm>
-          <a:prstGeom prst="straightConnector1">
-            <a:avLst/>
-          </a:prstGeom>
-          <a:ln w="12700">
-            <a:tailEnd type="triangle"/>
-          </a:ln>
-        </p:spPr>
-        <p:style>
-          <a:lnRef idx="1">
-            <a:schemeClr val="accent1"/>
-          </a:lnRef>
-          <a:fillRef idx="0">
-            <a:schemeClr val="accent1"/>
-          </a:fillRef>
-          <a:effectRef idx="0">
-            <a:schemeClr val="accent1"/>
-          </a:effectRef>
-          <a:fontRef idx="minor">
-            <a:schemeClr val="tx1"/>
-          </a:fontRef>
-        </p:style>
-      </p:cxnSp>
-      <p:cxnSp>
-        <p:nvCxnSpPr>
-          <p:cNvPr id="30" name="Rechte verbindingslijn met pijl 29">
-            <a:extLst>
-              <a:ext uri="{FF2B5EF4-FFF2-40B4-BE49-F238E27FC236}">
-                <a16:creationId xmlns:a16="http://schemas.microsoft.com/office/drawing/2014/main" id="{B09C5217-8581-4DC7-A092-4BEFCE1E8136}"/>
-              </a:ext>
-            </a:extLst>
-          </p:cNvPr>
-          <p:cNvCxnSpPr>
-            <a:cxnSpLocks/>
-            <a:stCxn id="15" idx="2"/>
-            <a:endCxn id="6" idx="0"/>
-          </p:cNvCxnSpPr>
-          <p:nvPr/>
-        </p:nvCxnSpPr>
-        <p:spPr>
-          <a:xfrm>
-            <a:off x="1672343" y="2898840"/>
-            <a:ext cx="2" cy="291823"/>
-          </a:xfrm>
-          <a:prstGeom prst="straightConnector1">
-            <a:avLst/>
-          </a:prstGeom>
-          <a:ln w="12700">
-            <a:tailEnd type="triangle"/>
-          </a:ln>
-        </p:spPr>
-        <p:style>
-          <a:lnRef idx="1">
-            <a:schemeClr val="accent1"/>
-          </a:lnRef>
-          <a:fillRef idx="0">
-            <a:schemeClr val="accent1"/>
-          </a:fillRef>
-          <a:effectRef idx="0">
-            <a:schemeClr val="accent1"/>
-          </a:effectRef>
-          <a:fontRef idx="minor">
-            <a:schemeClr val="tx1"/>
-          </a:fontRef>
-        </p:style>
-      </p:cxnSp>
-      <p:cxnSp>
-        <p:nvCxnSpPr>
-          <p:cNvPr id="33" name="Rechte verbindingslijn met pijl 32">
-            <a:extLst>
-              <a:ext uri="{FF2B5EF4-FFF2-40B4-BE49-F238E27FC236}">
-                <a16:creationId xmlns:a16="http://schemas.microsoft.com/office/drawing/2014/main" id="{5A0F5EFC-CD67-4B02-B653-E344836E37B0}"/>
-              </a:ext>
-            </a:extLst>
-          </p:cNvPr>
-          <p:cNvCxnSpPr>
-            <a:cxnSpLocks/>
-            <a:stCxn id="6" idx="2"/>
-            <a:endCxn id="7" idx="0"/>
-          </p:cNvCxnSpPr>
-          <p:nvPr/>
-        </p:nvCxnSpPr>
-        <p:spPr>
-          <a:xfrm>
-            <a:off x="1672345" y="3696505"/>
-            <a:ext cx="0" cy="291823"/>
-          </a:xfrm>
-          <a:prstGeom prst="straightConnector1">
-            <a:avLst/>
-          </a:prstGeom>
-          <a:ln w="12700">
-            <a:tailEnd type="triangle"/>
-          </a:ln>
-        </p:spPr>
-        <p:style>
-          <a:lnRef idx="1">
-            <a:schemeClr val="accent1"/>
-          </a:lnRef>
-          <a:fillRef idx="0">
-            <a:schemeClr val="accent1"/>
-          </a:fillRef>
-          <a:effectRef idx="0">
-            <a:schemeClr val="accent1"/>
-          </a:effectRef>
-          <a:fontRef idx="minor">
-            <a:schemeClr val="tx1"/>
-          </a:fontRef>
-        </p:style>
-      </p:cxnSp>
-      <p:cxnSp>
-        <p:nvCxnSpPr>
-          <p:cNvPr id="37" name="Verbindingslijn: gebogen 36">
-            <a:extLst>
-              <a:ext uri="{FF2B5EF4-FFF2-40B4-BE49-F238E27FC236}">
-                <a16:creationId xmlns:a16="http://schemas.microsoft.com/office/drawing/2014/main" id="{DAD4368A-AD15-41EE-82F1-40909AEA27DC}"/>
-              </a:ext>
-            </a:extLst>
-          </p:cNvPr>
-          <p:cNvCxnSpPr>
-            <a:stCxn id="7" idx="3"/>
-            <a:endCxn id="15" idx="3"/>
-          </p:cNvCxnSpPr>
-          <p:nvPr/>
-        </p:nvCxnSpPr>
-        <p:spPr>
-          <a:xfrm flipH="1" flipV="1">
-            <a:off x="2105224" y="2645919"/>
-            <a:ext cx="3" cy="1595330"/>
-          </a:xfrm>
-          <a:prstGeom prst="bentConnector3">
-            <a:avLst>
-              <a:gd name="adj1" fmla="val -7620000000"/>
-            </a:avLst>
-          </a:prstGeom>
-          <a:ln w="12700">
-            <a:tailEnd type="triangle"/>
-          </a:ln>
-        </p:spPr>
-        <p:style>
-          <a:lnRef idx="1">
-            <a:schemeClr val="accent1"/>
-          </a:lnRef>
-          <a:fillRef idx="0">
-            <a:schemeClr val="accent1"/>
-          </a:fillRef>
-          <a:effectRef idx="0">
-            <a:schemeClr val="accent1"/>
-          </a:effectRef>
-          <a:fontRef idx="minor">
-            <a:schemeClr val="tx1"/>
-          </a:fontRef>
-        </p:style>
-      </p:cxnSp>
-      <p:sp>
-        <p:nvSpPr>
-          <p:cNvPr id="38" name="Tekstvak 37">
-            <a:extLst>
-              <a:ext uri="{FF2B5EF4-FFF2-40B4-BE49-F238E27FC236}">
-                <a16:creationId xmlns:a16="http://schemas.microsoft.com/office/drawing/2014/main" id="{EF0E4648-0D4D-47EF-A1AC-4FF3F4E57DDD}"/>
-              </a:ext>
-            </a:extLst>
-          </p:cNvPr>
-          <p:cNvSpPr txBox="1"/>
-          <p:nvPr/>
-        </p:nvSpPr>
-        <p:spPr>
-          <a:xfrm>
-            <a:off x="2350350" y="3360669"/>
-            <a:ext cx="933269" cy="400110"/>
-          </a:xfrm>
-          <a:prstGeom prst="rect">
-            <a:avLst/>
-          </a:prstGeom>
-          <a:noFill/>
-        </p:spPr>
-        <p:txBody>
-          <a:bodyPr wrap="none" rtlCol="0">
-            <a:spAutoFit/>
-          </a:bodyPr>
-          <a:lstStyle/>
-          <a:p>
+              <a:t> </a:t>
+            </a:r>
             <a:r>
               <a:rPr lang="nl-NL" sz="1000" dirty="0" err="1"/>
               <a:t>appointment</a:t>
             </a:r>
-            <a:br>
-              <a:rPr lang="nl-NL" sz="1000" dirty="0"/>
-            </a:br>
-            <a:r>
-              <a:rPr lang="nl-NL" sz="1000" dirty="0" err="1"/>
-              <a:t>creation</a:t>
-            </a:r>
-            <a:r>
-              <a:rPr lang="nl-NL" sz="1000" dirty="0"/>
-              <a:t> </a:t>
-            </a:r>
-            <a:r>
-              <a:rPr lang="nl-NL" sz="1000" dirty="0" err="1"/>
-              <a:t>failed</a:t>
-            </a:r>
             <a:endParaRPr lang="nl-NL" sz="1000" dirty="0"/>
           </a:p>
         </p:txBody>
       </p:sp>
-      <p:cxnSp>
-        <p:nvCxnSpPr>
-          <p:cNvPr id="43" name="Rechte verbindingslijn met pijl 42">
-            <a:extLst>
-              <a:ext uri="{FF2B5EF4-FFF2-40B4-BE49-F238E27FC236}">
-                <a16:creationId xmlns:a16="http://schemas.microsoft.com/office/drawing/2014/main" id="{7C44EFF8-3C1E-414B-B585-6E576D144A32}"/>
-              </a:ext>
-            </a:extLst>
-          </p:cNvPr>
-          <p:cNvCxnSpPr>
-            <a:cxnSpLocks/>
-            <a:stCxn id="8" idx="2"/>
-            <a:endCxn id="9" idx="0"/>
-          </p:cNvCxnSpPr>
-          <p:nvPr/>
-        </p:nvCxnSpPr>
-        <p:spPr>
-          <a:xfrm>
-            <a:off x="4444727" y="1303510"/>
-            <a:ext cx="0" cy="291823"/>
-          </a:xfrm>
-          <a:prstGeom prst="straightConnector1">
+      <p:grpSp>
+        <p:nvGrpSpPr>
+          <p:cNvPr id="3" name="Groep 2">
+            <a:extLst>
+              <a:ext uri="{FF2B5EF4-FFF2-40B4-BE49-F238E27FC236}">
+                <a16:creationId xmlns:a16="http://schemas.microsoft.com/office/drawing/2014/main" id="{8692B824-930B-4886-8AA7-487C4B4F04E6}"/>
+              </a:ext>
+            </a:extLst>
+          </p:cNvPr>
+          <p:cNvGrpSpPr/>
+          <p:nvPr/>
+        </p:nvGrpSpPr>
+        <p:grpSpPr>
+          <a:xfrm>
+            <a:off x="1247655" y="3694852"/>
+            <a:ext cx="865762" cy="505843"/>
+            <a:chOff x="1235389" y="4824894"/>
+            <a:chExt cx="865762" cy="505843"/>
+          </a:xfrm>
+        </p:grpSpPr>
+        <p:sp>
+          <p:nvSpPr>
+            <p:cNvPr id="2" name="Stroomdiagram: Beslissing 1">
+              <a:extLst>
+                <a:ext uri="{FF2B5EF4-FFF2-40B4-BE49-F238E27FC236}">
+                  <a16:creationId xmlns:a16="http://schemas.microsoft.com/office/drawing/2014/main" id="{196DDAC2-161E-492F-8913-FD9CC375643A}"/>
+                </a:ext>
+              </a:extLst>
+            </p:cNvPr>
+            <p:cNvSpPr/>
+            <p:nvPr/>
+          </p:nvSpPr>
+          <p:spPr>
+            <a:xfrm>
+              <a:off x="1235389" y="4824894"/>
+              <a:ext cx="865762" cy="505843"/>
+            </a:xfrm>
+            <a:prstGeom prst="flowChartDecision">
+              <a:avLst/>
+            </a:prstGeom>
+          </p:spPr>
+          <p:style>
+            <a:lnRef idx="2">
+              <a:schemeClr val="dk1"/>
+            </a:lnRef>
+            <a:fillRef idx="1">
+              <a:schemeClr val="lt1"/>
+            </a:fillRef>
+            <a:effectRef idx="0">
+              <a:schemeClr val="dk1"/>
+            </a:effectRef>
+            <a:fontRef idx="minor">
+              <a:schemeClr val="dk1"/>
+            </a:fontRef>
+          </p:style>
+          <p:txBody>
+            <a:bodyPr lIns="0" rIns="0" rtlCol="0" anchor="ctr"/>
+            <a:lstStyle/>
+            <a:p>
+              <a:pPr algn="ctr"/>
+              <a:endParaRPr lang="nl-NL" sz="1000" dirty="0"/>
+            </a:p>
+          </p:txBody>
+        </p:sp>
+        <p:sp>
+          <p:nvSpPr>
+            <p:cNvPr id="70" name="Tekstvak 69">
+              <a:extLst>
+                <a:ext uri="{FF2B5EF4-FFF2-40B4-BE49-F238E27FC236}">
+                  <a16:creationId xmlns:a16="http://schemas.microsoft.com/office/drawing/2014/main" id="{A32FC3FD-5FC0-4107-AF2E-4BB89F4974B8}"/>
+                </a:ext>
+              </a:extLst>
+            </p:cNvPr>
+            <p:cNvSpPr txBox="1"/>
+            <p:nvPr/>
+          </p:nvSpPr>
+          <p:spPr>
+            <a:xfrm>
+              <a:off x="1250528" y="4954705"/>
+              <a:ext cx="835485" cy="246221"/>
+            </a:xfrm>
+            <a:prstGeom prst="rect">
+              <a:avLst/>
+            </a:prstGeom>
+            <a:solidFill>
+              <a:schemeClr val="bg1">
+                <a:alpha val="67000"/>
+              </a:schemeClr>
+            </a:solidFill>
+          </p:spPr>
+          <p:txBody>
+            <a:bodyPr wrap="none" rtlCol="0">
+              <a:spAutoFit/>
+            </a:bodyPr>
+            <a:lstStyle/>
+            <a:p>
+              <a:pPr algn="ctr"/>
+              <a:r>
+                <a:rPr lang="nl-NL" sz="1000" dirty="0"/>
+                <a:t>Incomplete?</a:t>
+              </a:r>
+            </a:p>
+          </p:txBody>
+        </p:sp>
+      </p:grpSp>
+      <p:grpSp>
+        <p:nvGrpSpPr>
+          <p:cNvPr id="71" name="Groep 70">
+            <a:extLst>
+              <a:ext uri="{FF2B5EF4-FFF2-40B4-BE49-F238E27FC236}">
+                <a16:creationId xmlns:a16="http://schemas.microsoft.com/office/drawing/2014/main" id="{04B3373B-D83A-4DDB-B5DD-152219B63351}"/>
+              </a:ext>
+            </a:extLst>
+          </p:cNvPr>
+          <p:cNvGrpSpPr/>
+          <p:nvPr/>
+        </p:nvGrpSpPr>
+        <p:grpSpPr>
+          <a:xfrm>
+            <a:off x="1247655" y="5309795"/>
+            <a:ext cx="865762" cy="505843"/>
+            <a:chOff x="1235389" y="4824894"/>
+            <a:chExt cx="865762" cy="505843"/>
+          </a:xfrm>
+        </p:grpSpPr>
+        <p:sp>
+          <p:nvSpPr>
+            <p:cNvPr id="73" name="Stroomdiagram: Beslissing 72">
+              <a:extLst>
+                <a:ext uri="{FF2B5EF4-FFF2-40B4-BE49-F238E27FC236}">
+                  <a16:creationId xmlns:a16="http://schemas.microsoft.com/office/drawing/2014/main" id="{B63A75C4-CD2C-489B-BBDA-D9C4AF24795F}"/>
+                </a:ext>
+              </a:extLst>
+            </p:cNvPr>
+            <p:cNvSpPr/>
+            <p:nvPr/>
+          </p:nvSpPr>
+          <p:spPr>
+            <a:xfrm>
+              <a:off x="1235389" y="4824894"/>
+              <a:ext cx="865762" cy="505843"/>
+            </a:xfrm>
+            <a:prstGeom prst="flowChartDecision">
+              <a:avLst/>
+            </a:prstGeom>
+          </p:spPr>
+          <p:style>
+            <a:lnRef idx="2">
+              <a:schemeClr val="dk1"/>
+            </a:lnRef>
+            <a:fillRef idx="1">
+              <a:schemeClr val="lt1"/>
+            </a:fillRef>
+            <a:effectRef idx="0">
+              <a:schemeClr val="dk1"/>
+            </a:effectRef>
+            <a:fontRef idx="minor">
+              <a:schemeClr val="dk1"/>
+            </a:fontRef>
+          </p:style>
+          <p:txBody>
+            <a:bodyPr lIns="0" rIns="0" rtlCol="0" anchor="ctr"/>
+            <a:lstStyle/>
+            <a:p>
+              <a:pPr algn="ctr"/>
+              <a:endParaRPr lang="nl-NL" sz="1000" dirty="0"/>
+            </a:p>
+          </p:txBody>
+        </p:sp>
+        <p:sp>
+          <p:nvSpPr>
+            <p:cNvPr id="74" name="Tekstvak 73">
+              <a:extLst>
+                <a:ext uri="{FF2B5EF4-FFF2-40B4-BE49-F238E27FC236}">
+                  <a16:creationId xmlns:a16="http://schemas.microsoft.com/office/drawing/2014/main" id="{976A71B6-8829-49B3-A05E-0109BD759823}"/>
+                </a:ext>
+              </a:extLst>
+            </p:cNvPr>
+            <p:cNvSpPr txBox="1"/>
+            <p:nvPr/>
+          </p:nvSpPr>
+          <p:spPr>
+            <a:xfrm>
+              <a:off x="1346708" y="4954705"/>
+              <a:ext cx="643125" cy="246221"/>
+            </a:xfrm>
+            <a:prstGeom prst="rect">
+              <a:avLst/>
+            </a:prstGeom>
+            <a:solidFill>
+              <a:schemeClr val="bg1">
+                <a:alpha val="67000"/>
+              </a:schemeClr>
+            </a:solidFill>
+          </p:spPr>
+          <p:txBody>
+            <a:bodyPr wrap="none" rtlCol="0">
+              <a:spAutoFit/>
+            </a:bodyPr>
+            <a:lstStyle/>
+            <a:p>
+              <a:pPr algn="ctr"/>
+              <a:r>
+                <a:rPr lang="nl-NL" sz="1000" dirty="0" err="1"/>
+                <a:t>Success</a:t>
+              </a:r>
+              <a:r>
+                <a:rPr lang="nl-NL" sz="1000" dirty="0"/>
+                <a:t>?</a:t>
+              </a:r>
+            </a:p>
+          </p:txBody>
+        </p:sp>
+      </p:grpSp>
+      <p:sp>
+        <p:nvSpPr>
+          <p:cNvPr id="13" name="Stroomdiagram: Verbindingslijn 12">
+            <a:extLst>
+              <a:ext uri="{FF2B5EF4-FFF2-40B4-BE49-F238E27FC236}">
+                <a16:creationId xmlns:a16="http://schemas.microsoft.com/office/drawing/2014/main" id="{E657D3C8-997F-4472-A948-3D61F769DC6F}"/>
+              </a:ext>
+            </a:extLst>
+          </p:cNvPr>
+          <p:cNvSpPr/>
+          <p:nvPr/>
+        </p:nvSpPr>
+        <p:spPr>
+          <a:xfrm>
+            <a:off x="2494962" y="5321494"/>
+            <a:ext cx="865761" cy="500300"/>
+          </a:xfrm>
+          <a:prstGeom prst="flowChartConnector">
             <a:avLst/>
           </a:prstGeom>
-          <a:ln w="12700">
-            <a:tailEnd type="triangle"/>
-          </a:ln>
-        </p:spPr>
-        <p:style>
-          <a:lnRef idx="1">
-            <a:schemeClr val="accent1"/>
-          </a:lnRef>
-          <a:fillRef idx="0">
-            <a:schemeClr val="accent1"/>
-          </a:fillRef>
-          <a:effectRef idx="0">
-            <a:schemeClr val="accent1"/>
-          </a:effectRef>
-          <a:fontRef idx="minor">
-            <a:schemeClr val="tx1"/>
-          </a:fontRef>
-        </p:style>
-      </p:cxnSp>
-      <p:cxnSp>
-        <p:nvCxnSpPr>
-          <p:cNvPr id="50" name="Verbindingslijn: gebogen 49">
-            <a:extLst>
-              <a:ext uri="{FF2B5EF4-FFF2-40B4-BE49-F238E27FC236}">
-                <a16:creationId xmlns:a16="http://schemas.microsoft.com/office/drawing/2014/main" id="{D30789EE-3219-48C6-8810-7EE721FED6F5}"/>
-              </a:ext>
-            </a:extLst>
-          </p:cNvPr>
-          <p:cNvCxnSpPr>
-            <a:stCxn id="7" idx="2"/>
-            <a:endCxn id="8" idx="0"/>
-          </p:cNvCxnSpPr>
-          <p:nvPr/>
-        </p:nvCxnSpPr>
-        <p:spPr>
-          <a:xfrm rot="5400000" flipH="1" flipV="1">
-            <a:off x="1210285" y="1259728"/>
-            <a:ext cx="3696502" cy="2772382"/>
-          </a:xfrm>
-          <a:prstGeom prst="bentConnector5">
-            <a:avLst>
-              <a:gd name="adj1" fmla="val -6184"/>
-              <a:gd name="adj2" fmla="val 75965"/>
-              <a:gd name="adj3" fmla="val 106184"/>
-            </a:avLst>
-          </a:prstGeom>
-          <a:ln w="12700">
-            <a:tailEnd type="triangle"/>
-          </a:ln>
-        </p:spPr>
-        <p:style>
-          <a:lnRef idx="1">
-            <a:schemeClr val="accent1"/>
-          </a:lnRef>
-          <a:fillRef idx="0">
-            <a:schemeClr val="accent1"/>
-          </a:fillRef>
-          <a:effectRef idx="0">
-            <a:schemeClr val="accent1"/>
-          </a:effectRef>
-          <a:fontRef idx="minor">
-            <a:schemeClr val="tx1"/>
-          </a:fontRef>
-        </p:style>
-      </p:cxnSp>
-      <p:cxnSp>
-        <p:nvCxnSpPr>
-          <p:cNvPr id="52" name="Rechte verbindingslijn met pijl 51">
-            <a:extLst>
-              <a:ext uri="{FF2B5EF4-FFF2-40B4-BE49-F238E27FC236}">
-                <a16:creationId xmlns:a16="http://schemas.microsoft.com/office/drawing/2014/main" id="{B4EAC73A-5415-40D2-97AE-8F5FF84D6792}"/>
-              </a:ext>
-            </a:extLst>
-          </p:cNvPr>
-          <p:cNvCxnSpPr>
-            <a:cxnSpLocks/>
-            <a:stCxn id="9" idx="2"/>
-            <a:endCxn id="10" idx="0"/>
-          </p:cNvCxnSpPr>
-          <p:nvPr/>
-        </p:nvCxnSpPr>
-        <p:spPr>
-          <a:xfrm>
-            <a:off x="4444727" y="2101175"/>
-            <a:ext cx="0" cy="291823"/>
-          </a:xfrm>
-          <a:prstGeom prst="straightConnector1">
-            <a:avLst/>
-          </a:prstGeom>
-          <a:ln w="12700">
-            <a:tailEnd type="triangle"/>
-          </a:ln>
-        </p:spPr>
-        <p:style>
-          <a:lnRef idx="1">
-            <a:schemeClr val="accent1"/>
-          </a:lnRef>
-          <a:fillRef idx="0">
-            <a:schemeClr val="accent1"/>
-          </a:fillRef>
-          <a:effectRef idx="0">
-            <a:schemeClr val="accent1"/>
-          </a:effectRef>
-          <a:fontRef idx="minor">
-            <a:schemeClr val="tx1"/>
-          </a:fontRef>
-        </p:style>
-      </p:cxnSp>
-      <p:cxnSp>
-        <p:nvCxnSpPr>
-          <p:cNvPr id="55" name="Rechte verbindingslijn met pijl 54">
-            <a:extLst>
-              <a:ext uri="{FF2B5EF4-FFF2-40B4-BE49-F238E27FC236}">
-                <a16:creationId xmlns:a16="http://schemas.microsoft.com/office/drawing/2014/main" id="{A16D799F-1BB0-4AEB-99A0-93600BC07DB4}"/>
-              </a:ext>
-            </a:extLst>
-          </p:cNvPr>
-          <p:cNvCxnSpPr>
-            <a:cxnSpLocks/>
-            <a:stCxn id="10" idx="2"/>
-            <a:endCxn id="11" idx="0"/>
-          </p:cNvCxnSpPr>
-          <p:nvPr/>
-        </p:nvCxnSpPr>
-        <p:spPr>
-          <a:xfrm>
-            <a:off x="4444727" y="2898840"/>
-            <a:ext cx="0" cy="291823"/>
-          </a:xfrm>
-          <a:prstGeom prst="straightConnector1">
-            <a:avLst/>
-          </a:prstGeom>
-          <a:ln w="12700">
-            <a:tailEnd type="triangle"/>
-          </a:ln>
-        </p:spPr>
-        <p:style>
-          <a:lnRef idx="1">
-            <a:schemeClr val="accent1"/>
-          </a:lnRef>
-          <a:fillRef idx="0">
-            <a:schemeClr val="accent1"/>
-          </a:fillRef>
-          <a:effectRef idx="0">
-            <a:schemeClr val="accent1"/>
-          </a:effectRef>
-          <a:fontRef idx="minor">
-            <a:schemeClr val="tx1"/>
-          </a:fontRef>
-        </p:style>
-      </p:cxnSp>
-      <p:cxnSp>
-        <p:nvCxnSpPr>
-          <p:cNvPr id="59" name="Verbindingslijn: gebogen 58">
-            <a:extLst>
-              <a:ext uri="{FF2B5EF4-FFF2-40B4-BE49-F238E27FC236}">
-                <a16:creationId xmlns:a16="http://schemas.microsoft.com/office/drawing/2014/main" id="{AC8D5BB7-1600-4B19-AF8C-6C434634112B}"/>
-              </a:ext>
-            </a:extLst>
-          </p:cNvPr>
-          <p:cNvCxnSpPr>
-            <a:stCxn id="6" idx="1"/>
-            <a:endCxn id="15" idx="1"/>
-          </p:cNvCxnSpPr>
-          <p:nvPr/>
-        </p:nvCxnSpPr>
-        <p:spPr>
-          <a:xfrm rot="10800000">
-            <a:off x="1239463" y="2645920"/>
-            <a:ext cx="1" cy="797665"/>
-          </a:xfrm>
-          <a:prstGeom prst="bentConnector3">
-            <a:avLst>
-              <a:gd name="adj1" fmla="val 22860100000"/>
-            </a:avLst>
-          </a:prstGeom>
-          <a:ln w="12700">
-            <a:tailEnd type="triangle"/>
-          </a:ln>
-        </p:spPr>
-        <p:style>
-          <a:lnRef idx="1">
-            <a:schemeClr val="accent1"/>
-          </a:lnRef>
-          <a:fillRef idx="0">
-            <a:schemeClr val="accent1"/>
-          </a:fillRef>
-          <a:effectRef idx="0">
-            <a:schemeClr val="accent1"/>
-          </a:effectRef>
-          <a:fontRef idx="minor">
-            <a:schemeClr val="tx1"/>
-          </a:fontRef>
-        </p:style>
-      </p:cxnSp>
-      <p:sp>
-        <p:nvSpPr>
-          <p:cNvPr id="60" name="Tekstvak 59">
-            <a:extLst>
-              <a:ext uri="{FF2B5EF4-FFF2-40B4-BE49-F238E27FC236}">
-                <a16:creationId xmlns:a16="http://schemas.microsoft.com/office/drawing/2014/main" id="{972A18C1-2AEE-44FE-BE46-26E482618C2B}"/>
-              </a:ext>
-            </a:extLst>
-          </p:cNvPr>
-          <p:cNvSpPr txBox="1"/>
-          <p:nvPr/>
-        </p:nvSpPr>
-        <p:spPr>
-          <a:xfrm>
-            <a:off x="15550" y="2898840"/>
-            <a:ext cx="994183" cy="400110"/>
-          </a:xfrm>
-          <a:prstGeom prst="rect">
-            <a:avLst/>
-          </a:prstGeom>
-          <a:noFill/>
-        </p:spPr>
-        <p:txBody>
-          <a:bodyPr wrap="none" rtlCol="0">
-            <a:spAutoFit/>
-          </a:bodyPr>
-          <a:lstStyle/>
-          <a:p>
-            <a:pPr algn="r"/>
-            <a:r>
-              <a:rPr lang="nl-NL" sz="1000" dirty="0" err="1"/>
-              <a:t>submit</a:t>
-            </a:r>
-            <a:br>
-              <a:rPr lang="nl-NL" sz="1000" dirty="0"/>
-            </a:br>
-            <a:r>
-              <a:rPr lang="nl-NL" sz="1000" dirty="0" err="1"/>
-              <a:t>condition</a:t>
-            </a:r>
-            <a:r>
-              <a:rPr lang="nl-NL" sz="1000" dirty="0"/>
-              <a:t> </a:t>
-            </a:r>
-            <a:r>
-              <a:rPr lang="nl-NL" sz="1000" dirty="0" err="1"/>
-              <a:t>failed</a:t>
-            </a:r>
-            <a:endParaRPr lang="nl-NL" sz="1000" dirty="0"/>
-          </a:p>
-        </p:txBody>
-      </p:sp>
-      <p:cxnSp>
-        <p:nvCxnSpPr>
-          <p:cNvPr id="61" name="Rechte verbindingslijn met pijl 60">
-            <a:extLst>
-              <a:ext uri="{FF2B5EF4-FFF2-40B4-BE49-F238E27FC236}">
-                <a16:creationId xmlns:a16="http://schemas.microsoft.com/office/drawing/2014/main" id="{2F4485B7-1BE5-443E-9132-2A1944B86517}"/>
-              </a:ext>
-            </a:extLst>
-          </p:cNvPr>
-          <p:cNvCxnSpPr>
-            <a:cxnSpLocks/>
-            <a:stCxn id="11" idx="2"/>
-            <a:endCxn id="12" idx="0"/>
-          </p:cNvCxnSpPr>
-          <p:nvPr/>
-        </p:nvCxnSpPr>
-        <p:spPr>
-          <a:xfrm>
-            <a:off x="4444727" y="3696505"/>
-            <a:ext cx="0" cy="291823"/>
-          </a:xfrm>
-          <a:prstGeom prst="straightConnector1">
-            <a:avLst/>
-          </a:prstGeom>
-          <a:ln w="12700">
-            <a:tailEnd type="triangle"/>
-          </a:ln>
-        </p:spPr>
-        <p:style>
-          <a:lnRef idx="1">
-            <a:schemeClr val="accent1"/>
-          </a:lnRef>
-          <a:fillRef idx="0">
-            <a:schemeClr val="accent1"/>
-          </a:fillRef>
-          <a:effectRef idx="0">
-            <a:schemeClr val="accent1"/>
-          </a:effectRef>
-          <a:fontRef idx="minor">
-            <a:schemeClr val="tx1"/>
-          </a:fontRef>
-        </p:style>
-      </p:cxnSp>
-      <p:sp>
-        <p:nvSpPr>
-          <p:cNvPr id="64" name="Tekstvak 63">
-            <a:extLst>
-              <a:ext uri="{FF2B5EF4-FFF2-40B4-BE49-F238E27FC236}">
-                <a16:creationId xmlns:a16="http://schemas.microsoft.com/office/drawing/2014/main" id="{A073EA9A-6A7D-44AC-80F4-9AD7FC0C8836}"/>
-              </a:ext>
-            </a:extLst>
-          </p:cNvPr>
-          <p:cNvSpPr txBox="1"/>
-          <p:nvPr/>
-        </p:nvSpPr>
-        <p:spPr>
-          <a:xfrm>
-            <a:off x="8354594" y="797668"/>
-            <a:ext cx="865764" cy="505842"/>
-          </a:xfrm>
-          <a:prstGeom prst="rect">
-            <a:avLst/>
-          </a:prstGeom>
-          <a:ln>
-            <a:solidFill>
-              <a:schemeClr val="tx1"/>
-            </a:solidFill>
-            <a:prstDash val="dash"/>
-          </a:ln>
         </p:spPr>
         <p:style>
           <a:lnRef idx="2">
@@ -4721,30 +4750,210 @@
           </a:fontRef>
         </p:style>
         <p:txBody>
-          <a:bodyPr wrap="square" rtlCol="0" anchor="ctr" anchorCtr="0">
-            <a:noAutofit/>
-          </a:bodyPr>
+          <a:bodyPr lIns="0" rIns="0" rtlCol="0" anchor="ctr"/>
           <a:lstStyle/>
           <a:p>
             <a:pPr algn="ctr"/>
             <a:r>
               <a:rPr lang="nl-NL" sz="1000" dirty="0"/>
-              <a:t>Start </a:t>
+              <a:t>Schedule </a:t>
             </a:r>
             <a:r>
               <a:rPr lang="nl-NL" sz="1000" dirty="0" err="1"/>
-              <a:t>payment</a:t>
+              <a:t>for</a:t>
+            </a:r>
+            <a:r>
+              <a:rPr lang="nl-NL" sz="1000" dirty="0"/>
+              <a:t> </a:t>
+            </a:r>
+            <a:r>
+              <a:rPr lang="nl-NL" sz="1000" dirty="0" err="1"/>
+              <a:t>retry</a:t>
             </a:r>
             <a:endParaRPr lang="nl-NL" sz="1000" dirty="0"/>
           </a:p>
         </p:txBody>
       </p:sp>
-      <p:sp>
-        <p:nvSpPr>
-          <p:cNvPr id="65" name="Tekstvak 64">
-            <a:extLst>
-              <a:ext uri="{FF2B5EF4-FFF2-40B4-BE49-F238E27FC236}">
-                <a16:creationId xmlns:a16="http://schemas.microsoft.com/office/drawing/2014/main" id="{9D65B38B-3428-4229-AB16-72D597AC228B}"/>
+      <p:cxnSp>
+        <p:nvCxnSpPr>
+          <p:cNvPr id="76" name="Rechte verbindingslijn met pijl 75">
+            <a:extLst>
+              <a:ext uri="{FF2B5EF4-FFF2-40B4-BE49-F238E27FC236}">
+                <a16:creationId xmlns:a16="http://schemas.microsoft.com/office/drawing/2014/main" id="{3508F2B6-C9FC-4765-AC1C-6E10965BD8ED}"/>
+              </a:ext>
+            </a:extLst>
+          </p:cNvPr>
+          <p:cNvCxnSpPr>
+            <a:cxnSpLocks/>
+            <a:stCxn id="73" idx="3"/>
+            <a:endCxn id="13" idx="2"/>
+          </p:cNvCxnSpPr>
+          <p:nvPr/>
+        </p:nvCxnSpPr>
+        <p:spPr>
+          <a:xfrm>
+            <a:off x="2113417" y="5562717"/>
+            <a:ext cx="381545" cy="8927"/>
+          </a:xfrm>
+          <a:prstGeom prst="straightConnector1">
+            <a:avLst/>
+          </a:prstGeom>
+          <a:ln w="12700">
+            <a:tailEnd type="triangle"/>
+          </a:ln>
+        </p:spPr>
+        <p:style>
+          <a:lnRef idx="1">
+            <a:schemeClr val="accent1"/>
+          </a:lnRef>
+          <a:fillRef idx="0">
+            <a:schemeClr val="accent1"/>
+          </a:fillRef>
+          <a:effectRef idx="0">
+            <a:schemeClr val="accent1"/>
+          </a:effectRef>
+          <a:fontRef idx="minor">
+            <a:schemeClr val="tx1"/>
+          </a:fontRef>
+        </p:style>
+      </p:cxnSp>
+      <p:cxnSp>
+        <p:nvCxnSpPr>
+          <p:cNvPr id="79" name="Rechte verbindingslijn met pijl 78">
+            <a:extLst>
+              <a:ext uri="{FF2B5EF4-FFF2-40B4-BE49-F238E27FC236}">
+                <a16:creationId xmlns:a16="http://schemas.microsoft.com/office/drawing/2014/main" id="{5658AD4B-DA52-4FDE-A119-825E3E74A277}"/>
+              </a:ext>
+            </a:extLst>
+          </p:cNvPr>
+          <p:cNvCxnSpPr>
+            <a:cxnSpLocks/>
+            <a:stCxn id="2" idx="2"/>
+            <a:endCxn id="67" idx="0"/>
+          </p:cNvCxnSpPr>
+          <p:nvPr/>
+        </p:nvCxnSpPr>
+        <p:spPr>
+          <a:xfrm>
+            <a:off x="1680536" y="4200695"/>
+            <a:ext cx="1" cy="291822"/>
+          </a:xfrm>
+          <a:prstGeom prst="straightConnector1">
+            <a:avLst/>
+          </a:prstGeom>
+          <a:ln w="12700">
+            <a:tailEnd type="triangle"/>
+          </a:ln>
+        </p:spPr>
+        <p:style>
+          <a:lnRef idx="1">
+            <a:schemeClr val="accent1"/>
+          </a:lnRef>
+          <a:fillRef idx="0">
+            <a:schemeClr val="accent1"/>
+          </a:fillRef>
+          <a:effectRef idx="0">
+            <a:schemeClr val="accent1"/>
+          </a:effectRef>
+          <a:fontRef idx="minor">
+            <a:schemeClr val="tx1"/>
+          </a:fontRef>
+        </p:style>
+      </p:cxnSp>
+      <p:cxnSp>
+        <p:nvCxnSpPr>
+          <p:cNvPr id="81" name="Rechte verbindingslijn met pijl 80">
+            <a:extLst>
+              <a:ext uri="{FF2B5EF4-FFF2-40B4-BE49-F238E27FC236}">
+                <a16:creationId xmlns:a16="http://schemas.microsoft.com/office/drawing/2014/main" id="{C9B19731-1E8E-4C76-9791-43F7B65BB194}"/>
+              </a:ext>
+            </a:extLst>
+          </p:cNvPr>
+          <p:cNvCxnSpPr>
+            <a:cxnSpLocks/>
+            <a:stCxn id="67" idx="2"/>
+            <a:endCxn id="73" idx="0"/>
+          </p:cNvCxnSpPr>
+          <p:nvPr/>
+        </p:nvCxnSpPr>
+        <p:spPr>
+          <a:xfrm flipH="1">
+            <a:off x="1680536" y="4998359"/>
+            <a:ext cx="1" cy="311436"/>
+          </a:xfrm>
+          <a:prstGeom prst="straightConnector1">
+            <a:avLst/>
+          </a:prstGeom>
+          <a:ln w="12700">
+            <a:tailEnd type="triangle"/>
+          </a:ln>
+        </p:spPr>
+        <p:style>
+          <a:lnRef idx="1">
+            <a:schemeClr val="accent1"/>
+          </a:lnRef>
+          <a:fillRef idx="0">
+            <a:schemeClr val="accent1"/>
+          </a:fillRef>
+          <a:effectRef idx="0">
+            <a:schemeClr val="accent1"/>
+          </a:effectRef>
+          <a:fontRef idx="minor">
+            <a:schemeClr val="tx1"/>
+          </a:fontRef>
+        </p:style>
+      </p:cxnSp>
+      <p:cxnSp>
+        <p:nvCxnSpPr>
+          <p:cNvPr id="84" name="Rechte verbindingslijn met pijl 83">
+            <a:extLst>
+              <a:ext uri="{FF2B5EF4-FFF2-40B4-BE49-F238E27FC236}">
+                <a16:creationId xmlns:a16="http://schemas.microsoft.com/office/drawing/2014/main" id="{8F107C58-3D20-4530-9F23-CC529AE82153}"/>
+              </a:ext>
+            </a:extLst>
+          </p:cNvPr>
+          <p:cNvCxnSpPr>
+            <a:cxnSpLocks/>
+            <a:stCxn id="2" idx="3"/>
+            <a:endCxn id="15" idx="3"/>
+          </p:cNvCxnSpPr>
+          <p:nvPr/>
+        </p:nvCxnSpPr>
+        <p:spPr>
+          <a:xfrm flipV="1">
+            <a:off x="2113417" y="1678904"/>
+            <a:ext cx="6321" cy="2268870"/>
+          </a:xfrm>
+          <a:prstGeom prst="bentConnector3">
+            <a:avLst>
+              <a:gd name="adj1" fmla="val 3716516"/>
+            </a:avLst>
+          </a:prstGeom>
+          <a:ln w="12700">
+            <a:tailEnd type="triangle"/>
+          </a:ln>
+        </p:spPr>
+        <p:style>
+          <a:lnRef idx="1">
+            <a:schemeClr val="accent1"/>
+          </a:lnRef>
+          <a:fillRef idx="0">
+            <a:schemeClr val="accent1"/>
+          </a:fillRef>
+          <a:effectRef idx="0">
+            <a:schemeClr val="accent1"/>
+          </a:effectRef>
+          <a:fontRef idx="minor">
+            <a:schemeClr val="tx1"/>
+          </a:fontRef>
+        </p:style>
+      </p:cxnSp>
+      <p:sp>
+        <p:nvSpPr>
+          <p:cNvPr id="89" name="Tekstvak 88">
+            <a:extLst>
+              <a:ext uri="{FF2B5EF4-FFF2-40B4-BE49-F238E27FC236}">
+                <a16:creationId xmlns:a16="http://schemas.microsoft.com/office/drawing/2014/main" id="{591149BB-92F1-4E17-A5C7-4F62ED8264DC}"/>
               </a:ext>
             </a:extLst>
           </p:cNvPr>
@@ -4753,18 +4962,160 @@
         </p:nvSpPr>
         <p:spPr>
           <a:xfrm>
-            <a:off x="8354594" y="1595333"/>
-            <a:ext cx="865764" cy="505842"/>
+            <a:off x="1676384" y="4188091"/>
+            <a:ext cx="319318" cy="246221"/>
           </a:xfrm>
           <a:prstGeom prst="rect">
             <a:avLst/>
           </a:prstGeom>
-          <a:ln>
-            <a:solidFill>
-              <a:schemeClr val="tx1"/>
-            </a:solidFill>
-            <a:prstDash val="dash"/>
+          <a:noFill/>
+        </p:spPr>
+        <p:txBody>
+          <a:bodyPr wrap="none" rtlCol="0">
+            <a:spAutoFit/>
+          </a:bodyPr>
+          <a:lstStyle/>
+          <a:p>
+            <a:r>
+              <a:rPr lang="nl-NL" sz="1000" dirty="0"/>
+              <a:t>no</a:t>
+            </a:r>
+          </a:p>
+        </p:txBody>
+      </p:sp>
+      <p:sp>
+        <p:nvSpPr>
+          <p:cNvPr id="91" name="Tekstvak 90">
+            <a:extLst>
+              <a:ext uri="{FF2B5EF4-FFF2-40B4-BE49-F238E27FC236}">
+                <a16:creationId xmlns:a16="http://schemas.microsoft.com/office/drawing/2014/main" id="{C9F72AD9-D5C7-4957-97F5-139769E5977C}"/>
+              </a:ext>
+            </a:extLst>
+          </p:cNvPr>
+          <p:cNvSpPr txBox="1"/>
+          <p:nvPr/>
+        </p:nvSpPr>
+        <p:spPr>
+          <a:xfrm>
+            <a:off x="2055744" y="5328511"/>
+            <a:ext cx="319318" cy="246221"/>
+          </a:xfrm>
+          <a:prstGeom prst="rect">
+            <a:avLst/>
+          </a:prstGeom>
+          <a:noFill/>
+        </p:spPr>
+        <p:txBody>
+          <a:bodyPr wrap="none" rtlCol="0">
+            <a:spAutoFit/>
+          </a:bodyPr>
+          <a:lstStyle/>
+          <a:p>
+            <a:r>
+              <a:rPr lang="nl-NL" sz="1000" dirty="0"/>
+              <a:t>no</a:t>
+            </a:r>
+          </a:p>
+        </p:txBody>
+      </p:sp>
+      <p:sp>
+        <p:nvSpPr>
+          <p:cNvPr id="92" name="Tekstvak 91">
+            <a:extLst>
+              <a:ext uri="{FF2B5EF4-FFF2-40B4-BE49-F238E27FC236}">
+                <a16:creationId xmlns:a16="http://schemas.microsoft.com/office/drawing/2014/main" id="{23B93409-57DB-4603-BC72-B997446E9908}"/>
+              </a:ext>
+            </a:extLst>
+          </p:cNvPr>
+          <p:cNvSpPr txBox="1"/>
+          <p:nvPr/>
+        </p:nvSpPr>
+        <p:spPr>
+          <a:xfrm>
+            <a:off x="1697086" y="5818824"/>
+            <a:ext cx="356188" cy="246221"/>
+          </a:xfrm>
+          <a:prstGeom prst="rect">
+            <a:avLst/>
+          </a:prstGeom>
+          <a:noFill/>
+        </p:spPr>
+        <p:txBody>
+          <a:bodyPr wrap="none" rtlCol="0">
+            <a:spAutoFit/>
+          </a:bodyPr>
+          <a:lstStyle/>
+          <a:p>
+            <a:r>
+              <a:rPr lang="nl-NL" sz="1000" dirty="0"/>
+              <a:t>yes</a:t>
+            </a:r>
+          </a:p>
+        </p:txBody>
+      </p:sp>
+      <p:cxnSp>
+        <p:nvCxnSpPr>
+          <p:cNvPr id="93" name="Rechte verbindingslijn met pijl 92">
+            <a:extLst>
+              <a:ext uri="{FF2B5EF4-FFF2-40B4-BE49-F238E27FC236}">
+                <a16:creationId xmlns:a16="http://schemas.microsoft.com/office/drawing/2014/main" id="{CC13DB15-1927-435A-99B4-41E2F11B3C10}"/>
+              </a:ext>
+            </a:extLst>
+          </p:cNvPr>
+          <p:cNvCxnSpPr>
+            <a:cxnSpLocks/>
+            <a:stCxn id="73" idx="2"/>
+            <a:endCxn id="95" idx="0"/>
+          </p:cNvCxnSpPr>
+          <p:nvPr/>
+        </p:nvCxnSpPr>
+        <p:spPr>
+          <a:xfrm>
+            <a:off x="1680536" y="5815638"/>
+            <a:ext cx="1" cy="257625"/>
+          </a:xfrm>
+          <a:prstGeom prst="straightConnector1">
+            <a:avLst/>
+          </a:prstGeom>
+          <a:ln w="12700">
+            <a:tailEnd type="triangle"/>
           </a:ln>
+        </p:spPr>
+        <p:style>
+          <a:lnRef idx="1">
+            <a:schemeClr val="accent1"/>
+          </a:lnRef>
+          <a:fillRef idx="0">
+            <a:schemeClr val="accent1"/>
+          </a:fillRef>
+          <a:effectRef idx="0">
+            <a:schemeClr val="accent1"/>
+          </a:effectRef>
+          <a:fontRef idx="minor">
+            <a:schemeClr val="tx1"/>
+          </a:fontRef>
+        </p:style>
+      </p:cxnSp>
+      <p:sp>
+        <p:nvSpPr>
+          <p:cNvPr id="95" name="Tekstvak 94">
+            <a:extLst>
+              <a:ext uri="{FF2B5EF4-FFF2-40B4-BE49-F238E27FC236}">
+                <a16:creationId xmlns:a16="http://schemas.microsoft.com/office/drawing/2014/main" id="{7201B17D-CBF6-48BC-9094-0E13B5F93F7A}"/>
+              </a:ext>
+            </a:extLst>
+          </p:cNvPr>
+          <p:cNvSpPr txBox="1"/>
+          <p:nvPr/>
+        </p:nvSpPr>
+        <p:spPr>
+          <a:xfrm>
+            <a:off x="1247655" y="6073263"/>
+            <a:ext cx="865763" cy="505842"/>
+          </a:xfrm>
+          <a:prstGeom prst="rect">
+            <a:avLst/>
+          </a:prstGeom>
         </p:spPr>
         <p:style>
           <a:lnRef idx="2">
@@ -4788,8 +5139,12 @@
           <a:p>
             <a:pPr algn="ctr"/>
             <a:r>
+              <a:rPr lang="nl-NL" sz="1000" dirty="0"/>
+              <a:t>Store </a:t>
+            </a:r>
+            <a:r>
               <a:rPr lang="nl-NL" sz="1000" dirty="0" err="1"/>
-              <a:t>Confirm</a:t>
+              <a:t>appointment</a:t>
             </a:r>
             <a:r>
               <a:rPr lang="nl-NL" sz="1000" dirty="0"/>
@@ -4797,18 +5152,212 @@
             </a:r>
             <a:r>
               <a:rPr lang="nl-NL" sz="1000" dirty="0" err="1"/>
-              <a:t>payment</a:t>
+              <a:t>result</a:t>
             </a:r>
             <a:endParaRPr lang="nl-NL" sz="1000" dirty="0"/>
           </a:p>
         </p:txBody>
       </p:sp>
-      <p:sp>
-        <p:nvSpPr>
-          <p:cNvPr id="66" name="Tekstvak 65">
-            <a:extLst>
-              <a:ext uri="{FF2B5EF4-FFF2-40B4-BE49-F238E27FC236}">
-                <a16:creationId xmlns:a16="http://schemas.microsoft.com/office/drawing/2014/main" id="{74B242E0-75DA-414F-B8BB-3468E602C0D3}"/>
+      <p:cxnSp>
+        <p:nvCxnSpPr>
+          <p:cNvPr id="98" name="Rechte verbindingslijn met pijl 97">
+            <a:extLst>
+              <a:ext uri="{FF2B5EF4-FFF2-40B4-BE49-F238E27FC236}">
+                <a16:creationId xmlns:a16="http://schemas.microsoft.com/office/drawing/2014/main" id="{D2A4ABD5-D9B0-4E5E-AE41-0B1F04ADEEBC}"/>
+              </a:ext>
+            </a:extLst>
+          </p:cNvPr>
+          <p:cNvCxnSpPr>
+            <a:cxnSpLocks/>
+            <a:endCxn id="95" idx="3"/>
+          </p:cNvCxnSpPr>
+          <p:nvPr/>
+        </p:nvCxnSpPr>
+        <p:spPr>
+          <a:xfrm rot="5400000">
+            <a:off x="1810419" y="5874643"/>
+            <a:ext cx="754540" cy="148542"/>
+          </a:xfrm>
+          <a:prstGeom prst="bentConnector2">
+            <a:avLst/>
+          </a:prstGeom>
+          <a:ln w="12700">
+            <a:tailEnd type="triangle"/>
+          </a:ln>
+        </p:spPr>
+        <p:style>
+          <a:lnRef idx="1">
+            <a:schemeClr val="accent1"/>
+          </a:lnRef>
+          <a:fillRef idx="0">
+            <a:schemeClr val="accent1"/>
+          </a:fillRef>
+          <a:effectRef idx="0">
+            <a:schemeClr val="accent1"/>
+          </a:effectRef>
+          <a:fontRef idx="minor">
+            <a:schemeClr val="tx1"/>
+          </a:fontRef>
+        </p:style>
+      </p:cxnSp>
+      <p:grpSp>
+        <p:nvGrpSpPr>
+          <p:cNvPr id="110" name="Groep 109">
+            <a:extLst>
+              <a:ext uri="{FF2B5EF4-FFF2-40B4-BE49-F238E27FC236}">
+                <a16:creationId xmlns:a16="http://schemas.microsoft.com/office/drawing/2014/main" id="{2EF60130-7359-4E5D-8FFE-13B953F8B995}"/>
+              </a:ext>
+            </a:extLst>
+          </p:cNvPr>
+          <p:cNvGrpSpPr/>
+          <p:nvPr/>
+        </p:nvGrpSpPr>
+        <p:grpSpPr>
+          <a:xfrm>
+            <a:off x="1252411" y="2919988"/>
+            <a:ext cx="865762" cy="505843"/>
+            <a:chOff x="1235389" y="4824894"/>
+            <a:chExt cx="865762" cy="505843"/>
+          </a:xfrm>
+        </p:grpSpPr>
+        <p:sp>
+          <p:nvSpPr>
+            <p:cNvPr id="111" name="Stroomdiagram: Beslissing 110">
+              <a:extLst>
+                <a:ext uri="{FF2B5EF4-FFF2-40B4-BE49-F238E27FC236}">
+                  <a16:creationId xmlns:a16="http://schemas.microsoft.com/office/drawing/2014/main" id="{A75C9911-BA4D-4B4C-8363-50CEE8ADEA69}"/>
+                </a:ext>
+              </a:extLst>
+            </p:cNvPr>
+            <p:cNvSpPr/>
+            <p:nvPr/>
+          </p:nvSpPr>
+          <p:spPr>
+            <a:xfrm>
+              <a:off x="1235389" y="4824894"/>
+              <a:ext cx="865762" cy="505843"/>
+            </a:xfrm>
+            <a:prstGeom prst="flowChartDecision">
+              <a:avLst/>
+            </a:prstGeom>
+          </p:spPr>
+          <p:style>
+            <a:lnRef idx="2">
+              <a:schemeClr val="dk1"/>
+            </a:lnRef>
+            <a:fillRef idx="1">
+              <a:schemeClr val="lt1"/>
+            </a:fillRef>
+            <a:effectRef idx="0">
+              <a:schemeClr val="dk1"/>
+            </a:effectRef>
+            <a:fontRef idx="minor">
+              <a:schemeClr val="dk1"/>
+            </a:fontRef>
+          </p:style>
+          <p:txBody>
+            <a:bodyPr lIns="0" rIns="0" rtlCol="0" anchor="ctr"/>
+            <a:lstStyle/>
+            <a:p>
+              <a:pPr algn="ctr"/>
+              <a:endParaRPr lang="nl-NL" sz="1000" dirty="0"/>
+            </a:p>
+          </p:txBody>
+        </p:sp>
+        <p:sp>
+          <p:nvSpPr>
+            <p:cNvPr id="112" name="Tekstvak 111">
+              <a:extLst>
+                <a:ext uri="{FF2B5EF4-FFF2-40B4-BE49-F238E27FC236}">
+                  <a16:creationId xmlns:a16="http://schemas.microsoft.com/office/drawing/2014/main" id="{AF8C55AF-8AC0-47E7-9FC5-E2643646A38D}"/>
+                </a:ext>
+              </a:extLst>
+            </p:cNvPr>
+            <p:cNvSpPr txBox="1"/>
+            <p:nvPr/>
+          </p:nvSpPr>
+          <p:spPr>
+            <a:xfrm>
+              <a:off x="1341099" y="4954705"/>
+              <a:ext cx="654346" cy="246221"/>
+            </a:xfrm>
+            <a:prstGeom prst="rect">
+              <a:avLst/>
+            </a:prstGeom>
+            <a:solidFill>
+              <a:schemeClr val="bg1">
+                <a:alpha val="67000"/>
+              </a:schemeClr>
+            </a:solidFill>
+          </p:spPr>
+          <p:txBody>
+            <a:bodyPr wrap="none" rtlCol="0">
+              <a:spAutoFit/>
+            </a:bodyPr>
+            <a:lstStyle/>
+            <a:p>
+              <a:pPr algn="ctr"/>
+              <a:r>
+                <a:rPr lang="nl-NL" sz="1000" dirty="0" err="1"/>
+                <a:t>Needed</a:t>
+              </a:r>
+              <a:r>
+                <a:rPr lang="nl-NL" sz="1000" dirty="0"/>
+                <a:t>?</a:t>
+              </a:r>
+            </a:p>
+          </p:txBody>
+        </p:sp>
+      </p:grpSp>
+      <p:cxnSp>
+        <p:nvCxnSpPr>
+          <p:cNvPr id="113" name="Rechte verbindingslijn met pijl 112">
+            <a:extLst>
+              <a:ext uri="{FF2B5EF4-FFF2-40B4-BE49-F238E27FC236}">
+                <a16:creationId xmlns:a16="http://schemas.microsoft.com/office/drawing/2014/main" id="{FACF7DB3-2249-4E75-8B94-88E152FD73BB}"/>
+              </a:ext>
+            </a:extLst>
+          </p:cNvPr>
+          <p:cNvCxnSpPr>
+            <a:cxnSpLocks/>
+            <a:stCxn id="111" idx="2"/>
+            <a:endCxn id="2" idx="0"/>
+          </p:cNvCxnSpPr>
+          <p:nvPr/>
+        </p:nvCxnSpPr>
+        <p:spPr>
+          <a:xfrm flipH="1">
+            <a:off x="1680536" y="3425831"/>
+            <a:ext cx="4756" cy="269021"/>
+          </a:xfrm>
+          <a:prstGeom prst="straightConnector1">
+            <a:avLst/>
+          </a:prstGeom>
+          <a:ln w="12700">
+            <a:tailEnd type="triangle"/>
+          </a:ln>
+        </p:spPr>
+        <p:style>
+          <a:lnRef idx="1">
+            <a:schemeClr val="accent1"/>
+          </a:lnRef>
+          <a:fillRef idx="0">
+            <a:schemeClr val="accent1"/>
+          </a:fillRef>
+          <a:effectRef idx="0">
+            <a:schemeClr val="accent1"/>
+          </a:effectRef>
+          <a:fontRef idx="minor">
+            <a:schemeClr val="tx1"/>
+          </a:fontRef>
+        </p:style>
+      </p:cxnSp>
+      <p:sp>
+        <p:nvSpPr>
+          <p:cNvPr id="115" name="Tekstvak 114">
+            <a:extLst>
+              <a:ext uri="{FF2B5EF4-FFF2-40B4-BE49-F238E27FC236}">
+                <a16:creationId xmlns:a16="http://schemas.microsoft.com/office/drawing/2014/main" id="{24D908E1-3307-4298-B4B9-4765CE053BCD}"/>
               </a:ext>
             </a:extLst>
           </p:cNvPr>
@@ -4817,8 +5366,203 @@
         </p:nvSpPr>
         <p:spPr>
           <a:xfrm>
-            <a:off x="8354594" y="2389253"/>
-            <a:ext cx="865764" cy="505842"/>
+            <a:off x="1645911" y="3416443"/>
+            <a:ext cx="356188" cy="246221"/>
+          </a:xfrm>
+          <a:prstGeom prst="rect">
+            <a:avLst/>
+          </a:prstGeom>
+          <a:noFill/>
+        </p:spPr>
+        <p:txBody>
+          <a:bodyPr wrap="none" rtlCol="0">
+            <a:spAutoFit/>
+          </a:bodyPr>
+          <a:lstStyle/>
+          <a:p>
+            <a:r>
+              <a:rPr lang="nl-NL" sz="1000" dirty="0"/>
+              <a:t>yes</a:t>
+            </a:r>
+          </a:p>
+        </p:txBody>
+      </p:sp>
+      <p:cxnSp>
+        <p:nvCxnSpPr>
+          <p:cNvPr id="118" name="Rechte verbindingslijn met pijl 97">
+            <a:extLst>
+              <a:ext uri="{FF2B5EF4-FFF2-40B4-BE49-F238E27FC236}">
+                <a16:creationId xmlns:a16="http://schemas.microsoft.com/office/drawing/2014/main" id="{ED0804DF-AEB6-4248-9B3A-2F46E9493127}"/>
+              </a:ext>
+            </a:extLst>
+          </p:cNvPr>
+          <p:cNvCxnSpPr>
+            <a:cxnSpLocks/>
+            <a:stCxn id="111" idx="1"/>
+            <a:endCxn id="95" idx="1"/>
+          </p:cNvCxnSpPr>
+          <p:nvPr/>
+        </p:nvCxnSpPr>
+        <p:spPr>
+          <a:xfrm rot="10800000" flipV="1">
+            <a:off x="1247655" y="3172910"/>
+            <a:ext cx="4756" cy="3153274"/>
+          </a:xfrm>
+          <a:prstGeom prst="bentConnector3">
+            <a:avLst>
+              <a:gd name="adj1" fmla="val 4906560"/>
+            </a:avLst>
+          </a:prstGeom>
+          <a:ln w="12700">
+            <a:tailEnd type="triangle"/>
+          </a:ln>
+        </p:spPr>
+        <p:style>
+          <a:lnRef idx="1">
+            <a:schemeClr val="accent1"/>
+          </a:lnRef>
+          <a:fillRef idx="0">
+            <a:schemeClr val="accent1"/>
+          </a:fillRef>
+          <a:effectRef idx="0">
+            <a:schemeClr val="accent1"/>
+          </a:effectRef>
+          <a:fontRef idx="minor">
+            <a:schemeClr val="tx1"/>
+          </a:fontRef>
+        </p:style>
+      </p:cxnSp>
+      <p:sp>
+        <p:nvSpPr>
+          <p:cNvPr id="123" name="Tekstvak 122">
+            <a:extLst>
+              <a:ext uri="{FF2B5EF4-FFF2-40B4-BE49-F238E27FC236}">
+                <a16:creationId xmlns:a16="http://schemas.microsoft.com/office/drawing/2014/main" id="{EA48F282-B092-4038-BC9E-9B55D782A1DA}"/>
+              </a:ext>
+            </a:extLst>
+          </p:cNvPr>
+          <p:cNvSpPr txBox="1"/>
+          <p:nvPr/>
+        </p:nvSpPr>
+        <p:spPr>
+          <a:xfrm>
+            <a:off x="2022855" y="3736263"/>
+            <a:ext cx="356188" cy="246221"/>
+          </a:xfrm>
+          <a:prstGeom prst="rect">
+            <a:avLst/>
+          </a:prstGeom>
+          <a:noFill/>
+        </p:spPr>
+        <p:txBody>
+          <a:bodyPr wrap="none" rtlCol="0">
+            <a:spAutoFit/>
+          </a:bodyPr>
+          <a:lstStyle/>
+          <a:p>
+            <a:r>
+              <a:rPr lang="nl-NL" sz="1000" dirty="0"/>
+              <a:t>yes</a:t>
+            </a:r>
+          </a:p>
+        </p:txBody>
+      </p:sp>
+      <p:sp>
+        <p:nvSpPr>
+          <p:cNvPr id="128" name="Tekstvak 127">
+            <a:extLst>
+              <a:ext uri="{FF2B5EF4-FFF2-40B4-BE49-F238E27FC236}">
+                <a16:creationId xmlns:a16="http://schemas.microsoft.com/office/drawing/2014/main" id="{B32585A5-D901-4CE2-BC56-F10DA7FBF10F}"/>
+              </a:ext>
+            </a:extLst>
+          </p:cNvPr>
+          <p:cNvSpPr txBox="1"/>
+          <p:nvPr/>
+        </p:nvSpPr>
+        <p:spPr>
+          <a:xfrm>
+            <a:off x="997476" y="2963812"/>
+            <a:ext cx="319318" cy="246221"/>
+          </a:xfrm>
+          <a:prstGeom prst="rect">
+            <a:avLst/>
+          </a:prstGeom>
+          <a:noFill/>
+        </p:spPr>
+        <p:txBody>
+          <a:bodyPr wrap="none" rtlCol="0">
+            <a:spAutoFit/>
+          </a:bodyPr>
+          <a:lstStyle/>
+          <a:p>
+            <a:r>
+              <a:rPr lang="nl-NL" sz="1000" dirty="0"/>
+              <a:t>no</a:t>
+            </a:r>
+          </a:p>
+        </p:txBody>
+      </p:sp>
+      <p:cxnSp>
+        <p:nvCxnSpPr>
+          <p:cNvPr id="130" name="Rechte verbindingslijn met pijl 83">
+            <a:extLst>
+              <a:ext uri="{FF2B5EF4-FFF2-40B4-BE49-F238E27FC236}">
+                <a16:creationId xmlns:a16="http://schemas.microsoft.com/office/drawing/2014/main" id="{558F6D0D-529A-4FD4-8077-F2E0F67FC635}"/>
+              </a:ext>
+            </a:extLst>
+          </p:cNvPr>
+          <p:cNvCxnSpPr>
+            <a:cxnSpLocks/>
+            <a:stCxn id="6" idx="2"/>
+            <a:endCxn id="111" idx="0"/>
+          </p:cNvCxnSpPr>
+          <p:nvPr/>
+        </p:nvCxnSpPr>
+        <p:spPr>
+          <a:xfrm rot="5400000">
+            <a:off x="1552727" y="2785856"/>
+            <a:ext cx="266698" cy="1567"/>
+          </a:xfrm>
+          <a:prstGeom prst="bentConnector3">
+            <a:avLst>
+              <a:gd name="adj1" fmla="val 50000"/>
+            </a:avLst>
+          </a:prstGeom>
+          <a:ln w="12700">
+            <a:tailEnd type="triangle"/>
+          </a:ln>
+        </p:spPr>
+        <p:style>
+          <a:lnRef idx="1">
+            <a:schemeClr val="accent1"/>
+          </a:lnRef>
+          <a:fillRef idx="0">
+            <a:schemeClr val="accent1"/>
+          </a:fillRef>
+          <a:effectRef idx="0">
+            <a:schemeClr val="accent1"/>
+          </a:effectRef>
+          <a:fontRef idx="minor">
+            <a:schemeClr val="tx1"/>
+          </a:fontRef>
+        </p:style>
+      </p:cxnSp>
+      <p:sp>
+        <p:nvSpPr>
+          <p:cNvPr id="134" name="Tekstvak 133">
+            <a:extLst>
+              <a:ext uri="{FF2B5EF4-FFF2-40B4-BE49-F238E27FC236}">
+                <a16:creationId xmlns:a16="http://schemas.microsoft.com/office/drawing/2014/main" id="{8D9CA255-3E97-49CB-A753-734A9793041A}"/>
+              </a:ext>
+            </a:extLst>
+          </p:cNvPr>
+          <p:cNvSpPr txBox="1"/>
+          <p:nvPr/>
+        </p:nvSpPr>
+        <p:spPr>
+          <a:xfrm>
+            <a:off x="3871864" y="1344754"/>
+            <a:ext cx="865763" cy="505842"/>
           </a:xfrm>
           <a:prstGeom prst="rect">
             <a:avLst/>
@@ -4846,183 +5590,146 @@
           <a:p>
             <a:pPr algn="ctr"/>
             <a:r>
+              <a:rPr lang="nl-NL" sz="1000" dirty="0"/>
+              <a:t>Register </a:t>
+            </a:r>
+            <a:r>
               <a:rPr lang="nl-NL" sz="1000" dirty="0" err="1"/>
-              <a:t>Send</a:t>
-            </a:r>
-            <a:r>
-              <a:rPr lang="nl-NL" sz="1000" dirty="0"/>
-              <a:t> </a:t>
-            </a:r>
-            <a:r>
-              <a:rPr lang="nl-NL" sz="1000" dirty="0" err="1"/>
-              <a:t>confirmation</a:t>
-            </a:r>
-            <a:r>
-              <a:rPr lang="nl-NL" sz="1000" dirty="0"/>
-              <a:t> email</a:t>
-            </a:r>
-          </a:p>
-        </p:txBody>
-      </p:sp>
-      <p:cxnSp>
-        <p:nvCxnSpPr>
-          <p:cNvPr id="68" name="Verbindingslijn: gebogen 67">
-            <a:extLst>
-              <a:ext uri="{FF2B5EF4-FFF2-40B4-BE49-F238E27FC236}">
-                <a16:creationId xmlns:a16="http://schemas.microsoft.com/office/drawing/2014/main" id="{3C1F049D-3D63-4913-A654-DA630401342E}"/>
-              </a:ext>
-            </a:extLst>
-          </p:cNvPr>
-          <p:cNvCxnSpPr>
-            <a:cxnSpLocks/>
-            <a:stCxn id="12" idx="2"/>
-            <a:endCxn id="64" idx="0"/>
-          </p:cNvCxnSpPr>
-          <p:nvPr/>
-        </p:nvCxnSpPr>
-        <p:spPr>
-          <a:xfrm rot="5400000" flipH="1" flipV="1">
-            <a:off x="4767850" y="474544"/>
-            <a:ext cx="3696502" cy="4342749"/>
-          </a:xfrm>
-          <a:prstGeom prst="bentConnector5">
-            <a:avLst>
-              <a:gd name="adj1" fmla="val -6184"/>
-              <a:gd name="adj2" fmla="val 79390"/>
-              <a:gd name="adj3" fmla="val 106184"/>
-            </a:avLst>
-          </a:prstGeom>
-          <a:ln w="12700">
-            <a:tailEnd type="triangle"/>
-          </a:ln>
-        </p:spPr>
-        <p:style>
-          <a:lnRef idx="1">
-            <a:schemeClr val="accent1"/>
-          </a:lnRef>
-          <a:fillRef idx="0">
-            <a:schemeClr val="accent1"/>
-          </a:fillRef>
-          <a:effectRef idx="0">
-            <a:schemeClr val="accent1"/>
-          </a:effectRef>
-          <a:fontRef idx="minor">
-            <a:schemeClr val="tx1"/>
-          </a:fontRef>
-        </p:style>
-      </p:cxnSp>
-      <p:cxnSp>
-        <p:nvCxnSpPr>
-          <p:cNvPr id="72" name="Rechte verbindingslijn met pijl 71">
-            <a:extLst>
-              <a:ext uri="{FF2B5EF4-FFF2-40B4-BE49-F238E27FC236}">
-                <a16:creationId xmlns:a16="http://schemas.microsoft.com/office/drawing/2014/main" id="{18F0EE19-149C-4A64-BA86-458032DBB3B3}"/>
-              </a:ext>
-            </a:extLst>
-          </p:cNvPr>
-          <p:cNvCxnSpPr>
-            <a:cxnSpLocks/>
-            <a:stCxn id="64" idx="2"/>
-            <a:endCxn id="65" idx="0"/>
-          </p:cNvCxnSpPr>
-          <p:nvPr/>
-        </p:nvCxnSpPr>
-        <p:spPr>
-          <a:xfrm>
-            <a:off x="8787476" y="1303510"/>
-            <a:ext cx="0" cy="291823"/>
-          </a:xfrm>
-          <a:prstGeom prst="straightConnector1">
+              <a:t>submission</a:t>
+            </a:r>
+            <a:endParaRPr lang="nl-NL" sz="1000" dirty="0"/>
+          </a:p>
+        </p:txBody>
+      </p:sp>
+      <p:grpSp>
+        <p:nvGrpSpPr>
+          <p:cNvPr id="145" name="Groep 144">
+            <a:extLst>
+              <a:ext uri="{FF2B5EF4-FFF2-40B4-BE49-F238E27FC236}">
+                <a16:creationId xmlns:a16="http://schemas.microsoft.com/office/drawing/2014/main" id="{7ED3CE34-1C7C-41D9-9613-303BE9702BBA}"/>
+              </a:ext>
+            </a:extLst>
+          </p:cNvPr>
+          <p:cNvGrpSpPr/>
+          <p:nvPr/>
+        </p:nvGrpSpPr>
+        <p:grpSpPr>
+          <a:xfrm>
+            <a:off x="3871864" y="2162032"/>
+            <a:ext cx="865762" cy="505843"/>
+            <a:chOff x="1235389" y="4824894"/>
+            <a:chExt cx="865762" cy="505843"/>
+          </a:xfrm>
+        </p:grpSpPr>
+        <p:sp>
+          <p:nvSpPr>
+            <p:cNvPr id="146" name="Stroomdiagram: Beslissing 145">
+              <a:extLst>
+                <a:ext uri="{FF2B5EF4-FFF2-40B4-BE49-F238E27FC236}">
+                  <a16:creationId xmlns:a16="http://schemas.microsoft.com/office/drawing/2014/main" id="{26FEF64D-8C4E-40BD-868F-0EF75FBA1CC6}"/>
+                </a:ext>
+              </a:extLst>
+            </p:cNvPr>
+            <p:cNvSpPr/>
+            <p:nvPr/>
+          </p:nvSpPr>
+          <p:spPr>
+            <a:xfrm>
+              <a:off x="1235389" y="4824894"/>
+              <a:ext cx="865762" cy="505843"/>
+            </a:xfrm>
+            <a:prstGeom prst="flowChartDecision">
+              <a:avLst/>
+            </a:prstGeom>
+          </p:spPr>
+          <p:style>
+            <a:lnRef idx="2">
+              <a:schemeClr val="dk1"/>
+            </a:lnRef>
+            <a:fillRef idx="1">
+              <a:schemeClr val="lt1"/>
+            </a:fillRef>
+            <a:effectRef idx="0">
+              <a:schemeClr val="dk1"/>
+            </a:effectRef>
+            <a:fontRef idx="minor">
+              <a:schemeClr val="dk1"/>
+            </a:fontRef>
+          </p:style>
+          <p:txBody>
+            <a:bodyPr lIns="0" rIns="0" rtlCol="0" anchor="ctr"/>
+            <a:lstStyle/>
+            <a:p>
+              <a:pPr algn="ctr"/>
+              <a:endParaRPr lang="nl-NL" sz="1000" dirty="0"/>
+            </a:p>
+          </p:txBody>
+        </p:sp>
+        <p:sp>
+          <p:nvSpPr>
+            <p:cNvPr id="147" name="Tekstvak 146">
+              <a:extLst>
+                <a:ext uri="{FF2B5EF4-FFF2-40B4-BE49-F238E27FC236}">
+                  <a16:creationId xmlns:a16="http://schemas.microsoft.com/office/drawing/2014/main" id="{B33014C7-2B6C-454D-B83E-A2EFB9E09E23}"/>
+                </a:ext>
+              </a:extLst>
+            </p:cNvPr>
+            <p:cNvSpPr txBox="1"/>
+            <p:nvPr/>
+          </p:nvSpPr>
+          <p:spPr>
+            <a:xfrm>
+              <a:off x="1346708" y="4954705"/>
+              <a:ext cx="643125" cy="246221"/>
+            </a:xfrm>
+            <a:prstGeom prst="rect">
+              <a:avLst/>
+            </a:prstGeom>
+            <a:solidFill>
+              <a:schemeClr val="bg1">
+                <a:alpha val="67000"/>
+              </a:schemeClr>
+            </a:solidFill>
+          </p:spPr>
+          <p:txBody>
+            <a:bodyPr wrap="none" rtlCol="0">
+              <a:spAutoFit/>
+            </a:bodyPr>
+            <a:lstStyle/>
+            <a:p>
+              <a:pPr algn="ctr"/>
+              <a:r>
+                <a:rPr lang="nl-NL" sz="1000" dirty="0" err="1"/>
+                <a:t>Success</a:t>
+              </a:r>
+              <a:r>
+                <a:rPr lang="nl-NL" sz="1000" dirty="0"/>
+                <a:t>?</a:t>
+              </a:r>
+            </a:p>
+          </p:txBody>
+        </p:sp>
+      </p:grpSp>
+      <p:sp>
+        <p:nvSpPr>
+          <p:cNvPr id="148" name="Stroomdiagram: Verbindingslijn 147">
+            <a:extLst>
+              <a:ext uri="{FF2B5EF4-FFF2-40B4-BE49-F238E27FC236}">
+                <a16:creationId xmlns:a16="http://schemas.microsoft.com/office/drawing/2014/main" id="{B4AD36D4-6E18-4966-90BA-C5383B6DFE94}"/>
+              </a:ext>
+            </a:extLst>
+          </p:cNvPr>
+          <p:cNvSpPr/>
+          <p:nvPr/>
+        </p:nvSpPr>
+        <p:spPr>
+          <a:xfrm>
+            <a:off x="5119171" y="2173731"/>
+            <a:ext cx="865761" cy="500300"/>
+          </a:xfrm>
+          <a:prstGeom prst="flowChartConnector">
             <a:avLst/>
           </a:prstGeom>
-          <a:ln w="12700">
-            <a:tailEnd type="triangle"/>
-          </a:ln>
-        </p:spPr>
-        <p:style>
-          <a:lnRef idx="1">
-            <a:schemeClr val="accent1"/>
-          </a:lnRef>
-          <a:fillRef idx="0">
-            <a:schemeClr val="accent1"/>
-          </a:fillRef>
-          <a:effectRef idx="0">
-            <a:schemeClr val="accent1"/>
-          </a:effectRef>
-          <a:fontRef idx="minor">
-            <a:schemeClr val="tx1"/>
-          </a:fontRef>
-        </p:style>
-      </p:cxnSp>
-      <p:cxnSp>
-        <p:nvCxnSpPr>
-          <p:cNvPr id="75" name="Rechte verbindingslijn met pijl 74">
-            <a:extLst>
-              <a:ext uri="{FF2B5EF4-FFF2-40B4-BE49-F238E27FC236}">
-                <a16:creationId xmlns:a16="http://schemas.microsoft.com/office/drawing/2014/main" id="{68DAF3D8-EF4E-4508-AAB3-EE7B4B53B0A7}"/>
-              </a:ext>
-            </a:extLst>
-          </p:cNvPr>
-          <p:cNvCxnSpPr>
-            <a:cxnSpLocks/>
-            <a:stCxn id="65" idx="2"/>
-            <a:endCxn id="66" idx="0"/>
-          </p:cNvCxnSpPr>
-          <p:nvPr/>
-        </p:nvCxnSpPr>
-        <p:spPr>
-          <a:xfrm>
-            <a:off x="8787476" y="2101175"/>
-            <a:ext cx="0" cy="288078"/>
-          </a:xfrm>
-          <a:prstGeom prst="straightConnector1">
-            <a:avLst/>
-          </a:prstGeom>
-          <a:ln w="12700">
-            <a:tailEnd type="triangle"/>
-          </a:ln>
-        </p:spPr>
-        <p:style>
-          <a:lnRef idx="1">
-            <a:schemeClr val="accent1"/>
-          </a:lnRef>
-          <a:fillRef idx="0">
-            <a:schemeClr val="accent1"/>
-          </a:fillRef>
-          <a:effectRef idx="0">
-            <a:schemeClr val="accent1"/>
-          </a:effectRef>
-          <a:fontRef idx="minor">
-            <a:schemeClr val="tx1"/>
-          </a:fontRef>
-        </p:style>
-      </p:cxnSp>
-      <p:sp>
-        <p:nvSpPr>
-          <p:cNvPr id="78" name="Tekstvak 77">
-            <a:extLst>
-              <a:ext uri="{FF2B5EF4-FFF2-40B4-BE49-F238E27FC236}">
-                <a16:creationId xmlns:a16="http://schemas.microsoft.com/office/drawing/2014/main" id="{77DDAB07-38D4-4746-99E2-D7F77411BAD6}"/>
-              </a:ext>
-            </a:extLst>
-          </p:cNvPr>
-          <p:cNvSpPr txBox="1"/>
-          <p:nvPr/>
-        </p:nvSpPr>
-        <p:spPr>
-          <a:xfrm>
-            <a:off x="10320212" y="2389253"/>
-            <a:ext cx="865764" cy="505842"/>
-          </a:xfrm>
-          <a:prstGeom prst="rect">
-            <a:avLst/>
-          </a:prstGeom>
-          <a:ln>
-            <a:solidFill>
-              <a:schemeClr val="tx1"/>
-            </a:solidFill>
-            <a:prstDash val="dash"/>
-          </a:ln>
         </p:spPr>
         <p:style>
           <a:lnRef idx="2">
@@ -5039,27 +5746,25 @@
           </a:fontRef>
         </p:style>
         <p:txBody>
-          <a:bodyPr wrap="square" rtlCol="0" anchor="ctr" anchorCtr="0">
-            <a:noAutofit/>
-          </a:bodyPr>
+          <a:bodyPr lIns="0" rIns="0" rtlCol="0" anchor="ctr"/>
           <a:lstStyle/>
           <a:p>
             <a:pPr algn="ctr"/>
             <a:r>
               <a:rPr lang="nl-NL" sz="1000" dirty="0"/>
-              <a:t>Update </a:t>
+              <a:t>Schedule </a:t>
             </a:r>
             <a:r>
               <a:rPr lang="nl-NL" sz="1000" dirty="0" err="1"/>
-              <a:t>registration</a:t>
+              <a:t>for</a:t>
             </a:r>
             <a:r>
               <a:rPr lang="nl-NL" sz="1000" dirty="0"/>
-              <a:t> w/ </a:t>
+              <a:t> </a:t>
             </a:r>
             <a:r>
               <a:rPr lang="nl-NL" sz="1000" dirty="0" err="1"/>
-              <a:t>payment</a:t>
+              <a:t>retry</a:t>
             </a:r>
             <a:endParaRPr lang="nl-NL" sz="1000" dirty="0"/>
           </a:p>
@@ -5067,26 +5772,26 @@
       </p:sp>
       <p:cxnSp>
         <p:nvCxnSpPr>
-          <p:cNvPr id="82" name="Verbindingslijn: gebogen 81">
-            <a:extLst>
-              <a:ext uri="{FF2B5EF4-FFF2-40B4-BE49-F238E27FC236}">
-                <a16:creationId xmlns:a16="http://schemas.microsoft.com/office/drawing/2014/main" id="{8CEBBB2A-E614-4179-8FFB-34787A79B718}"/>
+          <p:cNvPr id="149" name="Rechte verbindingslijn met pijl 148">
+            <a:extLst>
+              <a:ext uri="{FF2B5EF4-FFF2-40B4-BE49-F238E27FC236}">
+                <a16:creationId xmlns:a16="http://schemas.microsoft.com/office/drawing/2014/main" id="{E89436C6-46D3-45F3-A2B5-3C02358837E5}"/>
               </a:ext>
             </a:extLst>
           </p:cNvPr>
           <p:cNvCxnSpPr>
             <a:cxnSpLocks/>
-            <a:stCxn id="65" idx="3"/>
-            <a:endCxn id="78" idx="0"/>
+            <a:stCxn id="146" idx="3"/>
+            <a:endCxn id="148" idx="2"/>
           </p:cNvCxnSpPr>
           <p:nvPr/>
         </p:nvCxnSpPr>
         <p:spPr>
           <a:xfrm>
-            <a:off x="9220358" y="1848254"/>
-            <a:ext cx="1532736" cy="540999"/>
-          </a:xfrm>
-          <a:prstGeom prst="bentConnector2">
+            <a:off x="4737626" y="2414954"/>
+            <a:ext cx="381545" cy="8927"/>
+          </a:xfrm>
+          <a:prstGeom prst="straightConnector1">
             <a:avLst/>
           </a:prstGeom>
           <a:ln w="12700">
@@ -5108,12 +5813,55 @@
           </a:fontRef>
         </p:style>
       </p:cxnSp>
-      <p:sp>
-        <p:nvSpPr>
-          <p:cNvPr id="86" name="Tekstvak 85">
-            <a:extLst>
-              <a:ext uri="{FF2B5EF4-FFF2-40B4-BE49-F238E27FC236}">
-                <a16:creationId xmlns:a16="http://schemas.microsoft.com/office/drawing/2014/main" id="{B72BBC81-0883-4216-9F34-77C9B802E74F}"/>
+      <p:cxnSp>
+        <p:nvCxnSpPr>
+          <p:cNvPr id="151" name="Rechte verbindingslijn met pijl 150">
+            <a:extLst>
+              <a:ext uri="{FF2B5EF4-FFF2-40B4-BE49-F238E27FC236}">
+                <a16:creationId xmlns:a16="http://schemas.microsoft.com/office/drawing/2014/main" id="{4C44663C-11B5-4602-88C7-8A996E73AC90}"/>
+              </a:ext>
+            </a:extLst>
+          </p:cNvPr>
+          <p:cNvCxnSpPr>
+            <a:cxnSpLocks/>
+            <a:stCxn id="134" idx="2"/>
+            <a:endCxn id="146" idx="0"/>
+          </p:cNvCxnSpPr>
+          <p:nvPr/>
+        </p:nvCxnSpPr>
+        <p:spPr>
+          <a:xfrm flipH="1">
+            <a:off x="4304745" y="1850596"/>
+            <a:ext cx="1" cy="311436"/>
+          </a:xfrm>
+          <a:prstGeom prst="straightConnector1">
+            <a:avLst/>
+          </a:prstGeom>
+          <a:ln w="12700">
+            <a:tailEnd type="triangle"/>
+          </a:ln>
+        </p:spPr>
+        <p:style>
+          <a:lnRef idx="1">
+            <a:schemeClr val="accent1"/>
+          </a:lnRef>
+          <a:fillRef idx="0">
+            <a:schemeClr val="accent1"/>
+          </a:fillRef>
+          <a:effectRef idx="0">
+            <a:schemeClr val="accent1"/>
+          </a:effectRef>
+          <a:fontRef idx="minor">
+            <a:schemeClr val="tx1"/>
+          </a:fontRef>
+        </p:style>
+      </p:cxnSp>
+      <p:sp>
+        <p:nvSpPr>
+          <p:cNvPr id="156" name="Tekstvak 155">
+            <a:extLst>
+              <a:ext uri="{FF2B5EF4-FFF2-40B4-BE49-F238E27FC236}">
+                <a16:creationId xmlns:a16="http://schemas.microsoft.com/office/drawing/2014/main" id="{E72D0CDF-32F1-4212-AA2A-0C71FEF113E9}"/>
               </a:ext>
             </a:extLst>
           </p:cNvPr>
@@ -5122,15 +5870,125 @@
         </p:nvSpPr>
         <p:spPr>
           <a:xfrm>
-            <a:off x="5977466" y="1595333"/>
-            <a:ext cx="865764" cy="505842"/>
+            <a:off x="4679953" y="2180748"/>
+            <a:ext cx="319318" cy="246221"/>
           </a:xfrm>
           <a:prstGeom prst="rect">
             <a:avLst/>
           </a:prstGeom>
-          <a:ln>
-            <a:prstDash val="dash"/>
+          <a:noFill/>
+        </p:spPr>
+        <p:txBody>
+          <a:bodyPr wrap="none" rtlCol="0">
+            <a:spAutoFit/>
+          </a:bodyPr>
+          <a:lstStyle/>
+          <a:p>
+            <a:r>
+              <a:rPr lang="nl-NL" sz="1000" dirty="0"/>
+              <a:t>no</a:t>
+            </a:r>
+          </a:p>
+        </p:txBody>
+      </p:sp>
+      <p:sp>
+        <p:nvSpPr>
+          <p:cNvPr id="157" name="Tekstvak 156">
+            <a:extLst>
+              <a:ext uri="{FF2B5EF4-FFF2-40B4-BE49-F238E27FC236}">
+                <a16:creationId xmlns:a16="http://schemas.microsoft.com/office/drawing/2014/main" id="{2446B015-E4B6-43EC-BA3E-539348D20739}"/>
+              </a:ext>
+            </a:extLst>
+          </p:cNvPr>
+          <p:cNvSpPr txBox="1"/>
+          <p:nvPr/>
+        </p:nvSpPr>
+        <p:spPr>
+          <a:xfrm>
+            <a:off x="4321295" y="2671061"/>
+            <a:ext cx="356188" cy="246221"/>
+          </a:xfrm>
+          <a:prstGeom prst="rect">
+            <a:avLst/>
+          </a:prstGeom>
+          <a:noFill/>
+        </p:spPr>
+        <p:txBody>
+          <a:bodyPr wrap="none" rtlCol="0">
+            <a:spAutoFit/>
+          </a:bodyPr>
+          <a:lstStyle/>
+          <a:p>
+            <a:r>
+              <a:rPr lang="nl-NL" sz="1000" dirty="0"/>
+              <a:t>yes</a:t>
+            </a:r>
+          </a:p>
+        </p:txBody>
+      </p:sp>
+      <p:cxnSp>
+        <p:nvCxnSpPr>
+          <p:cNvPr id="158" name="Rechte verbindingslijn met pijl 157">
+            <a:extLst>
+              <a:ext uri="{FF2B5EF4-FFF2-40B4-BE49-F238E27FC236}">
+                <a16:creationId xmlns:a16="http://schemas.microsoft.com/office/drawing/2014/main" id="{DB65B124-2674-495A-A53D-C3FF918DEA87}"/>
+              </a:ext>
+            </a:extLst>
+          </p:cNvPr>
+          <p:cNvCxnSpPr>
+            <a:cxnSpLocks/>
+            <a:stCxn id="146" idx="2"/>
+            <a:endCxn id="159" idx="0"/>
+          </p:cNvCxnSpPr>
+          <p:nvPr/>
+        </p:nvCxnSpPr>
+        <p:spPr>
+          <a:xfrm>
+            <a:off x="4304745" y="2667875"/>
+            <a:ext cx="1" cy="257625"/>
+          </a:xfrm>
+          <a:prstGeom prst="straightConnector1">
+            <a:avLst/>
+          </a:prstGeom>
+          <a:ln w="12700">
+            <a:tailEnd type="triangle"/>
           </a:ln>
+        </p:spPr>
+        <p:style>
+          <a:lnRef idx="1">
+            <a:schemeClr val="accent1"/>
+          </a:lnRef>
+          <a:fillRef idx="0">
+            <a:schemeClr val="accent1"/>
+          </a:fillRef>
+          <a:effectRef idx="0">
+            <a:schemeClr val="accent1"/>
+          </a:effectRef>
+          <a:fontRef idx="minor">
+            <a:schemeClr val="tx1"/>
+          </a:fontRef>
+        </p:style>
+      </p:cxnSp>
+      <p:sp>
+        <p:nvSpPr>
+          <p:cNvPr id="159" name="Tekstvak 158">
+            <a:extLst>
+              <a:ext uri="{FF2B5EF4-FFF2-40B4-BE49-F238E27FC236}">
+                <a16:creationId xmlns:a16="http://schemas.microsoft.com/office/drawing/2014/main" id="{8FF52E4B-1942-4A89-8858-D28525C1C542}"/>
+              </a:ext>
+            </a:extLst>
+          </p:cNvPr>
+          <p:cNvSpPr txBox="1"/>
+          <p:nvPr/>
+        </p:nvSpPr>
+        <p:spPr>
+          <a:xfrm>
+            <a:off x="3871864" y="2925500"/>
+            <a:ext cx="865763" cy="505842"/>
+          </a:xfrm>
+          <a:prstGeom prst="rect">
+            <a:avLst/>
+          </a:prstGeom>
         </p:spPr>
         <p:style>
           <a:lnRef idx="2">
@@ -5154,8 +6012,12 @@
           <a:p>
             <a:pPr algn="ctr"/>
             <a:r>
+              <a:rPr lang="nl-NL" sz="1000" dirty="0"/>
+              <a:t>Store </a:t>
+            </a:r>
+            <a:r>
               <a:rPr lang="nl-NL" sz="1000" dirty="0" err="1"/>
-              <a:t>Retry</a:t>
+              <a:t>registration</a:t>
             </a:r>
             <a:r>
               <a:rPr lang="nl-NL" sz="1000" dirty="0"/>
@@ -5163,15 +6025,7 @@
             </a:r>
             <a:r>
               <a:rPr lang="nl-NL" sz="1000" dirty="0" err="1"/>
-              <a:t>submission</a:t>
-            </a:r>
-            <a:r>
-              <a:rPr lang="nl-NL" sz="1000" dirty="0"/>
-              <a:t> </a:t>
-            </a:r>
-            <a:r>
-              <a:rPr lang="nl-NL" sz="1000" dirty="0" err="1"/>
-              <a:t>registration</a:t>
+              <a:t>result</a:t>
             </a:r>
             <a:endParaRPr lang="nl-NL" sz="1000" dirty="0"/>
           </a:p>
@@ -5179,396 +6033,28 @@
       </p:sp>
       <p:cxnSp>
         <p:nvCxnSpPr>
-          <p:cNvPr id="87" name="Rechte verbindingslijn met pijl 86">
-            <a:extLst>
-              <a:ext uri="{FF2B5EF4-FFF2-40B4-BE49-F238E27FC236}">
-                <a16:creationId xmlns:a16="http://schemas.microsoft.com/office/drawing/2014/main" id="{C66E3F82-875C-49E3-A55F-12ADE2518FC7}"/>
+          <p:cNvPr id="163" name="Rechte verbindingslijn met pijl 97">
+            <a:extLst>
+              <a:ext uri="{FF2B5EF4-FFF2-40B4-BE49-F238E27FC236}">
+                <a16:creationId xmlns:a16="http://schemas.microsoft.com/office/drawing/2014/main" id="{A4E28538-286F-49C7-9520-6A64E110A07C}"/>
               </a:ext>
             </a:extLst>
           </p:cNvPr>
           <p:cNvCxnSpPr>
             <a:cxnSpLocks/>
-            <a:stCxn id="9" idx="3"/>
-            <a:endCxn id="86" idx="1"/>
+            <a:endCxn id="159" idx="3"/>
           </p:cNvCxnSpPr>
           <p:nvPr/>
         </p:nvCxnSpPr>
         <p:spPr>
-          <a:xfrm>
-            <a:off x="4877609" y="1848254"/>
-            <a:ext cx="1099857" cy="0"/>
-          </a:xfrm>
-          <a:prstGeom prst="straightConnector1">
+          <a:xfrm rot="5400000">
+            <a:off x="4434628" y="2726880"/>
+            <a:ext cx="754540" cy="148542"/>
+          </a:xfrm>
+          <a:prstGeom prst="bentConnector2">
             <a:avLst/>
           </a:prstGeom>
           <a:ln w="12700">
-            <a:tailEnd type="triangle"/>
-          </a:ln>
-        </p:spPr>
-        <p:style>
-          <a:lnRef idx="1">
-            <a:schemeClr val="accent1"/>
-          </a:lnRef>
-          <a:fillRef idx="0">
-            <a:schemeClr val="accent1"/>
-          </a:fillRef>
-          <a:effectRef idx="0">
-            <a:schemeClr val="accent1"/>
-          </a:effectRef>
-          <a:fontRef idx="minor">
-            <a:schemeClr val="tx1"/>
-          </a:fontRef>
-        </p:style>
-      </p:cxnSp>
-      <p:sp>
-        <p:nvSpPr>
-          <p:cNvPr id="90" name="Tekstvak 89">
-            <a:extLst>
-              <a:ext uri="{FF2B5EF4-FFF2-40B4-BE49-F238E27FC236}">
-                <a16:creationId xmlns:a16="http://schemas.microsoft.com/office/drawing/2014/main" id="{446A7616-FB16-4F2C-B6CA-5984235D4154}"/>
-              </a:ext>
-            </a:extLst>
-          </p:cNvPr>
-          <p:cNvSpPr txBox="1"/>
-          <p:nvPr/>
-        </p:nvSpPr>
-        <p:spPr>
-          <a:xfrm>
-            <a:off x="4891236" y="1424628"/>
-            <a:ext cx="1104790" cy="400110"/>
-          </a:xfrm>
-          <a:prstGeom prst="rect">
-            <a:avLst/>
-          </a:prstGeom>
-          <a:noFill/>
-        </p:spPr>
-        <p:txBody>
-          <a:bodyPr wrap="none" rtlCol="0">
-            <a:spAutoFit/>
-          </a:bodyPr>
-          <a:lstStyle/>
-          <a:p>
-            <a:r>
-              <a:rPr lang="nl-NL" sz="1000" dirty="0" err="1"/>
-              <a:t>initial</a:t>
-            </a:r>
-            <a:r>
-              <a:rPr lang="nl-NL" sz="1000" dirty="0"/>
-              <a:t> </a:t>
-            </a:r>
-            <a:r>
-              <a:rPr lang="nl-NL" sz="1000" dirty="0" err="1"/>
-              <a:t>registration</a:t>
-            </a:r>
-            <a:br>
-              <a:rPr lang="nl-NL" sz="1000" dirty="0"/>
-            </a:br>
-            <a:r>
-              <a:rPr lang="nl-NL" sz="1000" dirty="0" err="1"/>
-              <a:t>fail</a:t>
-            </a:r>
-            <a:r>
-              <a:rPr lang="nl-NL" sz="1000" dirty="0"/>
-              <a:t> / </a:t>
-            </a:r>
-            <a:r>
-              <a:rPr lang="nl-NL" sz="1000" dirty="0" err="1"/>
-              <a:t>timeout</a:t>
-            </a:r>
-            <a:endParaRPr lang="nl-NL" sz="1000" dirty="0"/>
-          </a:p>
-        </p:txBody>
-      </p:sp>
-      <p:sp>
-        <p:nvSpPr>
-          <p:cNvPr id="100" name="Tekstvak 99">
-            <a:extLst>
-              <a:ext uri="{FF2B5EF4-FFF2-40B4-BE49-F238E27FC236}">
-                <a16:creationId xmlns:a16="http://schemas.microsoft.com/office/drawing/2014/main" id="{541A7992-3FC7-4516-88BD-6436314C6DCC}"/>
-              </a:ext>
-            </a:extLst>
-          </p:cNvPr>
-          <p:cNvSpPr txBox="1"/>
-          <p:nvPr/>
-        </p:nvSpPr>
-        <p:spPr>
-          <a:xfrm>
-            <a:off x="4439088" y="2121330"/>
-            <a:ext cx="1499128" cy="246221"/>
-          </a:xfrm>
-          <a:prstGeom prst="rect">
-            <a:avLst/>
-          </a:prstGeom>
-          <a:noFill/>
-        </p:spPr>
-        <p:txBody>
-          <a:bodyPr wrap="none" rtlCol="0">
-            <a:spAutoFit/>
-          </a:bodyPr>
-          <a:lstStyle/>
-          <a:p>
-            <a:r>
-              <a:rPr lang="nl-NL" sz="1000" dirty="0"/>
-              <a:t>ok / </a:t>
-            </a:r>
-            <a:r>
-              <a:rPr lang="nl-NL" sz="1000" dirty="0" err="1"/>
-              <a:t>fail</a:t>
-            </a:r>
-            <a:r>
-              <a:rPr lang="nl-NL" sz="1000" dirty="0"/>
-              <a:t> / </a:t>
-            </a:r>
-            <a:r>
-              <a:rPr lang="nl-NL" sz="1000" dirty="0" err="1"/>
-              <a:t>timeout</a:t>
-            </a:r>
-            <a:r>
-              <a:rPr lang="nl-NL" sz="1000" dirty="0"/>
-              <a:t> (3 sec.)</a:t>
-            </a:r>
-          </a:p>
-        </p:txBody>
-      </p:sp>
-      <p:sp>
-        <p:nvSpPr>
-          <p:cNvPr id="101" name="Tekstvak 100">
-            <a:extLst>
-              <a:ext uri="{FF2B5EF4-FFF2-40B4-BE49-F238E27FC236}">
-                <a16:creationId xmlns:a16="http://schemas.microsoft.com/office/drawing/2014/main" id="{5D9FF5B7-D987-47A0-B938-706EA448EC96}"/>
-              </a:ext>
-            </a:extLst>
-          </p:cNvPr>
-          <p:cNvSpPr txBox="1"/>
-          <p:nvPr/>
-        </p:nvSpPr>
-        <p:spPr>
-          <a:xfrm>
-            <a:off x="4439088" y="1321252"/>
-            <a:ext cx="309700" cy="246221"/>
-          </a:xfrm>
-          <a:prstGeom prst="rect">
-            <a:avLst/>
-          </a:prstGeom>
-          <a:noFill/>
-        </p:spPr>
-        <p:txBody>
-          <a:bodyPr wrap="none" rtlCol="0">
-            <a:spAutoFit/>
-          </a:bodyPr>
-          <a:lstStyle/>
-          <a:p>
-            <a:r>
-              <a:rPr lang="nl-NL" sz="1000" dirty="0"/>
-              <a:t>ok</a:t>
-            </a:r>
-          </a:p>
-        </p:txBody>
-      </p:sp>
-      <p:sp>
-        <p:nvSpPr>
-          <p:cNvPr id="102" name="Tekstvak 101">
-            <a:extLst>
-              <a:ext uri="{FF2B5EF4-FFF2-40B4-BE49-F238E27FC236}">
-                <a16:creationId xmlns:a16="http://schemas.microsoft.com/office/drawing/2014/main" id="{137BD82B-148F-455F-A4DE-0766D0AF5000}"/>
-              </a:ext>
-            </a:extLst>
-          </p:cNvPr>
-          <p:cNvSpPr txBox="1"/>
-          <p:nvPr/>
-        </p:nvSpPr>
-        <p:spPr>
-          <a:xfrm>
-            <a:off x="1687521" y="1328451"/>
-            <a:ext cx="309700" cy="246221"/>
-          </a:xfrm>
-          <a:prstGeom prst="rect">
-            <a:avLst/>
-          </a:prstGeom>
-          <a:noFill/>
-        </p:spPr>
-        <p:txBody>
-          <a:bodyPr wrap="none" rtlCol="0">
-            <a:spAutoFit/>
-          </a:bodyPr>
-          <a:lstStyle/>
-          <a:p>
-            <a:r>
-              <a:rPr lang="nl-NL" sz="1000" dirty="0"/>
-              <a:t>ok</a:t>
-            </a:r>
-          </a:p>
-        </p:txBody>
-      </p:sp>
-      <p:sp>
-        <p:nvSpPr>
-          <p:cNvPr id="103" name="Tekstvak 102">
-            <a:extLst>
-              <a:ext uri="{FF2B5EF4-FFF2-40B4-BE49-F238E27FC236}">
-                <a16:creationId xmlns:a16="http://schemas.microsoft.com/office/drawing/2014/main" id="{E5D9A52F-B5ED-485A-B267-FB62D8E20CDF}"/>
-              </a:ext>
-            </a:extLst>
-          </p:cNvPr>
-          <p:cNvSpPr txBox="1"/>
-          <p:nvPr/>
-        </p:nvSpPr>
-        <p:spPr>
-          <a:xfrm>
-            <a:off x="1672610" y="2121330"/>
-            <a:ext cx="309700" cy="246221"/>
-          </a:xfrm>
-          <a:prstGeom prst="rect">
-            <a:avLst/>
-          </a:prstGeom>
-          <a:noFill/>
-        </p:spPr>
-        <p:txBody>
-          <a:bodyPr wrap="none" rtlCol="0">
-            <a:spAutoFit/>
-          </a:bodyPr>
-          <a:lstStyle/>
-          <a:p>
-            <a:r>
-              <a:rPr lang="nl-NL" sz="1000" dirty="0"/>
-              <a:t>ok</a:t>
-            </a:r>
-          </a:p>
-        </p:txBody>
-      </p:sp>
-      <p:sp>
-        <p:nvSpPr>
-          <p:cNvPr id="104" name="Tekstvak 103">
-            <a:extLst>
-              <a:ext uri="{FF2B5EF4-FFF2-40B4-BE49-F238E27FC236}">
-                <a16:creationId xmlns:a16="http://schemas.microsoft.com/office/drawing/2014/main" id="{1A6F8A01-D218-4A51-B999-F06B5F2FF7EE}"/>
-              </a:ext>
-            </a:extLst>
-          </p:cNvPr>
-          <p:cNvSpPr txBox="1"/>
-          <p:nvPr/>
-        </p:nvSpPr>
-        <p:spPr>
-          <a:xfrm>
-            <a:off x="1683256" y="2927555"/>
-            <a:ext cx="309700" cy="246221"/>
-          </a:xfrm>
-          <a:prstGeom prst="rect">
-            <a:avLst/>
-          </a:prstGeom>
-          <a:noFill/>
-        </p:spPr>
-        <p:txBody>
-          <a:bodyPr wrap="none" rtlCol="0">
-            <a:spAutoFit/>
-          </a:bodyPr>
-          <a:lstStyle/>
-          <a:p>
-            <a:r>
-              <a:rPr lang="nl-NL" sz="1000" dirty="0"/>
-              <a:t>ok</a:t>
-            </a:r>
-          </a:p>
-        </p:txBody>
-      </p:sp>
-      <p:sp>
-        <p:nvSpPr>
-          <p:cNvPr id="105" name="Tekstvak 104">
-            <a:extLst>
-              <a:ext uri="{FF2B5EF4-FFF2-40B4-BE49-F238E27FC236}">
-                <a16:creationId xmlns:a16="http://schemas.microsoft.com/office/drawing/2014/main" id="{C52C0F92-1FA0-4F54-96B2-F018BBF9BEF6}"/>
-              </a:ext>
-            </a:extLst>
-          </p:cNvPr>
-          <p:cNvSpPr txBox="1"/>
-          <p:nvPr/>
-        </p:nvSpPr>
-        <p:spPr>
-          <a:xfrm>
-            <a:off x="1668271" y="3712949"/>
-            <a:ext cx="309700" cy="246221"/>
-          </a:xfrm>
-          <a:prstGeom prst="rect">
-            <a:avLst/>
-          </a:prstGeom>
-          <a:noFill/>
-        </p:spPr>
-        <p:txBody>
-          <a:bodyPr wrap="none" rtlCol="0">
-            <a:spAutoFit/>
-          </a:bodyPr>
-          <a:lstStyle/>
-          <a:p>
-            <a:r>
-              <a:rPr lang="nl-NL" sz="1000" dirty="0"/>
-              <a:t>ok</a:t>
-            </a:r>
-          </a:p>
-        </p:txBody>
-      </p:sp>
-      <p:sp>
-        <p:nvSpPr>
-          <p:cNvPr id="106" name="Tekstvak 105">
-            <a:extLst>
-              <a:ext uri="{FF2B5EF4-FFF2-40B4-BE49-F238E27FC236}">
-                <a16:creationId xmlns:a16="http://schemas.microsoft.com/office/drawing/2014/main" id="{C836D44D-79F1-4AA9-A760-51016684B13F}"/>
-              </a:ext>
-            </a:extLst>
-          </p:cNvPr>
-          <p:cNvSpPr txBox="1"/>
-          <p:nvPr/>
-        </p:nvSpPr>
-        <p:spPr>
-          <a:xfrm>
-            <a:off x="4439088" y="3735834"/>
-            <a:ext cx="574196" cy="246221"/>
-          </a:xfrm>
-          <a:prstGeom prst="rect">
-            <a:avLst/>
-          </a:prstGeom>
-          <a:noFill/>
-        </p:spPr>
-        <p:txBody>
-          <a:bodyPr wrap="none" rtlCol="0">
-            <a:spAutoFit/>
-          </a:bodyPr>
-          <a:lstStyle/>
-          <a:p>
-            <a:r>
-              <a:rPr lang="nl-NL" sz="1000" dirty="0"/>
-              <a:t>ok / </a:t>
-            </a:r>
-            <a:r>
-              <a:rPr lang="nl-NL" sz="1000" dirty="0" err="1"/>
-              <a:t>fail</a:t>
-            </a:r>
-            <a:endParaRPr lang="nl-NL" sz="1000" dirty="0"/>
-          </a:p>
-        </p:txBody>
-      </p:sp>
-      <p:cxnSp>
-        <p:nvCxnSpPr>
-          <p:cNvPr id="109" name="Rechte verbindingslijn met pijl 108">
-            <a:extLst>
-              <a:ext uri="{FF2B5EF4-FFF2-40B4-BE49-F238E27FC236}">
-                <a16:creationId xmlns:a16="http://schemas.microsoft.com/office/drawing/2014/main" id="{10191D43-5EBA-4AE7-BF83-1AD6ED52CEEA}"/>
-              </a:ext>
-            </a:extLst>
-          </p:cNvPr>
-          <p:cNvCxnSpPr>
-            <a:cxnSpLocks/>
-            <a:stCxn id="107" idx="5"/>
-          </p:cNvCxnSpPr>
-          <p:nvPr/>
-        </p:nvCxnSpPr>
-        <p:spPr>
-          <a:xfrm flipH="1">
-            <a:off x="6843232" y="1692343"/>
-            <a:ext cx="93930" cy="37054"/>
-          </a:xfrm>
-          <a:prstGeom prst="straightConnector1">
-            <a:avLst/>
-          </a:prstGeom>
-          <a:ln>
             <a:tailEnd type="triangle"/>
           </a:ln>
         </p:spPr>
@@ -5589,28 +6075,33 @@
       </p:cxnSp>
       <p:cxnSp>
         <p:nvCxnSpPr>
-          <p:cNvPr id="125" name="Rechte verbindingslijn met pijl 124">
-            <a:extLst>
-              <a:ext uri="{FF2B5EF4-FFF2-40B4-BE49-F238E27FC236}">
-                <a16:creationId xmlns:a16="http://schemas.microsoft.com/office/drawing/2014/main" id="{2146862A-B6CE-4F62-A659-3BCD75727DFE}"/>
+          <p:cNvPr id="176" name="Rechte verbindingslijn met pijl 83">
+            <a:extLst>
+              <a:ext uri="{FF2B5EF4-FFF2-40B4-BE49-F238E27FC236}">
+                <a16:creationId xmlns:a16="http://schemas.microsoft.com/office/drawing/2014/main" id="{3A9EA6A0-1656-417C-91FE-5AEB2CEDA05C}"/>
               </a:ext>
             </a:extLst>
           </p:cNvPr>
           <p:cNvCxnSpPr>
             <a:cxnSpLocks/>
-            <a:stCxn id="124" idx="5"/>
+            <a:stCxn id="95" idx="2"/>
+            <a:endCxn id="8" idx="0"/>
           </p:cNvCxnSpPr>
           <p:nvPr/>
         </p:nvCxnSpPr>
         <p:spPr>
-          <a:xfrm flipH="1">
-            <a:off x="2113025" y="1655289"/>
-            <a:ext cx="93930" cy="37054"/>
-          </a:xfrm>
-          <a:prstGeom prst="straightConnector1">
-            <a:avLst/>
-          </a:prstGeom>
-          <a:ln>
+          <a:xfrm rot="5400000" flipH="1" flipV="1">
+            <a:off x="-58949" y="2213390"/>
+            <a:ext cx="6105200" cy="2626229"/>
+          </a:xfrm>
+          <a:prstGeom prst="bentConnector5">
+            <a:avLst>
+              <a:gd name="adj1" fmla="val -3744"/>
+              <a:gd name="adj2" fmla="val 73574"/>
+              <a:gd name="adj3" fmla="val 103744"/>
+            </a:avLst>
+          </a:prstGeom>
+          <a:ln w="12700">
             <a:tailEnd type="triangle"/>
           </a:ln>
         </p:spPr>
@@ -5629,12 +6120,141 @@
           </a:fontRef>
         </p:style>
       </p:cxnSp>
-      <p:sp>
-        <p:nvSpPr>
-          <p:cNvPr id="126" name="Tekstvak 125">
-            <a:extLst>
-              <a:ext uri="{FF2B5EF4-FFF2-40B4-BE49-F238E27FC236}">
-                <a16:creationId xmlns:a16="http://schemas.microsoft.com/office/drawing/2014/main" id="{2AC8DB1E-1308-4AAD-BAC7-98829295230F}"/>
+      <p:grpSp>
+        <p:nvGrpSpPr>
+          <p:cNvPr id="179" name="Groep 178">
+            <a:extLst>
+              <a:ext uri="{FF2B5EF4-FFF2-40B4-BE49-F238E27FC236}">
+                <a16:creationId xmlns:a16="http://schemas.microsoft.com/office/drawing/2014/main" id="{1C10147C-AF01-4802-9D82-8AEEA504C5E4}"/>
+              </a:ext>
+            </a:extLst>
+          </p:cNvPr>
+          <p:cNvGrpSpPr/>
+          <p:nvPr/>
+        </p:nvGrpSpPr>
+        <p:grpSpPr>
+          <a:xfrm>
+            <a:off x="3763829" y="3789164"/>
+            <a:ext cx="1140056" cy="505843"/>
+            <a:chOff x="1117503" y="4824894"/>
+            <a:chExt cx="1140056" cy="505843"/>
+          </a:xfrm>
+        </p:grpSpPr>
+        <p:sp>
+          <p:nvSpPr>
+            <p:cNvPr id="180" name="Stroomdiagram: Beslissing 179">
+              <a:extLst>
+                <a:ext uri="{FF2B5EF4-FFF2-40B4-BE49-F238E27FC236}">
+                  <a16:creationId xmlns:a16="http://schemas.microsoft.com/office/drawing/2014/main" id="{804F4F29-9998-4997-8830-9C1D8F1BE668}"/>
+                </a:ext>
+              </a:extLst>
+            </p:cNvPr>
+            <p:cNvSpPr/>
+            <p:nvPr/>
+          </p:nvSpPr>
+          <p:spPr>
+            <a:xfrm>
+              <a:off x="1235389" y="4824894"/>
+              <a:ext cx="865762" cy="505843"/>
+            </a:xfrm>
+            <a:prstGeom prst="flowChartDecision">
+              <a:avLst/>
+            </a:prstGeom>
+          </p:spPr>
+          <p:style>
+            <a:lnRef idx="2">
+              <a:schemeClr val="dk1"/>
+            </a:lnRef>
+            <a:fillRef idx="1">
+              <a:schemeClr val="lt1"/>
+            </a:fillRef>
+            <a:effectRef idx="0">
+              <a:schemeClr val="dk1"/>
+            </a:effectRef>
+            <a:fontRef idx="minor">
+              <a:schemeClr val="dk1"/>
+            </a:fontRef>
+          </p:style>
+          <p:txBody>
+            <a:bodyPr lIns="0" rIns="0" rtlCol="0" anchor="ctr"/>
+            <a:lstStyle/>
+            <a:p>
+              <a:pPr algn="ctr"/>
+              <a:endParaRPr lang="nl-NL" sz="1000" dirty="0"/>
+            </a:p>
+          </p:txBody>
+        </p:sp>
+        <p:sp>
+          <p:nvSpPr>
+            <p:cNvPr id="181" name="Tekstvak 180">
+              <a:extLst>
+                <a:ext uri="{FF2B5EF4-FFF2-40B4-BE49-F238E27FC236}">
+                  <a16:creationId xmlns:a16="http://schemas.microsoft.com/office/drawing/2014/main" id="{08EEE97C-6DBA-4074-A9A0-418057FA9A6A}"/>
+                </a:ext>
+              </a:extLst>
+            </p:cNvPr>
+            <p:cNvSpPr txBox="1"/>
+            <p:nvPr/>
+          </p:nvSpPr>
+          <p:spPr>
+            <a:xfrm>
+              <a:off x="1117503" y="4885152"/>
+              <a:ext cx="1140056" cy="400110"/>
+            </a:xfrm>
+            <a:prstGeom prst="rect">
+              <a:avLst/>
+            </a:prstGeom>
+            <a:solidFill>
+              <a:schemeClr val="bg1">
+                <a:alpha val="67000"/>
+              </a:schemeClr>
+            </a:solidFill>
+          </p:spPr>
+          <p:txBody>
+            <a:bodyPr wrap="none" rtlCol="0">
+              <a:spAutoFit/>
+            </a:bodyPr>
+            <a:lstStyle/>
+            <a:p>
+              <a:pPr algn="ctr"/>
+              <a:r>
+                <a:rPr lang="nl-NL" sz="1000" dirty="0" err="1"/>
+                <a:t>Registration</a:t>
+              </a:r>
+              <a:r>
+                <a:rPr lang="nl-NL" sz="1000" dirty="0"/>
+                <a:t> </a:t>
+              </a:r>
+              <a:r>
+                <a:rPr lang="nl-NL" sz="1000" dirty="0" err="1"/>
+                <a:t>result</a:t>
+              </a:r>
+              <a:endParaRPr lang="nl-NL" sz="1000" dirty="0"/>
+            </a:p>
+            <a:p>
+              <a:pPr algn="ctr"/>
+              <a:r>
+                <a:rPr lang="nl-NL" sz="1000" dirty="0"/>
+                <a:t>has </a:t>
+              </a:r>
+              <a:r>
+                <a:rPr lang="nl-NL" sz="1000" dirty="0" err="1"/>
+                <a:t>identifier</a:t>
+              </a:r>
+              <a:r>
+                <a:rPr lang="nl-NL" sz="1000" dirty="0"/>
+                <a:t>?</a:t>
+              </a:r>
+            </a:p>
+          </p:txBody>
+        </p:sp>
+      </p:grpSp>
+      <p:sp>
+        <p:nvSpPr>
+          <p:cNvPr id="182" name="Tekstvak 181">
+            <a:extLst>
+              <a:ext uri="{FF2B5EF4-FFF2-40B4-BE49-F238E27FC236}">
+                <a16:creationId xmlns:a16="http://schemas.microsoft.com/office/drawing/2014/main" id="{893C3FEB-07B7-494E-B76E-192F23C65B6C}"/>
               </a:ext>
             </a:extLst>
           </p:cNvPr>
@@ -5643,492 +6263,12 @@
         </p:nvSpPr>
         <p:spPr>
           <a:xfrm>
-            <a:off x="6919285" y="1338138"/>
-            <a:ext cx="853119" cy="246221"/>
+            <a:off x="3885106" y="4544265"/>
+            <a:ext cx="865763" cy="505842"/>
           </a:xfrm>
           <a:prstGeom prst="rect">
             <a:avLst/>
           </a:prstGeom>
-          <a:noFill/>
-        </p:spPr>
-        <p:txBody>
-          <a:bodyPr wrap="none" rtlCol="0">
-            <a:spAutoFit/>
-          </a:bodyPr>
-          <a:lstStyle/>
-          <a:p>
-            <a:r>
-              <a:rPr lang="nl-NL" sz="1000" dirty="0" err="1"/>
-              <a:t>retry</a:t>
-            </a:r>
-            <a:r>
-              <a:rPr lang="nl-NL" sz="1000" dirty="0"/>
-              <a:t> </a:t>
-            </a:r>
-            <a:r>
-              <a:rPr lang="nl-NL" sz="1000" dirty="0" err="1"/>
-              <a:t>if</a:t>
-            </a:r>
-            <a:r>
-              <a:rPr lang="nl-NL" sz="1000" dirty="0"/>
-              <a:t> </a:t>
-            </a:r>
-            <a:r>
-              <a:rPr lang="nl-NL" sz="1000" dirty="0" err="1"/>
-              <a:t>failed</a:t>
-            </a:r>
-            <a:endParaRPr lang="nl-NL" sz="1000" dirty="0"/>
-          </a:p>
-        </p:txBody>
-      </p:sp>
-      <p:sp>
-        <p:nvSpPr>
-          <p:cNvPr id="127" name="Tekstvak 126">
-            <a:extLst>
-              <a:ext uri="{FF2B5EF4-FFF2-40B4-BE49-F238E27FC236}">
-                <a16:creationId xmlns:a16="http://schemas.microsoft.com/office/drawing/2014/main" id="{61BD5CF2-3808-41E5-B0B7-1DB866708179}"/>
-              </a:ext>
-            </a:extLst>
-          </p:cNvPr>
-          <p:cNvSpPr txBox="1"/>
-          <p:nvPr/>
-        </p:nvSpPr>
-        <p:spPr>
-          <a:xfrm>
-            <a:off x="2150434" y="1257382"/>
-            <a:ext cx="1045479" cy="246221"/>
-          </a:xfrm>
-          <a:prstGeom prst="rect">
-            <a:avLst/>
-          </a:prstGeom>
-          <a:noFill/>
-        </p:spPr>
-        <p:txBody>
-          <a:bodyPr wrap="none" rtlCol="0">
-            <a:spAutoFit/>
-          </a:bodyPr>
-          <a:lstStyle/>
-          <a:p>
-            <a:r>
-              <a:rPr lang="nl-NL" sz="1000" dirty="0" err="1"/>
-              <a:t>fill</a:t>
-            </a:r>
-            <a:r>
-              <a:rPr lang="nl-NL" sz="1000" dirty="0"/>
-              <a:t> in more steps</a:t>
-            </a:r>
-          </a:p>
-        </p:txBody>
-      </p:sp>
-      <p:cxnSp>
-        <p:nvCxnSpPr>
-          <p:cNvPr id="129" name="Verbindingslijn: gebogen 128">
-            <a:extLst>
-              <a:ext uri="{FF2B5EF4-FFF2-40B4-BE49-F238E27FC236}">
-                <a16:creationId xmlns:a16="http://schemas.microsoft.com/office/drawing/2014/main" id="{AE34C6D4-524F-422E-A0D8-B4A3D681DB77}"/>
-              </a:ext>
-            </a:extLst>
-          </p:cNvPr>
-          <p:cNvCxnSpPr>
-            <a:cxnSpLocks/>
-            <a:stCxn id="66" idx="2"/>
-            <a:endCxn id="64" idx="1"/>
-          </p:cNvCxnSpPr>
-          <p:nvPr/>
-        </p:nvCxnSpPr>
-        <p:spPr>
-          <a:xfrm rot="5400000" flipH="1">
-            <a:off x="7648782" y="1756401"/>
-            <a:ext cx="1844506" cy="432882"/>
-          </a:xfrm>
-          <a:prstGeom prst="bentConnector4">
-            <a:avLst>
-              <a:gd name="adj1" fmla="val -12394"/>
-              <a:gd name="adj2" fmla="val 152809"/>
-            </a:avLst>
-          </a:prstGeom>
-          <a:ln w="12700">
-            <a:tailEnd type="triangle"/>
-          </a:ln>
-        </p:spPr>
-        <p:style>
-          <a:lnRef idx="1">
-            <a:schemeClr val="accent1"/>
-          </a:lnRef>
-          <a:fillRef idx="0">
-            <a:schemeClr val="accent1"/>
-          </a:fillRef>
-          <a:effectRef idx="0">
-            <a:schemeClr val="accent1"/>
-          </a:effectRef>
-          <a:fontRef idx="minor">
-            <a:schemeClr val="tx1"/>
-          </a:fontRef>
-        </p:style>
-      </p:cxnSp>
-      <p:sp>
-        <p:nvSpPr>
-          <p:cNvPr id="136" name="Tekstvak 135">
-            <a:extLst>
-              <a:ext uri="{FF2B5EF4-FFF2-40B4-BE49-F238E27FC236}">
-                <a16:creationId xmlns:a16="http://schemas.microsoft.com/office/drawing/2014/main" id="{3D451471-5F71-4536-8A60-F6282C13B589}"/>
-              </a:ext>
-            </a:extLst>
-          </p:cNvPr>
-          <p:cNvSpPr txBox="1"/>
-          <p:nvPr/>
-        </p:nvSpPr>
-        <p:spPr>
-          <a:xfrm>
-            <a:off x="8130426" y="3173776"/>
-            <a:ext cx="1089932" cy="707886"/>
-          </a:xfrm>
-          <a:prstGeom prst="rect">
-            <a:avLst/>
-          </a:prstGeom>
-          <a:noFill/>
-        </p:spPr>
-        <p:txBody>
-          <a:bodyPr wrap="square" rtlCol="0">
-            <a:spAutoFit/>
-          </a:bodyPr>
-          <a:lstStyle/>
-          <a:p>
-            <a:r>
-              <a:rPr lang="nl-NL" sz="1000" dirty="0" err="1"/>
-              <a:t>if</a:t>
-            </a:r>
-            <a:r>
-              <a:rPr lang="nl-NL" sz="1000" dirty="0"/>
-              <a:t> </a:t>
-            </a:r>
-            <a:r>
-              <a:rPr lang="nl-NL" sz="1000" dirty="0" err="1"/>
-              <a:t>payment</a:t>
-            </a:r>
-            <a:r>
-              <a:rPr lang="nl-NL" sz="1000" dirty="0"/>
-              <a:t> was </a:t>
-            </a:r>
-            <a:r>
-              <a:rPr lang="nl-NL" sz="1000" dirty="0" err="1"/>
-              <a:t>not</a:t>
-            </a:r>
-            <a:r>
-              <a:rPr lang="nl-NL" sz="1000" dirty="0"/>
-              <a:t> </a:t>
-            </a:r>
-            <a:r>
-              <a:rPr lang="nl-NL" sz="1000" dirty="0" err="1"/>
-              <a:t>confirmed</a:t>
-            </a:r>
-            <a:r>
-              <a:rPr lang="nl-NL" sz="1000" dirty="0"/>
-              <a:t>, </a:t>
-            </a:r>
-            <a:r>
-              <a:rPr lang="nl-NL" sz="1000" dirty="0" err="1"/>
-              <a:t>add</a:t>
-            </a:r>
-            <a:r>
-              <a:rPr lang="nl-NL" sz="1000" dirty="0"/>
-              <a:t> link </a:t>
-            </a:r>
-            <a:r>
-              <a:rPr lang="nl-NL" sz="1000" dirty="0" err="1"/>
-              <a:t>to</a:t>
-            </a:r>
-            <a:r>
-              <a:rPr lang="nl-NL" sz="1000" dirty="0"/>
-              <a:t> start </a:t>
-            </a:r>
-            <a:r>
-              <a:rPr lang="nl-NL" sz="1000" dirty="0" err="1"/>
-              <a:t>payment</a:t>
-            </a:r>
-            <a:endParaRPr lang="nl-NL" sz="1000" dirty="0"/>
-          </a:p>
-        </p:txBody>
-      </p:sp>
-      <p:sp>
-        <p:nvSpPr>
-          <p:cNvPr id="138" name="Tekstvak 137">
-            <a:extLst>
-              <a:ext uri="{FF2B5EF4-FFF2-40B4-BE49-F238E27FC236}">
-                <a16:creationId xmlns:a16="http://schemas.microsoft.com/office/drawing/2014/main" id="{5B39BE8C-53F4-4754-A5E8-2F21F51F5ED1}"/>
-              </a:ext>
-            </a:extLst>
-          </p:cNvPr>
-          <p:cNvSpPr txBox="1"/>
-          <p:nvPr/>
-        </p:nvSpPr>
-        <p:spPr>
-          <a:xfrm>
-            <a:off x="2593986" y="4494170"/>
-            <a:ext cx="309700" cy="246221"/>
-          </a:xfrm>
-          <a:prstGeom prst="rect">
-            <a:avLst/>
-          </a:prstGeom>
-          <a:noFill/>
-        </p:spPr>
-        <p:txBody>
-          <a:bodyPr wrap="none" rtlCol="0">
-            <a:spAutoFit/>
-          </a:bodyPr>
-          <a:lstStyle/>
-          <a:p>
-            <a:r>
-              <a:rPr lang="nl-NL" sz="1000" dirty="0"/>
-              <a:t>ok</a:t>
-            </a:r>
-          </a:p>
-        </p:txBody>
-      </p:sp>
-      <p:sp>
-        <p:nvSpPr>
-          <p:cNvPr id="139" name="Tekstvak 138">
-            <a:extLst>
-              <a:ext uri="{FF2B5EF4-FFF2-40B4-BE49-F238E27FC236}">
-                <a16:creationId xmlns:a16="http://schemas.microsoft.com/office/drawing/2014/main" id="{8FAE129C-A76A-4F0B-8FA9-B9C99F454C2D}"/>
-              </a:ext>
-            </a:extLst>
-          </p:cNvPr>
-          <p:cNvSpPr txBox="1"/>
-          <p:nvPr/>
-        </p:nvSpPr>
-        <p:spPr>
-          <a:xfrm>
-            <a:off x="6041645" y="4494170"/>
-            <a:ext cx="309700" cy="246221"/>
-          </a:xfrm>
-          <a:prstGeom prst="rect">
-            <a:avLst/>
-          </a:prstGeom>
-          <a:noFill/>
-        </p:spPr>
-        <p:txBody>
-          <a:bodyPr wrap="none" rtlCol="0">
-            <a:spAutoFit/>
-          </a:bodyPr>
-          <a:lstStyle/>
-          <a:p>
-            <a:r>
-              <a:rPr lang="nl-NL" sz="1000" dirty="0"/>
-              <a:t>ok</a:t>
-            </a:r>
-          </a:p>
-        </p:txBody>
-      </p:sp>
-      <p:sp>
-        <p:nvSpPr>
-          <p:cNvPr id="140" name="Tekstvak 139">
-            <a:extLst>
-              <a:ext uri="{FF2B5EF4-FFF2-40B4-BE49-F238E27FC236}">
-                <a16:creationId xmlns:a16="http://schemas.microsoft.com/office/drawing/2014/main" id="{AA8A4448-EEED-4294-BF02-CEB7BBC0293B}"/>
-              </a:ext>
-            </a:extLst>
-          </p:cNvPr>
-          <p:cNvSpPr txBox="1"/>
-          <p:nvPr/>
-        </p:nvSpPr>
-        <p:spPr>
-          <a:xfrm>
-            <a:off x="4455638" y="2921641"/>
-            <a:ext cx="309700" cy="246221"/>
-          </a:xfrm>
-          <a:prstGeom prst="rect">
-            <a:avLst/>
-          </a:prstGeom>
-          <a:noFill/>
-        </p:spPr>
-        <p:txBody>
-          <a:bodyPr wrap="none" rtlCol="0">
-            <a:spAutoFit/>
-          </a:bodyPr>
-          <a:lstStyle/>
-          <a:p>
-            <a:r>
-              <a:rPr lang="nl-NL" sz="1000" dirty="0"/>
-              <a:t>ok</a:t>
-            </a:r>
-          </a:p>
-        </p:txBody>
-      </p:sp>
-      <p:sp>
-        <p:nvSpPr>
-          <p:cNvPr id="141" name="Tekstvak 140">
-            <a:extLst>
-              <a:ext uri="{FF2B5EF4-FFF2-40B4-BE49-F238E27FC236}">
-                <a16:creationId xmlns:a16="http://schemas.microsoft.com/office/drawing/2014/main" id="{EBC8CC6F-59BB-4DB8-8571-6C2EBCBE7C8D}"/>
-              </a:ext>
-            </a:extLst>
-          </p:cNvPr>
-          <p:cNvSpPr txBox="1"/>
-          <p:nvPr/>
-        </p:nvSpPr>
-        <p:spPr>
-          <a:xfrm>
-            <a:off x="8801103" y="1326310"/>
-            <a:ext cx="309700" cy="246221"/>
-          </a:xfrm>
-          <a:prstGeom prst="rect">
-            <a:avLst/>
-          </a:prstGeom>
-          <a:noFill/>
-        </p:spPr>
-        <p:txBody>
-          <a:bodyPr wrap="none" rtlCol="0">
-            <a:spAutoFit/>
-          </a:bodyPr>
-          <a:lstStyle/>
-          <a:p>
-            <a:r>
-              <a:rPr lang="nl-NL" sz="1000" dirty="0"/>
-              <a:t>ok</a:t>
-            </a:r>
-          </a:p>
-        </p:txBody>
-      </p:sp>
-      <p:sp>
-        <p:nvSpPr>
-          <p:cNvPr id="142" name="Tekstvak 141">
-            <a:extLst>
-              <a:ext uri="{FF2B5EF4-FFF2-40B4-BE49-F238E27FC236}">
-                <a16:creationId xmlns:a16="http://schemas.microsoft.com/office/drawing/2014/main" id="{84D60F84-D700-4C15-9E88-E0148D8B0AA3}"/>
-              </a:ext>
-            </a:extLst>
-          </p:cNvPr>
-          <p:cNvSpPr txBox="1"/>
-          <p:nvPr/>
-        </p:nvSpPr>
-        <p:spPr>
-          <a:xfrm>
-            <a:off x="8784511" y="2123977"/>
-            <a:ext cx="1348446" cy="246221"/>
-          </a:xfrm>
-          <a:prstGeom prst="rect">
-            <a:avLst/>
-          </a:prstGeom>
-          <a:noFill/>
-        </p:spPr>
-        <p:txBody>
-          <a:bodyPr wrap="none" rtlCol="0">
-            <a:spAutoFit/>
-          </a:bodyPr>
-          <a:lstStyle/>
-          <a:p>
-            <a:r>
-              <a:rPr lang="nl-NL" sz="1000" dirty="0"/>
-              <a:t>ok / </a:t>
-            </a:r>
-            <a:r>
-              <a:rPr lang="nl-NL" sz="1000" dirty="0" err="1"/>
-              <a:t>timeout</a:t>
-            </a:r>
-            <a:r>
-              <a:rPr lang="nl-NL" sz="1000" dirty="0"/>
-              <a:t> (15 min.)</a:t>
-            </a:r>
-          </a:p>
-        </p:txBody>
-      </p:sp>
-      <p:sp>
-        <p:nvSpPr>
-          <p:cNvPr id="143" name="Tekstvak 142">
-            <a:extLst>
-              <a:ext uri="{FF2B5EF4-FFF2-40B4-BE49-F238E27FC236}">
-                <a16:creationId xmlns:a16="http://schemas.microsoft.com/office/drawing/2014/main" id="{E1C58F34-1495-4146-BDC8-43FEE09FBAC2}"/>
-              </a:ext>
-            </a:extLst>
-          </p:cNvPr>
-          <p:cNvSpPr txBox="1"/>
-          <p:nvPr/>
-        </p:nvSpPr>
-        <p:spPr>
-          <a:xfrm>
-            <a:off x="9237166" y="1597284"/>
-            <a:ext cx="1089932" cy="246221"/>
-          </a:xfrm>
-          <a:prstGeom prst="rect">
-            <a:avLst/>
-          </a:prstGeom>
-          <a:noFill/>
-        </p:spPr>
-        <p:txBody>
-          <a:bodyPr wrap="square" rtlCol="0">
-            <a:spAutoFit/>
-          </a:bodyPr>
-          <a:lstStyle/>
-          <a:p>
-            <a:r>
-              <a:rPr lang="nl-NL" sz="1000" dirty="0"/>
-              <a:t>ok</a:t>
-            </a:r>
-          </a:p>
-        </p:txBody>
-      </p:sp>
-      <p:sp>
-        <p:nvSpPr>
-          <p:cNvPr id="152" name="Tekstvak 151">
-            <a:extLst>
-              <a:ext uri="{FF2B5EF4-FFF2-40B4-BE49-F238E27FC236}">
-                <a16:creationId xmlns:a16="http://schemas.microsoft.com/office/drawing/2014/main" id="{BAABA5B4-1764-4160-B91E-04309BFABD9B}"/>
-              </a:ext>
-            </a:extLst>
-          </p:cNvPr>
-          <p:cNvSpPr txBox="1"/>
-          <p:nvPr/>
-        </p:nvSpPr>
-        <p:spPr>
-          <a:xfrm>
-            <a:off x="6414209" y="2121330"/>
-            <a:ext cx="309700" cy="246221"/>
-          </a:xfrm>
-          <a:prstGeom prst="rect">
-            <a:avLst/>
-          </a:prstGeom>
-          <a:noFill/>
-        </p:spPr>
-        <p:txBody>
-          <a:bodyPr wrap="none" rtlCol="0">
-            <a:spAutoFit/>
-          </a:bodyPr>
-          <a:lstStyle/>
-          <a:p>
-            <a:r>
-              <a:rPr lang="nl-NL" sz="1000" dirty="0"/>
-              <a:t>ok</a:t>
-            </a:r>
-          </a:p>
-        </p:txBody>
-      </p:sp>
-      <p:sp>
-        <p:nvSpPr>
-          <p:cNvPr id="153" name="Tekstvak 152">
-            <a:extLst>
-              <a:ext uri="{FF2B5EF4-FFF2-40B4-BE49-F238E27FC236}">
-                <a16:creationId xmlns:a16="http://schemas.microsoft.com/office/drawing/2014/main" id="{CEE64464-A4C3-4B27-A492-782C1DBE97C7}"/>
-              </a:ext>
-            </a:extLst>
-          </p:cNvPr>
-          <p:cNvSpPr txBox="1"/>
-          <p:nvPr/>
-        </p:nvSpPr>
-        <p:spPr>
-          <a:xfrm>
-            <a:off x="5977466" y="2389253"/>
-            <a:ext cx="865764" cy="505842"/>
-          </a:xfrm>
-          <a:prstGeom prst="rect">
-            <a:avLst/>
-          </a:prstGeom>
-          <a:ln>
-            <a:solidFill>
-              <a:schemeClr val="tx1"/>
-            </a:solidFill>
-            <a:prstDash val="dash"/>
-          </a:ln>
         </p:spPr>
         <p:style>
           <a:lnRef idx="2">
@@ -6152,20 +6292,86 @@
           <a:p>
             <a:pPr algn="ctr"/>
             <a:r>
+              <a:rPr lang="nl-NL" sz="1000" dirty="0" err="1"/>
+              <a:t>Create</a:t>
+            </a:r>
+            <a:r>
               <a:rPr lang="nl-NL" sz="1000" dirty="0"/>
-              <a:t>Update </a:t>
+              <a:t> </a:t>
             </a:r>
             <a:r>
               <a:rPr lang="nl-NL" sz="1000" dirty="0" err="1"/>
-              <a:t>appointment</a:t>
+              <a:t>internal</a:t>
             </a:r>
             <a:r>
               <a:rPr lang="nl-NL" sz="1000" dirty="0"/>
-              <a:t> w/ </a:t>
+              <a:t> </a:t>
             </a:r>
             <a:r>
               <a:rPr lang="nl-NL" sz="1000" dirty="0" err="1"/>
-              <a:t>reference</a:t>
+              <a:t>identifier</a:t>
+            </a:r>
+            <a:endParaRPr lang="nl-NL" sz="1000" dirty="0"/>
+          </a:p>
+        </p:txBody>
+      </p:sp>
+      <p:sp>
+        <p:nvSpPr>
+          <p:cNvPr id="183" name="Tekstvak 182">
+            <a:extLst>
+              <a:ext uri="{FF2B5EF4-FFF2-40B4-BE49-F238E27FC236}">
+                <a16:creationId xmlns:a16="http://schemas.microsoft.com/office/drawing/2014/main" id="{C0EE7229-CA4D-44C3-B667-90749FF58886}"/>
+              </a:ext>
+            </a:extLst>
+          </p:cNvPr>
+          <p:cNvSpPr txBox="1"/>
+          <p:nvPr/>
+        </p:nvSpPr>
+        <p:spPr>
+          <a:xfrm>
+            <a:off x="3904156" y="5307058"/>
+            <a:ext cx="865763" cy="505842"/>
+          </a:xfrm>
+          <a:prstGeom prst="rect">
+            <a:avLst/>
+          </a:prstGeom>
+        </p:spPr>
+        <p:style>
+          <a:lnRef idx="2">
+            <a:schemeClr val="dk1"/>
+          </a:lnRef>
+          <a:fillRef idx="1">
+            <a:schemeClr val="lt1"/>
+          </a:fillRef>
+          <a:effectRef idx="0">
+            <a:schemeClr val="dk1"/>
+          </a:effectRef>
+          <a:fontRef idx="minor">
+            <a:schemeClr val="dk1"/>
+          </a:fontRef>
+        </p:style>
+        <p:txBody>
+          <a:bodyPr wrap="square" rtlCol="0" anchor="ctr" anchorCtr="0">
+            <a:noAutofit/>
+          </a:bodyPr>
+          <a:lstStyle/>
+          <a:p>
+            <a:pPr algn="ctr"/>
+            <a:r>
+              <a:rPr lang="nl-NL" sz="1000" dirty="0"/>
+              <a:t>Set </a:t>
+            </a:r>
+            <a:r>
+              <a:rPr lang="nl-NL" sz="1000" dirty="0" err="1"/>
+              <a:t>identifier</a:t>
+            </a:r>
+            <a:r>
+              <a:rPr lang="nl-NL" sz="1000" dirty="0"/>
+              <a:t> on </a:t>
+            </a:r>
+            <a:r>
+              <a:rPr lang="nl-NL" sz="1000" dirty="0" err="1"/>
+              <a:t>submission</a:t>
             </a:r>
             <a:endParaRPr lang="nl-NL" sz="1000" dirty="0"/>
           </a:p>
@@ -6173,24 +6379,23 @@
       </p:sp>
       <p:cxnSp>
         <p:nvCxnSpPr>
-          <p:cNvPr id="154" name="Rechte verbindingslijn met pijl 153">
-            <a:extLst>
-              <a:ext uri="{FF2B5EF4-FFF2-40B4-BE49-F238E27FC236}">
-                <a16:creationId xmlns:a16="http://schemas.microsoft.com/office/drawing/2014/main" id="{661A95E2-8ACF-4A66-9F33-46A5C0D4035A}"/>
+          <p:cNvPr id="184" name="Rechte verbindingslijn met pijl 183">
+            <a:extLst>
+              <a:ext uri="{FF2B5EF4-FFF2-40B4-BE49-F238E27FC236}">
+                <a16:creationId xmlns:a16="http://schemas.microsoft.com/office/drawing/2014/main" id="{D7DFE74F-D3D4-4D51-AAF1-403A57242273}"/>
               </a:ext>
             </a:extLst>
           </p:cNvPr>
           <p:cNvCxnSpPr>
             <a:cxnSpLocks/>
-            <a:stCxn id="86" idx="2"/>
-            <a:endCxn id="153" idx="0"/>
+            <a:endCxn id="183" idx="0"/>
           </p:cNvCxnSpPr>
           <p:nvPr/>
         </p:nvCxnSpPr>
         <p:spPr>
           <a:xfrm>
-            <a:off x="6410348" y="2101175"/>
-            <a:ext cx="0" cy="288078"/>
+            <a:off x="4333857" y="5049770"/>
+            <a:ext cx="3181" cy="257288"/>
           </a:xfrm>
           <a:prstGeom prst="straightConnector1">
             <a:avLst/>
@@ -6216,28 +6421,29 @@
       </p:cxnSp>
       <p:cxnSp>
         <p:nvCxnSpPr>
-          <p:cNvPr id="161" name="Rechte verbindingslijn met pijl 160">
-            <a:extLst>
-              <a:ext uri="{FF2B5EF4-FFF2-40B4-BE49-F238E27FC236}">
-                <a16:creationId xmlns:a16="http://schemas.microsoft.com/office/drawing/2014/main" id="{F30DEA33-82C9-464F-BFB7-A343BCE14F48}"/>
+          <p:cNvPr id="185" name="Rechte verbindingslijn met pijl 184">
+            <a:extLst>
+              <a:ext uri="{FF2B5EF4-FFF2-40B4-BE49-F238E27FC236}">
+                <a16:creationId xmlns:a16="http://schemas.microsoft.com/office/drawing/2014/main" id="{B33FFA11-1C63-4070-9530-F2ED23EF147C}"/>
               </a:ext>
             </a:extLst>
           </p:cNvPr>
           <p:cNvCxnSpPr>
             <a:cxnSpLocks/>
-            <a:stCxn id="160" idx="5"/>
+            <a:stCxn id="180" idx="2"/>
+            <a:endCxn id="182" idx="0"/>
           </p:cNvCxnSpPr>
           <p:nvPr/>
         </p:nvCxnSpPr>
         <p:spPr>
-          <a:xfrm flipH="1">
-            <a:off x="11185981" y="2483660"/>
-            <a:ext cx="93930" cy="37054"/>
+          <a:xfrm>
+            <a:off x="4314596" y="4295007"/>
+            <a:ext cx="3392" cy="249258"/>
           </a:xfrm>
           <a:prstGeom prst="straightConnector1">
             <a:avLst/>
           </a:prstGeom>
-          <a:ln>
+          <a:ln w="12700">
             <a:tailEnd type="triangle"/>
           </a:ln>
         </p:spPr>
@@ -6256,83 +6462,33 @@
           </a:fontRef>
         </p:style>
       </p:cxnSp>
-      <p:sp>
-        <p:nvSpPr>
-          <p:cNvPr id="162" name="Tekstvak 161">
-            <a:extLst>
-              <a:ext uri="{FF2B5EF4-FFF2-40B4-BE49-F238E27FC236}">
-                <a16:creationId xmlns:a16="http://schemas.microsoft.com/office/drawing/2014/main" id="{1F2C451F-E393-4BE4-A1BB-F6626C963BCC}"/>
-              </a:ext>
-            </a:extLst>
-          </p:cNvPr>
-          <p:cNvSpPr txBox="1"/>
-          <p:nvPr/>
-        </p:nvSpPr>
-        <p:spPr>
-          <a:xfrm>
-            <a:off x="11240803" y="2121330"/>
-            <a:ext cx="853119" cy="246221"/>
-          </a:xfrm>
-          <a:prstGeom prst="rect">
-            <a:avLst/>
-          </a:prstGeom>
-          <a:noFill/>
-        </p:spPr>
-        <p:txBody>
-          <a:bodyPr wrap="none" rtlCol="0">
-            <a:spAutoFit/>
-          </a:bodyPr>
-          <a:lstStyle/>
-          <a:p>
-            <a:r>
-              <a:rPr lang="nl-NL" sz="1000" dirty="0" err="1"/>
-              <a:t>retry</a:t>
-            </a:r>
-            <a:r>
-              <a:rPr lang="nl-NL" sz="1000" dirty="0"/>
-              <a:t> </a:t>
-            </a:r>
-            <a:r>
-              <a:rPr lang="nl-NL" sz="1000" dirty="0" err="1"/>
-              <a:t>if</a:t>
-            </a:r>
-            <a:r>
-              <a:rPr lang="nl-NL" sz="1000" dirty="0"/>
-              <a:t> </a:t>
-            </a:r>
-            <a:r>
-              <a:rPr lang="nl-NL" sz="1000" dirty="0" err="1"/>
-              <a:t>failed</a:t>
-            </a:r>
-            <a:endParaRPr lang="nl-NL" sz="1000" dirty="0"/>
-          </a:p>
-        </p:txBody>
-      </p:sp>
       <p:cxnSp>
         <p:nvCxnSpPr>
-          <p:cNvPr id="166" name="Rechte verbindingslijn met pijl 165">
-            <a:extLst>
-              <a:ext uri="{FF2B5EF4-FFF2-40B4-BE49-F238E27FC236}">
-                <a16:creationId xmlns:a16="http://schemas.microsoft.com/office/drawing/2014/main" id="{B7CF854E-6AF5-495A-949B-BBB459AA408E}"/>
+          <p:cNvPr id="186" name="Rechte verbindingslijn met pijl 97">
+            <a:extLst>
+              <a:ext uri="{FF2B5EF4-FFF2-40B4-BE49-F238E27FC236}">
+                <a16:creationId xmlns:a16="http://schemas.microsoft.com/office/drawing/2014/main" id="{06708CB1-69DC-4EBE-9D2C-5B22BD0391E7}"/>
               </a:ext>
             </a:extLst>
           </p:cNvPr>
           <p:cNvCxnSpPr>
             <a:cxnSpLocks/>
-            <a:stCxn id="165" idx="3"/>
-            <a:endCxn id="165" idx="2"/>
+            <a:endCxn id="183" idx="3"/>
           </p:cNvCxnSpPr>
           <p:nvPr/>
         </p:nvCxnSpPr>
         <p:spPr>
-          <a:xfrm flipH="1" flipV="1">
-            <a:off x="9108400" y="2890585"/>
-            <a:ext cx="36589" cy="89457"/>
-          </a:xfrm>
-          <a:prstGeom prst="straightConnector1">
-            <a:avLst/>
-          </a:prstGeom>
-          <a:ln>
+          <a:xfrm rot="16200000" flipH="1">
+            <a:off x="3985459" y="4775519"/>
+            <a:ext cx="1510502" cy="58417"/>
+          </a:xfrm>
+          <a:prstGeom prst="bentConnector4">
+            <a:avLst>
+              <a:gd name="adj1" fmla="val -1252"/>
+              <a:gd name="adj2" fmla="val 491324"/>
+            </a:avLst>
+          </a:prstGeom>
+          <a:ln w="12700">
             <a:tailEnd type="triangle"/>
           </a:ln>
         </p:spPr>
@@ -6353,10 +6509,10 @@
       </p:cxnSp>
       <p:sp>
         <p:nvSpPr>
-          <p:cNvPr id="167" name="Tekstvak 166">
-            <a:extLst>
-              <a:ext uri="{FF2B5EF4-FFF2-40B4-BE49-F238E27FC236}">
-                <a16:creationId xmlns:a16="http://schemas.microsoft.com/office/drawing/2014/main" id="{2A6E8FB2-6B9C-4E71-A0ED-7A0F58258654}"/>
+          <p:cNvPr id="187" name="Tekstvak 186">
+            <a:extLst>
+              <a:ext uri="{FF2B5EF4-FFF2-40B4-BE49-F238E27FC236}">
+                <a16:creationId xmlns:a16="http://schemas.microsoft.com/office/drawing/2014/main" id="{02040469-1F29-45FA-A533-B19029FCF86A}"/>
               </a:ext>
             </a:extLst>
           </p:cNvPr>
@@ -6365,8 +6521,8 @@
         </p:nvSpPr>
         <p:spPr>
           <a:xfrm>
-            <a:off x="9282545" y="2617712"/>
-            <a:ext cx="853119" cy="246221"/>
+            <a:off x="4980877" y="4054307"/>
+            <a:ext cx="356188" cy="246221"/>
           </a:xfrm>
           <a:prstGeom prst="rect">
             <a:avLst/>
@@ -6380,16 +6536,1116 @@
           <a:lstStyle/>
           <a:p>
             <a:r>
+              <a:rPr lang="nl-NL" sz="1000" dirty="0"/>
+              <a:t>yes</a:t>
+            </a:r>
+          </a:p>
+        </p:txBody>
+      </p:sp>
+      <p:sp>
+        <p:nvSpPr>
+          <p:cNvPr id="188" name="Tekstvak 187">
+            <a:extLst>
+              <a:ext uri="{FF2B5EF4-FFF2-40B4-BE49-F238E27FC236}">
+                <a16:creationId xmlns:a16="http://schemas.microsoft.com/office/drawing/2014/main" id="{BC11FB93-1B1C-4FA7-BEAA-23C9652C5EC1}"/>
+              </a:ext>
+            </a:extLst>
+          </p:cNvPr>
+          <p:cNvSpPr txBox="1"/>
+          <p:nvPr/>
+        </p:nvSpPr>
+        <p:spPr>
+          <a:xfrm>
+            <a:off x="4287096" y="4266625"/>
+            <a:ext cx="319318" cy="246221"/>
+          </a:xfrm>
+          <a:prstGeom prst="rect">
+            <a:avLst/>
+          </a:prstGeom>
+          <a:noFill/>
+        </p:spPr>
+        <p:txBody>
+          <a:bodyPr wrap="none" rtlCol="0">
+            <a:spAutoFit/>
+          </a:bodyPr>
+          <a:lstStyle/>
+          <a:p>
+            <a:r>
+              <a:rPr lang="nl-NL" sz="1000" dirty="0"/>
+              <a:t>no</a:t>
+            </a:r>
+          </a:p>
+        </p:txBody>
+      </p:sp>
+      <p:cxnSp>
+        <p:nvCxnSpPr>
+          <p:cNvPr id="189" name="Rechte verbindingslijn met pijl 188">
+            <a:extLst>
+              <a:ext uri="{FF2B5EF4-FFF2-40B4-BE49-F238E27FC236}">
+                <a16:creationId xmlns:a16="http://schemas.microsoft.com/office/drawing/2014/main" id="{561153BC-CFE2-4CAC-9D0F-1D0840530139}"/>
+              </a:ext>
+            </a:extLst>
+          </p:cNvPr>
+          <p:cNvCxnSpPr>
+            <a:cxnSpLocks/>
+            <a:stCxn id="159" idx="2"/>
+            <a:endCxn id="180" idx="0"/>
+          </p:cNvCxnSpPr>
+          <p:nvPr/>
+        </p:nvCxnSpPr>
+        <p:spPr>
+          <a:xfrm>
+            <a:off x="4304746" y="3431342"/>
+            <a:ext cx="9850" cy="357822"/>
+          </a:xfrm>
+          <a:prstGeom prst="straightConnector1">
+            <a:avLst/>
+          </a:prstGeom>
+          <a:ln w="12700">
+            <a:tailEnd type="triangle"/>
+          </a:ln>
+        </p:spPr>
+        <p:style>
+          <a:lnRef idx="1">
+            <a:schemeClr val="accent1"/>
+          </a:lnRef>
+          <a:fillRef idx="0">
+            <a:schemeClr val="accent1"/>
+          </a:fillRef>
+          <a:effectRef idx="0">
+            <a:schemeClr val="accent1"/>
+          </a:effectRef>
+          <a:fontRef idx="minor">
+            <a:schemeClr val="tx1"/>
+          </a:fontRef>
+        </p:style>
+      </p:cxnSp>
+      <p:sp>
+        <p:nvSpPr>
+          <p:cNvPr id="133" name="Tekstvak 132">
+            <a:extLst>
+              <a:ext uri="{FF2B5EF4-FFF2-40B4-BE49-F238E27FC236}">
+                <a16:creationId xmlns:a16="http://schemas.microsoft.com/office/drawing/2014/main" id="{C4AE5B01-D9DA-4E6C-A0A3-C7A9C5424449}"/>
+              </a:ext>
+            </a:extLst>
+          </p:cNvPr>
+          <p:cNvSpPr txBox="1"/>
+          <p:nvPr/>
+        </p:nvSpPr>
+        <p:spPr>
+          <a:xfrm>
+            <a:off x="3763829" y="1228526"/>
+            <a:ext cx="2331145" cy="2303013"/>
+          </a:xfrm>
+          <a:prstGeom prst="rect">
+            <a:avLst/>
+          </a:prstGeom>
+          <a:noFill/>
+          <a:ln>
+            <a:solidFill>
+              <a:schemeClr val="tx1"/>
+            </a:solidFill>
+            <a:prstDash val="dash"/>
+          </a:ln>
+        </p:spPr>
+        <p:style>
+          <a:lnRef idx="2">
+            <a:schemeClr val="dk1"/>
+          </a:lnRef>
+          <a:fillRef idx="1">
+            <a:schemeClr val="lt1"/>
+          </a:fillRef>
+          <a:effectRef idx="0">
+            <a:schemeClr val="dk1"/>
+          </a:effectRef>
+          <a:fontRef idx="minor">
+            <a:schemeClr val="dk1"/>
+          </a:fontRef>
+        </p:style>
+        <p:txBody>
+          <a:bodyPr wrap="square" rtlCol="0" anchor="t" anchorCtr="0">
+            <a:noAutofit/>
+          </a:bodyPr>
+          <a:lstStyle/>
+          <a:p>
+            <a:pPr algn="r"/>
+            <a:r>
+              <a:rPr lang="nl-NL" sz="1000" b="1" dirty="0" err="1"/>
+              <a:t>Registration</a:t>
+            </a:r>
+            <a:endParaRPr lang="nl-NL" sz="1000" b="1" dirty="0"/>
+          </a:p>
+        </p:txBody>
+      </p:sp>
+      <p:sp>
+        <p:nvSpPr>
+          <p:cNvPr id="213" name="Tekstvak 212">
+            <a:extLst>
+              <a:ext uri="{FF2B5EF4-FFF2-40B4-BE49-F238E27FC236}">
+                <a16:creationId xmlns:a16="http://schemas.microsoft.com/office/drawing/2014/main" id="{45911587-7682-49F0-8515-8E47158ED7A5}"/>
+              </a:ext>
+            </a:extLst>
+          </p:cNvPr>
+          <p:cNvSpPr txBox="1"/>
+          <p:nvPr/>
+        </p:nvSpPr>
+        <p:spPr>
+          <a:xfrm>
+            <a:off x="6756931" y="1220789"/>
+            <a:ext cx="865763" cy="505842"/>
+          </a:xfrm>
+          <a:prstGeom prst="rect">
+            <a:avLst/>
+          </a:prstGeom>
+        </p:spPr>
+        <p:style>
+          <a:lnRef idx="2">
+            <a:schemeClr val="dk1"/>
+          </a:lnRef>
+          <a:fillRef idx="1">
+            <a:schemeClr val="lt1"/>
+          </a:fillRef>
+          <a:effectRef idx="0">
+            <a:schemeClr val="dk1"/>
+          </a:effectRef>
+          <a:fontRef idx="minor">
+            <a:schemeClr val="dk1"/>
+          </a:fontRef>
+        </p:style>
+        <p:txBody>
+          <a:bodyPr wrap="square" rtlCol="0" anchor="ctr" anchorCtr="0">
+            <a:noAutofit/>
+          </a:bodyPr>
+          <a:lstStyle/>
+          <a:p>
+            <a:pPr algn="ctr"/>
+            <a:r>
+              <a:rPr lang="nl-NL" sz="1000" dirty="0"/>
+              <a:t>Update </a:t>
+            </a:r>
+            <a:r>
+              <a:rPr lang="nl-NL" sz="1000" dirty="0" err="1"/>
+              <a:t>appointment</a:t>
+            </a:r>
+            <a:r>
+              <a:rPr lang="nl-NL" sz="1000" dirty="0"/>
+              <a:t> w/ </a:t>
+            </a:r>
+            <a:r>
+              <a:rPr lang="nl-NL" sz="1000" dirty="0" err="1"/>
+              <a:t>identifier</a:t>
+            </a:r>
+            <a:endParaRPr lang="nl-NL" sz="1000" dirty="0"/>
+          </a:p>
+        </p:txBody>
+      </p:sp>
+      <p:grpSp>
+        <p:nvGrpSpPr>
+          <p:cNvPr id="217" name="Groep 216">
+            <a:extLst>
+              <a:ext uri="{FF2B5EF4-FFF2-40B4-BE49-F238E27FC236}">
+                <a16:creationId xmlns:a16="http://schemas.microsoft.com/office/drawing/2014/main" id="{9C1D2504-D11D-40A8-9E2A-713036CAE05F}"/>
+              </a:ext>
+            </a:extLst>
+          </p:cNvPr>
+          <p:cNvGrpSpPr/>
+          <p:nvPr/>
+        </p:nvGrpSpPr>
+        <p:grpSpPr>
+          <a:xfrm>
+            <a:off x="6756931" y="2038067"/>
+            <a:ext cx="865762" cy="505843"/>
+            <a:chOff x="1235389" y="4824894"/>
+            <a:chExt cx="865762" cy="505843"/>
+          </a:xfrm>
+        </p:grpSpPr>
+        <p:sp>
+          <p:nvSpPr>
+            <p:cNvPr id="218" name="Stroomdiagram: Beslissing 217">
+              <a:extLst>
+                <a:ext uri="{FF2B5EF4-FFF2-40B4-BE49-F238E27FC236}">
+                  <a16:creationId xmlns:a16="http://schemas.microsoft.com/office/drawing/2014/main" id="{115CE2B0-FE26-47ED-925B-2C29924BB38E}"/>
+                </a:ext>
+              </a:extLst>
+            </p:cNvPr>
+            <p:cNvSpPr/>
+            <p:nvPr/>
+          </p:nvSpPr>
+          <p:spPr>
+            <a:xfrm>
+              <a:off x="1235389" y="4824894"/>
+              <a:ext cx="865762" cy="505843"/>
+            </a:xfrm>
+            <a:prstGeom prst="flowChartDecision">
+              <a:avLst/>
+            </a:prstGeom>
+          </p:spPr>
+          <p:style>
+            <a:lnRef idx="2">
+              <a:schemeClr val="dk1"/>
+            </a:lnRef>
+            <a:fillRef idx="1">
+              <a:schemeClr val="lt1"/>
+            </a:fillRef>
+            <a:effectRef idx="0">
+              <a:schemeClr val="dk1"/>
+            </a:effectRef>
+            <a:fontRef idx="minor">
+              <a:schemeClr val="dk1"/>
+            </a:fontRef>
+          </p:style>
+          <p:txBody>
+            <a:bodyPr lIns="0" rIns="0" rtlCol="0" anchor="ctr"/>
+            <a:lstStyle/>
+            <a:p>
+              <a:pPr algn="ctr"/>
+              <a:endParaRPr lang="nl-NL" sz="1000" dirty="0"/>
+            </a:p>
+          </p:txBody>
+        </p:sp>
+        <p:sp>
+          <p:nvSpPr>
+            <p:cNvPr id="219" name="Tekstvak 218">
+              <a:extLst>
+                <a:ext uri="{FF2B5EF4-FFF2-40B4-BE49-F238E27FC236}">
+                  <a16:creationId xmlns:a16="http://schemas.microsoft.com/office/drawing/2014/main" id="{C3828A9D-9E1C-4414-9469-E9CC444265BF}"/>
+                </a:ext>
+              </a:extLst>
+            </p:cNvPr>
+            <p:cNvSpPr txBox="1"/>
+            <p:nvPr/>
+          </p:nvSpPr>
+          <p:spPr>
+            <a:xfrm>
+              <a:off x="1346708" y="4954705"/>
+              <a:ext cx="643125" cy="246221"/>
+            </a:xfrm>
+            <a:prstGeom prst="rect">
+              <a:avLst/>
+            </a:prstGeom>
+            <a:solidFill>
+              <a:schemeClr val="bg1">
+                <a:alpha val="67000"/>
+              </a:schemeClr>
+            </a:solidFill>
+          </p:spPr>
+          <p:txBody>
+            <a:bodyPr wrap="none" rtlCol="0">
+              <a:spAutoFit/>
+            </a:bodyPr>
+            <a:lstStyle/>
+            <a:p>
+              <a:pPr algn="ctr"/>
+              <a:r>
+                <a:rPr lang="nl-NL" sz="1000" dirty="0" err="1"/>
+                <a:t>Success</a:t>
+              </a:r>
+              <a:r>
+                <a:rPr lang="nl-NL" sz="1000" dirty="0"/>
+                <a:t>?</a:t>
+              </a:r>
+            </a:p>
+          </p:txBody>
+        </p:sp>
+      </p:grpSp>
+      <p:sp>
+        <p:nvSpPr>
+          <p:cNvPr id="220" name="Stroomdiagram: Verbindingslijn 219">
+            <a:extLst>
+              <a:ext uri="{FF2B5EF4-FFF2-40B4-BE49-F238E27FC236}">
+                <a16:creationId xmlns:a16="http://schemas.microsoft.com/office/drawing/2014/main" id="{0C9CE5A8-A7EF-47AA-ADEF-AAF4962DF79F}"/>
+              </a:ext>
+            </a:extLst>
+          </p:cNvPr>
+          <p:cNvSpPr/>
+          <p:nvPr/>
+        </p:nvSpPr>
+        <p:spPr>
+          <a:xfrm>
+            <a:off x="8004238" y="2049766"/>
+            <a:ext cx="865761" cy="500300"/>
+          </a:xfrm>
+          <a:prstGeom prst="flowChartConnector">
+            <a:avLst/>
+          </a:prstGeom>
+        </p:spPr>
+        <p:style>
+          <a:lnRef idx="2">
+            <a:schemeClr val="dk1"/>
+          </a:lnRef>
+          <a:fillRef idx="1">
+            <a:schemeClr val="lt1"/>
+          </a:fillRef>
+          <a:effectRef idx="0">
+            <a:schemeClr val="dk1"/>
+          </a:effectRef>
+          <a:fontRef idx="minor">
+            <a:schemeClr val="dk1"/>
+          </a:fontRef>
+        </p:style>
+        <p:txBody>
+          <a:bodyPr lIns="0" rIns="0" rtlCol="0" anchor="ctr"/>
+          <a:lstStyle/>
+          <a:p>
+            <a:pPr algn="ctr"/>
+            <a:r>
+              <a:rPr lang="nl-NL" sz="1000" dirty="0"/>
+              <a:t>Schedule </a:t>
+            </a:r>
+            <a:r>
+              <a:rPr lang="nl-NL" sz="1000" dirty="0" err="1"/>
+              <a:t>for</a:t>
+            </a:r>
+            <a:r>
+              <a:rPr lang="nl-NL" sz="1000" dirty="0"/>
+              <a:t> </a:t>
+            </a:r>
+            <a:r>
               <a:rPr lang="nl-NL" sz="1000" dirty="0" err="1"/>
               <a:t>retry</a:t>
             </a:r>
+            <a:endParaRPr lang="nl-NL" sz="1000" dirty="0"/>
+          </a:p>
+        </p:txBody>
+      </p:sp>
+      <p:cxnSp>
+        <p:nvCxnSpPr>
+          <p:cNvPr id="221" name="Rechte verbindingslijn met pijl 220">
+            <a:extLst>
+              <a:ext uri="{FF2B5EF4-FFF2-40B4-BE49-F238E27FC236}">
+                <a16:creationId xmlns:a16="http://schemas.microsoft.com/office/drawing/2014/main" id="{BF59AA77-783C-436B-9645-259923ED1D84}"/>
+              </a:ext>
+            </a:extLst>
+          </p:cNvPr>
+          <p:cNvCxnSpPr>
+            <a:cxnSpLocks/>
+            <a:stCxn id="218" idx="3"/>
+            <a:endCxn id="220" idx="2"/>
+          </p:cNvCxnSpPr>
+          <p:nvPr/>
+        </p:nvCxnSpPr>
+        <p:spPr>
+          <a:xfrm>
+            <a:off x="7622693" y="2290989"/>
+            <a:ext cx="381545" cy="8927"/>
+          </a:xfrm>
+          <a:prstGeom prst="straightConnector1">
+            <a:avLst/>
+          </a:prstGeom>
+          <a:ln w="12700">
+            <a:tailEnd type="triangle"/>
+          </a:ln>
+        </p:spPr>
+        <p:style>
+          <a:lnRef idx="1">
+            <a:schemeClr val="accent1"/>
+          </a:lnRef>
+          <a:fillRef idx="0">
+            <a:schemeClr val="accent1"/>
+          </a:fillRef>
+          <a:effectRef idx="0">
+            <a:schemeClr val="accent1"/>
+          </a:effectRef>
+          <a:fontRef idx="minor">
+            <a:schemeClr val="tx1"/>
+          </a:fontRef>
+        </p:style>
+      </p:cxnSp>
+      <p:cxnSp>
+        <p:nvCxnSpPr>
+          <p:cNvPr id="223" name="Rechte verbindingslijn met pijl 222">
+            <a:extLst>
+              <a:ext uri="{FF2B5EF4-FFF2-40B4-BE49-F238E27FC236}">
+                <a16:creationId xmlns:a16="http://schemas.microsoft.com/office/drawing/2014/main" id="{5F777D2E-963A-4D2F-851A-81973DC7096B}"/>
+              </a:ext>
+            </a:extLst>
+          </p:cNvPr>
+          <p:cNvCxnSpPr>
+            <a:cxnSpLocks/>
+            <a:stCxn id="213" idx="2"/>
+            <a:endCxn id="218" idx="0"/>
+          </p:cNvCxnSpPr>
+          <p:nvPr/>
+        </p:nvCxnSpPr>
+        <p:spPr>
+          <a:xfrm flipH="1">
+            <a:off x="7189812" y="1726631"/>
+            <a:ext cx="1" cy="311436"/>
+          </a:xfrm>
+          <a:prstGeom prst="straightConnector1">
+            <a:avLst/>
+          </a:prstGeom>
+          <a:ln w="12700">
+            <a:tailEnd type="triangle"/>
+          </a:ln>
+        </p:spPr>
+        <p:style>
+          <a:lnRef idx="1">
+            <a:schemeClr val="accent1"/>
+          </a:lnRef>
+          <a:fillRef idx="0">
+            <a:schemeClr val="accent1"/>
+          </a:fillRef>
+          <a:effectRef idx="0">
+            <a:schemeClr val="accent1"/>
+          </a:effectRef>
+          <a:fontRef idx="minor">
+            <a:schemeClr val="tx1"/>
+          </a:fontRef>
+        </p:style>
+      </p:cxnSp>
+      <p:sp>
+        <p:nvSpPr>
+          <p:cNvPr id="224" name="Tekstvak 223">
+            <a:extLst>
+              <a:ext uri="{FF2B5EF4-FFF2-40B4-BE49-F238E27FC236}">
+                <a16:creationId xmlns:a16="http://schemas.microsoft.com/office/drawing/2014/main" id="{A4EC4363-AA8C-4E57-98F9-D68E5E1C25F8}"/>
+              </a:ext>
+            </a:extLst>
+          </p:cNvPr>
+          <p:cNvSpPr txBox="1"/>
+          <p:nvPr/>
+        </p:nvSpPr>
+        <p:spPr>
+          <a:xfrm>
+            <a:off x="7185660" y="916363"/>
+            <a:ext cx="356188" cy="246221"/>
+          </a:xfrm>
+          <a:prstGeom prst="rect">
+            <a:avLst/>
+          </a:prstGeom>
+          <a:noFill/>
+        </p:spPr>
+        <p:txBody>
+          <a:bodyPr wrap="none" rtlCol="0">
+            <a:spAutoFit/>
+          </a:bodyPr>
+          <a:lstStyle/>
+          <a:p>
+            <a:r>
+              <a:rPr lang="nl-NL" sz="1000" dirty="0"/>
+              <a:t>yes</a:t>
+            </a:r>
+          </a:p>
+        </p:txBody>
+      </p:sp>
+      <p:sp>
+        <p:nvSpPr>
+          <p:cNvPr id="225" name="Tekstvak 224">
+            <a:extLst>
+              <a:ext uri="{FF2B5EF4-FFF2-40B4-BE49-F238E27FC236}">
+                <a16:creationId xmlns:a16="http://schemas.microsoft.com/office/drawing/2014/main" id="{0DECB362-E6CC-4B55-8506-CDE41541FA05}"/>
+              </a:ext>
+            </a:extLst>
+          </p:cNvPr>
+          <p:cNvSpPr txBox="1"/>
+          <p:nvPr/>
+        </p:nvSpPr>
+        <p:spPr>
+          <a:xfrm>
+            <a:off x="7565020" y="2056783"/>
+            <a:ext cx="319318" cy="246221"/>
+          </a:xfrm>
+          <a:prstGeom prst="rect">
+            <a:avLst/>
+          </a:prstGeom>
+          <a:noFill/>
+        </p:spPr>
+        <p:txBody>
+          <a:bodyPr wrap="none" rtlCol="0">
+            <a:spAutoFit/>
+          </a:bodyPr>
+          <a:lstStyle/>
+          <a:p>
+            <a:r>
+              <a:rPr lang="nl-NL" sz="1000" dirty="0"/>
+              <a:t>no</a:t>
+            </a:r>
+          </a:p>
+        </p:txBody>
+      </p:sp>
+      <p:sp>
+        <p:nvSpPr>
+          <p:cNvPr id="226" name="Tekstvak 225">
+            <a:extLst>
+              <a:ext uri="{FF2B5EF4-FFF2-40B4-BE49-F238E27FC236}">
+                <a16:creationId xmlns:a16="http://schemas.microsoft.com/office/drawing/2014/main" id="{6E7E1512-157E-4D96-B6AF-CFD67FA1EACE}"/>
+              </a:ext>
+            </a:extLst>
+          </p:cNvPr>
+          <p:cNvSpPr txBox="1"/>
+          <p:nvPr/>
+        </p:nvSpPr>
+        <p:spPr>
+          <a:xfrm>
+            <a:off x="7206362" y="2547096"/>
+            <a:ext cx="356188" cy="246221"/>
+          </a:xfrm>
+          <a:prstGeom prst="rect">
+            <a:avLst/>
+          </a:prstGeom>
+          <a:noFill/>
+        </p:spPr>
+        <p:txBody>
+          <a:bodyPr wrap="none" rtlCol="0">
+            <a:spAutoFit/>
+          </a:bodyPr>
+          <a:lstStyle/>
+          <a:p>
+            <a:r>
+              <a:rPr lang="nl-NL" sz="1000" dirty="0"/>
+              <a:t>yes</a:t>
+            </a:r>
+          </a:p>
+        </p:txBody>
+      </p:sp>
+      <p:cxnSp>
+        <p:nvCxnSpPr>
+          <p:cNvPr id="227" name="Rechte verbindingslijn met pijl 226">
+            <a:extLst>
+              <a:ext uri="{FF2B5EF4-FFF2-40B4-BE49-F238E27FC236}">
+                <a16:creationId xmlns:a16="http://schemas.microsoft.com/office/drawing/2014/main" id="{B8324C4D-6214-4D6E-A4FE-8CD805FEDDA4}"/>
+              </a:ext>
+            </a:extLst>
+          </p:cNvPr>
+          <p:cNvCxnSpPr>
+            <a:cxnSpLocks/>
+            <a:stCxn id="218" idx="2"/>
+            <a:endCxn id="228" idx="0"/>
+          </p:cNvCxnSpPr>
+          <p:nvPr/>
+        </p:nvCxnSpPr>
+        <p:spPr>
+          <a:xfrm>
+            <a:off x="7189812" y="2543910"/>
+            <a:ext cx="1" cy="257625"/>
+          </a:xfrm>
+          <a:prstGeom prst="straightConnector1">
+            <a:avLst/>
+          </a:prstGeom>
+          <a:ln w="12700">
+            <a:tailEnd type="triangle"/>
+          </a:ln>
+        </p:spPr>
+        <p:style>
+          <a:lnRef idx="1">
+            <a:schemeClr val="accent1"/>
+          </a:lnRef>
+          <a:fillRef idx="0">
+            <a:schemeClr val="accent1"/>
+          </a:fillRef>
+          <a:effectRef idx="0">
+            <a:schemeClr val="accent1"/>
+          </a:effectRef>
+          <a:fontRef idx="minor">
+            <a:schemeClr val="tx1"/>
+          </a:fontRef>
+        </p:style>
+      </p:cxnSp>
+      <p:sp>
+        <p:nvSpPr>
+          <p:cNvPr id="228" name="Tekstvak 227">
+            <a:extLst>
+              <a:ext uri="{FF2B5EF4-FFF2-40B4-BE49-F238E27FC236}">
+                <a16:creationId xmlns:a16="http://schemas.microsoft.com/office/drawing/2014/main" id="{00A30FEA-6FC2-42FB-85A8-2922713955AD}"/>
+              </a:ext>
+            </a:extLst>
+          </p:cNvPr>
+          <p:cNvSpPr txBox="1"/>
+          <p:nvPr/>
+        </p:nvSpPr>
+        <p:spPr>
+          <a:xfrm>
+            <a:off x="6756931" y="2801535"/>
+            <a:ext cx="865763" cy="505842"/>
+          </a:xfrm>
+          <a:prstGeom prst="rect">
+            <a:avLst/>
+          </a:prstGeom>
+        </p:spPr>
+        <p:style>
+          <a:lnRef idx="2">
+            <a:schemeClr val="dk1"/>
+          </a:lnRef>
+          <a:fillRef idx="1">
+            <a:schemeClr val="lt1"/>
+          </a:fillRef>
+          <a:effectRef idx="0">
+            <a:schemeClr val="dk1"/>
+          </a:effectRef>
+          <a:fontRef idx="minor">
+            <a:schemeClr val="dk1"/>
+          </a:fontRef>
+        </p:style>
+        <p:txBody>
+          <a:bodyPr wrap="square" rtlCol="0" anchor="ctr" anchorCtr="0">
+            <a:noAutofit/>
+          </a:bodyPr>
+          <a:lstStyle/>
+          <a:p>
+            <a:pPr algn="ctr"/>
+            <a:r>
+              <a:rPr lang="nl-NL" sz="1000" dirty="0"/>
+              <a:t>Store </a:t>
+            </a:r>
+            <a:r>
+              <a:rPr lang="nl-NL" sz="1000" dirty="0" err="1"/>
+              <a:t>appointment</a:t>
+            </a:r>
             <a:r>
               <a:rPr lang="nl-NL" sz="1000" dirty="0"/>
               <a:t> </a:t>
             </a:r>
             <a:r>
               <a:rPr lang="nl-NL" sz="1000" dirty="0" err="1"/>
-              <a:t>if</a:t>
+              <a:t>result</a:t>
+            </a:r>
+            <a:endParaRPr lang="nl-NL" sz="1000" dirty="0"/>
+          </a:p>
+        </p:txBody>
+      </p:sp>
+      <p:cxnSp>
+        <p:nvCxnSpPr>
+          <p:cNvPr id="229" name="Rechte verbindingslijn met pijl 97">
+            <a:extLst>
+              <a:ext uri="{FF2B5EF4-FFF2-40B4-BE49-F238E27FC236}">
+                <a16:creationId xmlns:a16="http://schemas.microsoft.com/office/drawing/2014/main" id="{DCD8D423-C4F7-4430-BC6D-79B8C4F38495}"/>
+              </a:ext>
+            </a:extLst>
+          </p:cNvPr>
+          <p:cNvCxnSpPr>
+            <a:cxnSpLocks/>
+            <a:endCxn id="228" idx="3"/>
+          </p:cNvCxnSpPr>
+          <p:nvPr/>
+        </p:nvCxnSpPr>
+        <p:spPr>
+          <a:xfrm rot="5400000">
+            <a:off x="7319695" y="2602915"/>
+            <a:ext cx="754540" cy="148542"/>
+          </a:xfrm>
+          <a:prstGeom prst="bentConnector2">
+            <a:avLst/>
+          </a:prstGeom>
+          <a:ln w="12700">
+            <a:tailEnd type="triangle"/>
+          </a:ln>
+        </p:spPr>
+        <p:style>
+          <a:lnRef idx="1">
+            <a:schemeClr val="accent1"/>
+          </a:lnRef>
+          <a:fillRef idx="0">
+            <a:schemeClr val="accent1"/>
+          </a:fillRef>
+          <a:effectRef idx="0">
+            <a:schemeClr val="accent1"/>
+          </a:effectRef>
+          <a:fontRef idx="minor">
+            <a:schemeClr val="tx1"/>
+          </a:fontRef>
+        </p:style>
+      </p:cxnSp>
+      <p:grpSp>
+        <p:nvGrpSpPr>
+          <p:cNvPr id="230" name="Groep 229">
+            <a:extLst>
+              <a:ext uri="{FF2B5EF4-FFF2-40B4-BE49-F238E27FC236}">
+                <a16:creationId xmlns:a16="http://schemas.microsoft.com/office/drawing/2014/main" id="{66D850DC-F2B9-450B-BE93-96032119E0FA}"/>
+              </a:ext>
+            </a:extLst>
+          </p:cNvPr>
+          <p:cNvGrpSpPr/>
+          <p:nvPr/>
+        </p:nvGrpSpPr>
+        <p:grpSpPr>
+          <a:xfrm>
+            <a:off x="6761687" y="463600"/>
+            <a:ext cx="865762" cy="505843"/>
+            <a:chOff x="1235389" y="4824894"/>
+            <a:chExt cx="865762" cy="505843"/>
+          </a:xfrm>
+        </p:grpSpPr>
+        <p:sp>
+          <p:nvSpPr>
+            <p:cNvPr id="231" name="Stroomdiagram: Beslissing 230">
+              <a:extLst>
+                <a:ext uri="{FF2B5EF4-FFF2-40B4-BE49-F238E27FC236}">
+                  <a16:creationId xmlns:a16="http://schemas.microsoft.com/office/drawing/2014/main" id="{B7FBB9D5-4E60-45D6-80F9-7D0D0507CEB3}"/>
+                </a:ext>
+              </a:extLst>
+            </p:cNvPr>
+            <p:cNvSpPr/>
+            <p:nvPr/>
+          </p:nvSpPr>
+          <p:spPr>
+            <a:xfrm>
+              <a:off x="1235389" y="4824894"/>
+              <a:ext cx="865762" cy="505843"/>
+            </a:xfrm>
+            <a:prstGeom prst="flowChartDecision">
+              <a:avLst/>
+            </a:prstGeom>
+          </p:spPr>
+          <p:style>
+            <a:lnRef idx="2">
+              <a:schemeClr val="dk1"/>
+            </a:lnRef>
+            <a:fillRef idx="1">
+              <a:schemeClr val="lt1"/>
+            </a:fillRef>
+            <a:effectRef idx="0">
+              <a:schemeClr val="dk1"/>
+            </a:effectRef>
+            <a:fontRef idx="minor">
+              <a:schemeClr val="dk1"/>
+            </a:fontRef>
+          </p:style>
+          <p:txBody>
+            <a:bodyPr lIns="0" rIns="0" rtlCol="0" anchor="ctr"/>
+            <a:lstStyle/>
+            <a:p>
+              <a:pPr algn="ctr"/>
+              <a:endParaRPr lang="nl-NL" sz="1000" dirty="0"/>
+            </a:p>
+          </p:txBody>
+        </p:sp>
+        <p:sp>
+          <p:nvSpPr>
+            <p:cNvPr id="232" name="Tekstvak 231">
+              <a:extLst>
+                <a:ext uri="{FF2B5EF4-FFF2-40B4-BE49-F238E27FC236}">
+                  <a16:creationId xmlns:a16="http://schemas.microsoft.com/office/drawing/2014/main" id="{89FACC5C-04B4-4186-929D-D0C761B9B530}"/>
+                </a:ext>
+              </a:extLst>
+            </p:cNvPr>
+            <p:cNvSpPr txBox="1"/>
+            <p:nvPr/>
+          </p:nvSpPr>
+          <p:spPr>
+            <a:xfrm>
+              <a:off x="1341099" y="4954705"/>
+              <a:ext cx="654346" cy="246221"/>
+            </a:xfrm>
+            <a:prstGeom prst="rect">
+              <a:avLst/>
+            </a:prstGeom>
+            <a:solidFill>
+              <a:schemeClr val="bg1">
+                <a:alpha val="67000"/>
+              </a:schemeClr>
+            </a:solidFill>
+          </p:spPr>
+          <p:txBody>
+            <a:bodyPr wrap="none" rtlCol="0">
+              <a:spAutoFit/>
+            </a:bodyPr>
+            <a:lstStyle/>
+            <a:p>
+              <a:pPr algn="ctr"/>
+              <a:r>
+                <a:rPr lang="nl-NL" sz="1000" dirty="0" err="1"/>
+                <a:t>Needed</a:t>
+              </a:r>
+              <a:r>
+                <a:rPr lang="nl-NL" sz="1000" dirty="0"/>
+                <a:t>?</a:t>
+              </a:r>
+            </a:p>
+          </p:txBody>
+        </p:sp>
+      </p:grpSp>
+      <p:cxnSp>
+        <p:nvCxnSpPr>
+          <p:cNvPr id="235" name="Rechte verbindingslijn met pijl 97">
+            <a:extLst>
+              <a:ext uri="{FF2B5EF4-FFF2-40B4-BE49-F238E27FC236}">
+                <a16:creationId xmlns:a16="http://schemas.microsoft.com/office/drawing/2014/main" id="{22C8A2E1-B767-4E43-B5A9-89398AD55131}"/>
+              </a:ext>
+            </a:extLst>
+          </p:cNvPr>
+          <p:cNvCxnSpPr>
+            <a:cxnSpLocks/>
+            <a:stCxn id="231" idx="1"/>
+            <a:endCxn id="228" idx="1"/>
+          </p:cNvCxnSpPr>
+          <p:nvPr/>
+        </p:nvCxnSpPr>
+        <p:spPr>
+          <a:xfrm rot="10800000" flipV="1">
+            <a:off x="6756931" y="716522"/>
+            <a:ext cx="4756" cy="2337934"/>
+          </a:xfrm>
+          <a:prstGeom prst="bentConnector3">
+            <a:avLst>
+              <a:gd name="adj1" fmla="val 4906560"/>
+            </a:avLst>
+          </a:prstGeom>
+          <a:ln w="12700">
+            <a:tailEnd type="triangle"/>
+          </a:ln>
+        </p:spPr>
+        <p:style>
+          <a:lnRef idx="1">
+            <a:schemeClr val="accent1"/>
+          </a:lnRef>
+          <a:fillRef idx="0">
+            <a:schemeClr val="accent1"/>
+          </a:fillRef>
+          <a:effectRef idx="0">
+            <a:schemeClr val="accent1"/>
+          </a:effectRef>
+          <a:fontRef idx="minor">
+            <a:schemeClr val="tx1"/>
+          </a:fontRef>
+        </p:style>
+      </p:cxnSp>
+      <p:sp>
+        <p:nvSpPr>
+          <p:cNvPr id="237" name="Tekstvak 236">
+            <a:extLst>
+              <a:ext uri="{FF2B5EF4-FFF2-40B4-BE49-F238E27FC236}">
+                <a16:creationId xmlns:a16="http://schemas.microsoft.com/office/drawing/2014/main" id="{1A3A083C-7AB3-451B-8922-A6AF28D86728}"/>
+              </a:ext>
+            </a:extLst>
+          </p:cNvPr>
+          <p:cNvSpPr txBox="1"/>
+          <p:nvPr/>
+        </p:nvSpPr>
+        <p:spPr>
+          <a:xfrm>
+            <a:off x="6506752" y="507424"/>
+            <a:ext cx="319318" cy="246221"/>
+          </a:xfrm>
+          <a:prstGeom prst="rect">
+            <a:avLst/>
+          </a:prstGeom>
+          <a:noFill/>
+        </p:spPr>
+        <p:txBody>
+          <a:bodyPr wrap="none" rtlCol="0">
+            <a:spAutoFit/>
+          </a:bodyPr>
+          <a:lstStyle/>
+          <a:p>
+            <a:r>
+              <a:rPr lang="nl-NL" sz="1000" dirty="0"/>
+              <a:t>no</a:t>
+            </a:r>
+          </a:p>
+        </p:txBody>
+      </p:sp>
+      <p:cxnSp>
+        <p:nvCxnSpPr>
+          <p:cNvPr id="239" name="Rechte verbindingslijn met pijl 238">
+            <a:extLst>
+              <a:ext uri="{FF2B5EF4-FFF2-40B4-BE49-F238E27FC236}">
+                <a16:creationId xmlns:a16="http://schemas.microsoft.com/office/drawing/2014/main" id="{64C2C22A-91E6-4D5A-9033-75E7F64184C6}"/>
+              </a:ext>
+            </a:extLst>
+          </p:cNvPr>
+          <p:cNvCxnSpPr>
+            <a:cxnSpLocks/>
+            <a:stCxn id="231" idx="2"/>
+            <a:endCxn id="213" idx="0"/>
+          </p:cNvCxnSpPr>
+          <p:nvPr/>
+        </p:nvCxnSpPr>
+        <p:spPr>
+          <a:xfrm flipH="1">
+            <a:off x="7189813" y="969443"/>
+            <a:ext cx="4755" cy="251346"/>
+          </a:xfrm>
+          <a:prstGeom prst="straightConnector1">
+            <a:avLst/>
+          </a:prstGeom>
+          <a:ln w="12700">
+            <a:tailEnd type="triangle"/>
+          </a:ln>
+        </p:spPr>
+        <p:style>
+          <a:lnRef idx="1">
+            <a:schemeClr val="accent1"/>
+          </a:lnRef>
+          <a:fillRef idx="0">
+            <a:schemeClr val="accent1"/>
+          </a:fillRef>
+          <a:effectRef idx="0">
+            <a:schemeClr val="accent1"/>
+          </a:effectRef>
+          <a:fontRef idx="minor">
+            <a:schemeClr val="tx1"/>
+          </a:fontRef>
+        </p:style>
+      </p:cxnSp>
+      <p:cxnSp>
+        <p:nvCxnSpPr>
+          <p:cNvPr id="243" name="Rechte verbindingslijn met pijl 83">
+            <a:extLst>
+              <a:ext uri="{FF2B5EF4-FFF2-40B4-BE49-F238E27FC236}">
+                <a16:creationId xmlns:a16="http://schemas.microsoft.com/office/drawing/2014/main" id="{B90C7A96-38C5-4BEE-B900-E85791D55E45}"/>
+              </a:ext>
+            </a:extLst>
+          </p:cNvPr>
+          <p:cNvCxnSpPr>
+            <a:cxnSpLocks/>
+            <a:stCxn id="183" idx="2"/>
+            <a:endCxn id="231" idx="0"/>
+          </p:cNvCxnSpPr>
+          <p:nvPr/>
+        </p:nvCxnSpPr>
+        <p:spPr>
+          <a:xfrm rot="5400000" flipH="1" flipV="1">
+            <a:off x="3091153" y="1709485"/>
+            <a:ext cx="5349300" cy="2857530"/>
+          </a:xfrm>
+          <a:prstGeom prst="bentConnector5">
+            <a:avLst>
+              <a:gd name="adj1" fmla="val -5697"/>
+              <a:gd name="adj2" fmla="val 67666"/>
+              <a:gd name="adj3" fmla="val 104273"/>
+            </a:avLst>
+          </a:prstGeom>
+          <a:ln w="12700">
+            <a:tailEnd type="triangle"/>
+          </a:ln>
+        </p:spPr>
+        <p:style>
+          <a:lnRef idx="1">
+            <a:schemeClr val="accent1"/>
+          </a:lnRef>
+          <a:fillRef idx="0">
+            <a:schemeClr val="accent1"/>
+          </a:fillRef>
+          <a:effectRef idx="0">
+            <a:schemeClr val="accent1"/>
+          </a:effectRef>
+          <a:fontRef idx="minor">
+            <a:schemeClr val="tx1"/>
+          </a:fontRef>
+        </p:style>
+      </p:cxnSp>
+      <p:cxnSp>
+        <p:nvCxnSpPr>
+          <p:cNvPr id="257" name="Rechte verbindingslijn met pijl 256">
+            <a:extLst>
+              <a:ext uri="{FF2B5EF4-FFF2-40B4-BE49-F238E27FC236}">
+                <a16:creationId xmlns:a16="http://schemas.microsoft.com/office/drawing/2014/main" id="{AC357ACE-7F5B-49C4-9CAF-B96BFFBA5053}"/>
+              </a:ext>
+            </a:extLst>
+          </p:cNvPr>
+          <p:cNvCxnSpPr>
+            <a:cxnSpLocks/>
+          </p:cNvCxnSpPr>
+          <p:nvPr/>
+        </p:nvCxnSpPr>
+        <p:spPr>
+          <a:xfrm flipH="1">
+            <a:off x="7191428" y="5571479"/>
+            <a:ext cx="1" cy="311436"/>
+          </a:xfrm>
+          <a:prstGeom prst="straightConnector1">
+            <a:avLst/>
+          </a:prstGeom>
+          <a:ln w="12700">
+            <a:tailEnd type="triangle"/>
+          </a:ln>
+        </p:spPr>
+        <p:style>
+          <a:lnRef idx="1">
+            <a:schemeClr val="accent1"/>
+          </a:lnRef>
+          <a:fillRef idx="0">
+            <a:schemeClr val="accent1"/>
+          </a:fillRef>
+          <a:effectRef idx="0">
+            <a:schemeClr val="accent1"/>
+          </a:effectRef>
+          <a:fontRef idx="minor">
+            <a:schemeClr val="tx1"/>
+          </a:fontRef>
+        </p:style>
+      </p:cxnSp>
+      <p:sp>
+        <p:nvSpPr>
+          <p:cNvPr id="258" name="Tekstvak 257">
+            <a:extLst>
+              <a:ext uri="{FF2B5EF4-FFF2-40B4-BE49-F238E27FC236}">
+                <a16:creationId xmlns:a16="http://schemas.microsoft.com/office/drawing/2014/main" id="{7C5964A1-6F8F-4E05-B472-0C30863EB0C4}"/>
+              </a:ext>
+            </a:extLst>
+          </p:cNvPr>
+          <p:cNvSpPr txBox="1"/>
+          <p:nvPr/>
+        </p:nvSpPr>
+        <p:spPr>
+          <a:xfrm>
+            <a:off x="6892835" y="4793240"/>
+            <a:ext cx="356188" cy="246221"/>
+          </a:xfrm>
+          <a:prstGeom prst="rect">
+            <a:avLst/>
+          </a:prstGeom>
+          <a:noFill/>
+        </p:spPr>
+        <p:txBody>
+          <a:bodyPr wrap="none" rtlCol="0">
+            <a:spAutoFit/>
+          </a:bodyPr>
+          <a:lstStyle/>
+          <a:p>
+            <a:r>
+              <a:rPr lang="nl-NL" sz="1000" dirty="0"/>
+              <a:t>yes</a:t>
+            </a:r>
+          </a:p>
+        </p:txBody>
+      </p:sp>
+      <p:sp>
+        <p:nvSpPr>
+          <p:cNvPr id="262" name="Tekstvak 261">
+            <a:extLst>
+              <a:ext uri="{FF2B5EF4-FFF2-40B4-BE49-F238E27FC236}">
+                <a16:creationId xmlns:a16="http://schemas.microsoft.com/office/drawing/2014/main" id="{3DD2D50C-2F32-4382-A26E-F43B14F8B397}"/>
+              </a:ext>
+            </a:extLst>
+          </p:cNvPr>
+          <p:cNvSpPr txBox="1"/>
+          <p:nvPr/>
+        </p:nvSpPr>
+        <p:spPr>
+          <a:xfrm>
+            <a:off x="6758547" y="5873357"/>
+            <a:ext cx="865763" cy="505842"/>
+          </a:xfrm>
+          <a:prstGeom prst="rect">
+            <a:avLst/>
+          </a:prstGeom>
+        </p:spPr>
+        <p:style>
+          <a:lnRef idx="2">
+            <a:schemeClr val="dk1"/>
+          </a:lnRef>
+          <a:fillRef idx="1">
+            <a:schemeClr val="lt1"/>
+          </a:fillRef>
+          <a:effectRef idx="0">
+            <a:schemeClr val="dk1"/>
+          </a:effectRef>
+          <a:fontRef idx="minor">
+            <a:schemeClr val="dk1"/>
+          </a:fontRef>
+        </p:style>
+        <p:txBody>
+          <a:bodyPr wrap="square" rtlCol="0" anchor="ctr" anchorCtr="0">
+            <a:noAutofit/>
+          </a:bodyPr>
+          <a:lstStyle/>
+          <a:p>
+            <a:pPr algn="ctr"/>
+            <a:r>
+              <a:rPr lang="nl-NL" sz="1000" dirty="0" err="1"/>
+              <a:t>Send</a:t>
             </a:r>
             <a:r>
               <a:rPr lang="nl-NL" sz="1000" dirty="0"/>
@@ -6397,12 +7653,2087 @@
             </a:r>
             <a:r>
               <a:rPr lang="nl-NL" sz="1000" dirty="0" err="1"/>
-              <a:t>failed</a:t>
+              <a:t>confirmation</a:t>
+            </a:r>
+            <a:r>
+              <a:rPr lang="nl-NL" sz="1000" dirty="0"/>
+              <a:t> e-mail</a:t>
+            </a:r>
+          </a:p>
+        </p:txBody>
+      </p:sp>
+      <p:cxnSp>
+        <p:nvCxnSpPr>
+          <p:cNvPr id="263" name="Rechte verbindingslijn met pijl 97">
+            <a:extLst>
+              <a:ext uri="{FF2B5EF4-FFF2-40B4-BE49-F238E27FC236}">
+                <a16:creationId xmlns:a16="http://schemas.microsoft.com/office/drawing/2014/main" id="{0FF20F22-728C-4DE8-8F6F-C3EA3AFC9D4D}"/>
+              </a:ext>
+            </a:extLst>
+          </p:cNvPr>
+          <p:cNvCxnSpPr>
+            <a:cxnSpLocks/>
+            <a:stCxn id="271" idx="3"/>
+            <a:endCxn id="262" idx="3"/>
+          </p:cNvCxnSpPr>
+          <p:nvPr/>
+        </p:nvCxnSpPr>
+        <p:spPr>
+          <a:xfrm flipH="1">
+            <a:off x="7624310" y="5313854"/>
+            <a:ext cx="4755" cy="812424"/>
+          </a:xfrm>
+          <a:prstGeom prst="bentConnector3">
+            <a:avLst>
+              <a:gd name="adj1" fmla="val -4807571"/>
+            </a:avLst>
+          </a:prstGeom>
+          <a:ln w="12700">
+            <a:tailEnd type="triangle"/>
+          </a:ln>
+        </p:spPr>
+        <p:style>
+          <a:lnRef idx="1">
+            <a:schemeClr val="accent1"/>
+          </a:lnRef>
+          <a:fillRef idx="0">
+            <a:schemeClr val="accent1"/>
+          </a:fillRef>
+          <a:effectRef idx="0">
+            <a:schemeClr val="accent1"/>
+          </a:effectRef>
+          <a:fontRef idx="minor">
+            <a:schemeClr val="tx1"/>
+          </a:fontRef>
+        </p:style>
+      </p:cxnSp>
+      <p:grpSp>
+        <p:nvGrpSpPr>
+          <p:cNvPr id="264" name="Groep 263">
+            <a:extLst>
+              <a:ext uri="{FF2B5EF4-FFF2-40B4-BE49-F238E27FC236}">
+                <a16:creationId xmlns:a16="http://schemas.microsoft.com/office/drawing/2014/main" id="{D8DA7419-5242-4404-9D68-32895693A0DA}"/>
+              </a:ext>
+            </a:extLst>
+          </p:cNvPr>
+          <p:cNvGrpSpPr/>
+          <p:nvPr/>
+        </p:nvGrpSpPr>
+        <p:grpSpPr>
+          <a:xfrm>
+            <a:off x="6763303" y="4308448"/>
+            <a:ext cx="865762" cy="505843"/>
+            <a:chOff x="1235389" y="4824894"/>
+            <a:chExt cx="865762" cy="505843"/>
+          </a:xfrm>
+        </p:grpSpPr>
+        <p:sp>
+          <p:nvSpPr>
+            <p:cNvPr id="265" name="Stroomdiagram: Beslissing 264">
+              <a:extLst>
+                <a:ext uri="{FF2B5EF4-FFF2-40B4-BE49-F238E27FC236}">
+                  <a16:creationId xmlns:a16="http://schemas.microsoft.com/office/drawing/2014/main" id="{5708226B-16C2-42BE-B406-B63D3B539673}"/>
+                </a:ext>
+              </a:extLst>
+            </p:cNvPr>
+            <p:cNvSpPr/>
+            <p:nvPr/>
+          </p:nvSpPr>
+          <p:spPr>
+            <a:xfrm>
+              <a:off x="1235389" y="4824894"/>
+              <a:ext cx="865762" cy="505843"/>
+            </a:xfrm>
+            <a:prstGeom prst="flowChartDecision">
+              <a:avLst/>
+            </a:prstGeom>
+          </p:spPr>
+          <p:style>
+            <a:lnRef idx="2">
+              <a:schemeClr val="dk1"/>
+            </a:lnRef>
+            <a:fillRef idx="1">
+              <a:schemeClr val="lt1"/>
+            </a:fillRef>
+            <a:effectRef idx="0">
+              <a:schemeClr val="dk1"/>
+            </a:effectRef>
+            <a:fontRef idx="minor">
+              <a:schemeClr val="dk1"/>
+            </a:fontRef>
+          </p:style>
+          <p:txBody>
+            <a:bodyPr lIns="0" rIns="0" rtlCol="0" anchor="ctr"/>
+            <a:lstStyle/>
+            <a:p>
+              <a:pPr algn="ctr"/>
+              <a:endParaRPr lang="nl-NL" sz="1000" dirty="0"/>
+            </a:p>
+          </p:txBody>
+        </p:sp>
+        <p:sp>
+          <p:nvSpPr>
+            <p:cNvPr id="266" name="Tekstvak 265">
+              <a:extLst>
+                <a:ext uri="{FF2B5EF4-FFF2-40B4-BE49-F238E27FC236}">
+                  <a16:creationId xmlns:a16="http://schemas.microsoft.com/office/drawing/2014/main" id="{FBB62479-DCB3-46D9-83C2-9BFFBC68BC4C}"/>
+                </a:ext>
+              </a:extLst>
+            </p:cNvPr>
+            <p:cNvSpPr txBox="1"/>
+            <p:nvPr/>
+          </p:nvSpPr>
+          <p:spPr>
+            <a:xfrm>
+              <a:off x="1337180" y="4878243"/>
+              <a:ext cx="646331" cy="400110"/>
+            </a:xfrm>
+            <a:prstGeom prst="rect">
+              <a:avLst/>
+            </a:prstGeom>
+            <a:solidFill>
+              <a:schemeClr val="bg1">
+                <a:alpha val="67000"/>
+              </a:schemeClr>
+            </a:solidFill>
+          </p:spPr>
+          <p:txBody>
+            <a:bodyPr wrap="none" rtlCol="0">
+              <a:spAutoFit/>
+            </a:bodyPr>
+            <a:lstStyle/>
+            <a:p>
+              <a:pPr algn="ctr"/>
+              <a:r>
+                <a:rPr lang="nl-NL" sz="1000" dirty="0" err="1"/>
+                <a:t>Payment</a:t>
+              </a:r>
+              <a:br>
+                <a:rPr lang="nl-NL" sz="1000" dirty="0"/>
+              </a:br>
+              <a:r>
+                <a:rPr lang="nl-NL" sz="1000" dirty="0" err="1"/>
+                <a:t>needed</a:t>
+              </a:r>
+              <a:r>
+                <a:rPr lang="nl-NL" sz="1000" dirty="0"/>
+                <a:t>?</a:t>
+              </a:r>
+            </a:p>
+          </p:txBody>
+        </p:sp>
+      </p:grpSp>
+      <p:cxnSp>
+        <p:nvCxnSpPr>
+          <p:cNvPr id="267" name="Rechte verbindingslijn met pijl 97">
+            <a:extLst>
+              <a:ext uri="{FF2B5EF4-FFF2-40B4-BE49-F238E27FC236}">
+                <a16:creationId xmlns:a16="http://schemas.microsoft.com/office/drawing/2014/main" id="{DD51F2E1-DD94-4AC4-9EFD-7186082E0560}"/>
+              </a:ext>
+            </a:extLst>
+          </p:cNvPr>
+          <p:cNvCxnSpPr>
+            <a:cxnSpLocks/>
+            <a:stCxn id="265" idx="1"/>
+            <a:endCxn id="262" idx="1"/>
+          </p:cNvCxnSpPr>
+          <p:nvPr/>
+        </p:nvCxnSpPr>
+        <p:spPr>
+          <a:xfrm rot="10800000" flipV="1">
+            <a:off x="6758547" y="4561370"/>
+            <a:ext cx="4756" cy="1564908"/>
+          </a:xfrm>
+          <a:prstGeom prst="bentConnector3">
+            <a:avLst>
+              <a:gd name="adj1" fmla="val 4906560"/>
+            </a:avLst>
+          </a:prstGeom>
+          <a:ln w="12700">
+            <a:tailEnd type="triangle"/>
+          </a:ln>
+        </p:spPr>
+        <p:style>
+          <a:lnRef idx="1">
+            <a:schemeClr val="accent1"/>
+          </a:lnRef>
+          <a:fillRef idx="0">
+            <a:schemeClr val="accent1"/>
+          </a:fillRef>
+          <a:effectRef idx="0">
+            <a:schemeClr val="accent1"/>
+          </a:effectRef>
+          <a:fontRef idx="minor">
+            <a:schemeClr val="tx1"/>
+          </a:fontRef>
+        </p:style>
+      </p:cxnSp>
+      <p:sp>
+        <p:nvSpPr>
+          <p:cNvPr id="268" name="Tekstvak 267">
+            <a:extLst>
+              <a:ext uri="{FF2B5EF4-FFF2-40B4-BE49-F238E27FC236}">
+                <a16:creationId xmlns:a16="http://schemas.microsoft.com/office/drawing/2014/main" id="{2FBCD3A1-61AE-4604-B86E-47E11EFCD7EE}"/>
+              </a:ext>
+            </a:extLst>
+          </p:cNvPr>
+          <p:cNvSpPr txBox="1"/>
+          <p:nvPr/>
+        </p:nvSpPr>
+        <p:spPr>
+          <a:xfrm>
+            <a:off x="6508368" y="4352272"/>
+            <a:ext cx="319318" cy="246221"/>
+          </a:xfrm>
+          <a:prstGeom prst="rect">
+            <a:avLst/>
+          </a:prstGeom>
+          <a:noFill/>
+        </p:spPr>
+        <p:txBody>
+          <a:bodyPr wrap="none" rtlCol="0">
+            <a:spAutoFit/>
+          </a:bodyPr>
+          <a:lstStyle/>
+          <a:p>
+            <a:r>
+              <a:rPr lang="nl-NL" sz="1000" dirty="0"/>
+              <a:t>no</a:t>
+            </a:r>
+          </a:p>
+        </p:txBody>
+      </p:sp>
+      <p:cxnSp>
+        <p:nvCxnSpPr>
+          <p:cNvPr id="269" name="Rechte verbindingslijn met pijl 268">
+            <a:extLst>
+              <a:ext uri="{FF2B5EF4-FFF2-40B4-BE49-F238E27FC236}">
+                <a16:creationId xmlns:a16="http://schemas.microsoft.com/office/drawing/2014/main" id="{33DC6A03-54A7-4666-8D6B-F6005A03D868}"/>
+              </a:ext>
+            </a:extLst>
+          </p:cNvPr>
+          <p:cNvCxnSpPr>
+            <a:cxnSpLocks/>
+            <a:stCxn id="265" idx="2"/>
+          </p:cNvCxnSpPr>
+          <p:nvPr/>
+        </p:nvCxnSpPr>
+        <p:spPr>
+          <a:xfrm flipH="1">
+            <a:off x="7191429" y="4814291"/>
+            <a:ext cx="4755" cy="251346"/>
+          </a:xfrm>
+          <a:prstGeom prst="straightConnector1">
+            <a:avLst/>
+          </a:prstGeom>
+          <a:ln w="12700">
+            <a:tailEnd type="triangle"/>
+          </a:ln>
+        </p:spPr>
+        <p:style>
+          <a:lnRef idx="1">
+            <a:schemeClr val="accent1"/>
+          </a:lnRef>
+          <a:fillRef idx="0">
+            <a:schemeClr val="accent1"/>
+          </a:fillRef>
+          <a:effectRef idx="0">
+            <a:schemeClr val="accent1"/>
+          </a:effectRef>
+          <a:fontRef idx="minor">
+            <a:schemeClr val="tx1"/>
+          </a:fontRef>
+        </p:style>
+      </p:cxnSp>
+      <p:grpSp>
+        <p:nvGrpSpPr>
+          <p:cNvPr id="270" name="Groep 269">
+            <a:extLst>
+              <a:ext uri="{FF2B5EF4-FFF2-40B4-BE49-F238E27FC236}">
+                <a16:creationId xmlns:a16="http://schemas.microsoft.com/office/drawing/2014/main" id="{33B3A6FA-36BA-4A70-803E-D4C15424EA83}"/>
+              </a:ext>
+            </a:extLst>
+          </p:cNvPr>
+          <p:cNvGrpSpPr/>
+          <p:nvPr/>
+        </p:nvGrpSpPr>
+        <p:grpSpPr>
+          <a:xfrm>
+            <a:off x="6763303" y="5060932"/>
+            <a:ext cx="865762" cy="505843"/>
+            <a:chOff x="1235389" y="4824894"/>
+            <a:chExt cx="865762" cy="505843"/>
+          </a:xfrm>
+        </p:grpSpPr>
+        <p:sp>
+          <p:nvSpPr>
+            <p:cNvPr id="271" name="Stroomdiagram: Beslissing 270">
+              <a:extLst>
+                <a:ext uri="{FF2B5EF4-FFF2-40B4-BE49-F238E27FC236}">
+                  <a16:creationId xmlns:a16="http://schemas.microsoft.com/office/drawing/2014/main" id="{A3D3D2AC-F54C-4DF8-81D6-F720A1ACE12F}"/>
+                </a:ext>
+              </a:extLst>
+            </p:cNvPr>
+            <p:cNvSpPr/>
+            <p:nvPr/>
+          </p:nvSpPr>
+          <p:spPr>
+            <a:xfrm>
+              <a:off x="1235389" y="4824894"/>
+              <a:ext cx="865762" cy="505843"/>
+            </a:xfrm>
+            <a:prstGeom prst="flowChartDecision">
+              <a:avLst/>
+            </a:prstGeom>
+          </p:spPr>
+          <p:style>
+            <a:lnRef idx="2">
+              <a:schemeClr val="dk1"/>
+            </a:lnRef>
+            <a:fillRef idx="1">
+              <a:schemeClr val="lt1"/>
+            </a:fillRef>
+            <a:effectRef idx="0">
+              <a:schemeClr val="dk1"/>
+            </a:effectRef>
+            <a:fontRef idx="minor">
+              <a:schemeClr val="dk1"/>
+            </a:fontRef>
+          </p:style>
+          <p:txBody>
+            <a:bodyPr lIns="0" rIns="0" rtlCol="0" anchor="ctr"/>
+            <a:lstStyle/>
+            <a:p>
+              <a:pPr algn="ctr"/>
+              <a:endParaRPr lang="nl-NL" sz="1000" dirty="0"/>
+            </a:p>
+          </p:txBody>
+        </p:sp>
+        <p:sp>
+          <p:nvSpPr>
+            <p:cNvPr id="272" name="Tekstvak 271">
+              <a:extLst>
+                <a:ext uri="{FF2B5EF4-FFF2-40B4-BE49-F238E27FC236}">
+                  <a16:creationId xmlns:a16="http://schemas.microsoft.com/office/drawing/2014/main" id="{CFECB794-A6DB-4791-B525-5AD7530A79C4}"/>
+                </a:ext>
+              </a:extLst>
+            </p:cNvPr>
+            <p:cNvSpPr txBox="1"/>
+            <p:nvPr/>
+          </p:nvSpPr>
+          <p:spPr>
+            <a:xfrm>
+              <a:off x="1353212" y="4878243"/>
+              <a:ext cx="614271" cy="400110"/>
+            </a:xfrm>
+            <a:prstGeom prst="rect">
+              <a:avLst/>
+            </a:prstGeom>
+            <a:solidFill>
+              <a:schemeClr val="bg1">
+                <a:alpha val="67000"/>
+              </a:schemeClr>
+            </a:solidFill>
+          </p:spPr>
+          <p:txBody>
+            <a:bodyPr wrap="none" rtlCol="0">
+              <a:spAutoFit/>
+            </a:bodyPr>
+            <a:lstStyle/>
+            <a:p>
+              <a:pPr algn="ctr"/>
+              <a:r>
+                <a:rPr lang="nl-NL" sz="1000" dirty="0" err="1"/>
+                <a:t>Did</a:t>
+              </a:r>
+              <a:r>
+                <a:rPr lang="nl-NL" sz="1000" dirty="0"/>
+                <a:t> user</a:t>
+              </a:r>
+              <a:br>
+                <a:rPr lang="nl-NL" sz="1000" dirty="0"/>
+              </a:br>
+              <a:r>
+                <a:rPr lang="nl-NL" sz="1000" dirty="0" err="1"/>
+                <a:t>pay</a:t>
+              </a:r>
+              <a:r>
+                <a:rPr lang="nl-NL" sz="1000" dirty="0"/>
+                <a:t>?</a:t>
+              </a:r>
+            </a:p>
+          </p:txBody>
+        </p:sp>
+      </p:grpSp>
+      <p:sp>
+        <p:nvSpPr>
+          <p:cNvPr id="277" name="Tekstvak 276">
+            <a:extLst>
+              <a:ext uri="{FF2B5EF4-FFF2-40B4-BE49-F238E27FC236}">
+                <a16:creationId xmlns:a16="http://schemas.microsoft.com/office/drawing/2014/main" id="{ACF5D7C7-7984-4C58-907E-1BF6BB95E69C}"/>
+              </a:ext>
+            </a:extLst>
+          </p:cNvPr>
+          <p:cNvSpPr txBox="1"/>
+          <p:nvPr/>
+        </p:nvSpPr>
+        <p:spPr>
+          <a:xfrm>
+            <a:off x="7189896" y="5581971"/>
+            <a:ext cx="356188" cy="246221"/>
+          </a:xfrm>
+          <a:prstGeom prst="rect">
+            <a:avLst/>
+          </a:prstGeom>
+          <a:noFill/>
+        </p:spPr>
+        <p:txBody>
+          <a:bodyPr wrap="none" rtlCol="0">
+            <a:spAutoFit/>
+          </a:bodyPr>
+          <a:lstStyle/>
+          <a:p>
+            <a:r>
+              <a:rPr lang="nl-NL" sz="1000" dirty="0"/>
+              <a:t>yes</a:t>
+            </a:r>
+          </a:p>
+        </p:txBody>
+      </p:sp>
+      <p:sp>
+        <p:nvSpPr>
+          <p:cNvPr id="278" name="Tekstvak 277">
+            <a:extLst>
+              <a:ext uri="{FF2B5EF4-FFF2-40B4-BE49-F238E27FC236}">
+                <a16:creationId xmlns:a16="http://schemas.microsoft.com/office/drawing/2014/main" id="{7F11AF06-D168-464F-9988-433DE1EF8C29}"/>
+              </a:ext>
+            </a:extLst>
+          </p:cNvPr>
+          <p:cNvSpPr txBox="1"/>
+          <p:nvPr/>
+        </p:nvSpPr>
+        <p:spPr>
+          <a:xfrm>
+            <a:off x="7546934" y="5113433"/>
+            <a:ext cx="319318" cy="246221"/>
+          </a:xfrm>
+          <a:prstGeom prst="rect">
+            <a:avLst/>
+          </a:prstGeom>
+          <a:noFill/>
+        </p:spPr>
+        <p:txBody>
+          <a:bodyPr wrap="none" rtlCol="0">
+            <a:spAutoFit/>
+          </a:bodyPr>
+          <a:lstStyle/>
+          <a:p>
+            <a:r>
+              <a:rPr lang="nl-NL" sz="1000" dirty="0"/>
+              <a:t>no</a:t>
+            </a:r>
+          </a:p>
+        </p:txBody>
+      </p:sp>
+      <p:pic>
+        <p:nvPicPr>
+          <p:cNvPr id="301" name="Graphic 300" descr="Wekker">
+            <a:extLst>
+              <a:ext uri="{FF2B5EF4-FFF2-40B4-BE49-F238E27FC236}">
+                <a16:creationId xmlns:a16="http://schemas.microsoft.com/office/drawing/2014/main" id="{FE9B51B8-54C5-4669-BA17-098046AF9703}"/>
+              </a:ext>
+            </a:extLst>
+          </p:cNvPr>
+          <p:cNvPicPr>
+            <a:picLocks noChangeAspect="1"/>
+          </p:cNvPicPr>
+          <p:nvPr/>
+        </p:nvPicPr>
+        <p:blipFill>
+          <a:blip r:embed="rId2">
+            <a:extLst>
+              <a:ext uri="{28A0092B-C50C-407E-A947-70E740481C1C}">
+                <a14:useLocalDpi xmlns:a14="http://schemas.microsoft.com/office/drawing/2010/main" val="0"/>
+              </a:ext>
+              <a:ext uri="{96DAC541-7B7A-43D3-8B79-37D633B846F1}">
+                <asvg:svgBlip xmlns:asvg="http://schemas.microsoft.com/office/drawing/2016/SVG/main" r:embed="rId3"/>
+              </a:ext>
+            </a:extLst>
+          </a:blip>
+          <a:stretch>
+            <a:fillRect/>
+          </a:stretch>
+        </p:blipFill>
+        <p:spPr>
+          <a:xfrm>
+            <a:off x="7850224" y="5571005"/>
+            <a:ext cx="314563" cy="314563"/>
+          </a:xfrm>
+          <a:prstGeom prst="rect">
+            <a:avLst/>
+          </a:prstGeom>
+        </p:spPr>
+      </p:pic>
+      <p:sp>
+        <p:nvSpPr>
+          <p:cNvPr id="302" name="Tekstvak 301">
+            <a:extLst>
+              <a:ext uri="{FF2B5EF4-FFF2-40B4-BE49-F238E27FC236}">
+                <a16:creationId xmlns:a16="http://schemas.microsoft.com/office/drawing/2014/main" id="{37A3C850-8133-423D-B92F-6B2D11264D56}"/>
+              </a:ext>
+            </a:extLst>
+          </p:cNvPr>
+          <p:cNvSpPr txBox="1"/>
+          <p:nvPr/>
+        </p:nvSpPr>
+        <p:spPr>
+          <a:xfrm>
+            <a:off x="8066372" y="5527814"/>
+            <a:ext cx="607859" cy="400110"/>
+          </a:xfrm>
+          <a:prstGeom prst="rect">
+            <a:avLst/>
+          </a:prstGeom>
+          <a:noFill/>
+        </p:spPr>
+        <p:txBody>
+          <a:bodyPr wrap="none" rtlCol="0">
+            <a:spAutoFit/>
+          </a:bodyPr>
+          <a:lstStyle/>
+          <a:p>
+            <a:r>
+              <a:rPr lang="nl-NL" sz="1000" dirty="0" err="1"/>
+              <a:t>wait</a:t>
+            </a:r>
+            <a:r>
+              <a:rPr lang="nl-NL" sz="1000" dirty="0"/>
+              <a:t> 15</a:t>
+            </a:r>
+            <a:br>
+              <a:rPr lang="nl-NL" sz="1000" dirty="0"/>
+            </a:br>
+            <a:r>
+              <a:rPr lang="nl-NL" sz="1000" dirty="0"/>
+              <a:t>minutes</a:t>
+            </a:r>
+          </a:p>
+        </p:txBody>
+      </p:sp>
+      <p:cxnSp>
+        <p:nvCxnSpPr>
+          <p:cNvPr id="303" name="Rechte verbindingslijn met pijl 302">
+            <a:extLst>
+              <a:ext uri="{FF2B5EF4-FFF2-40B4-BE49-F238E27FC236}">
+                <a16:creationId xmlns:a16="http://schemas.microsoft.com/office/drawing/2014/main" id="{CA85A2BD-0703-41F9-86E4-DC2043CE82FF}"/>
+              </a:ext>
+            </a:extLst>
+          </p:cNvPr>
+          <p:cNvCxnSpPr>
+            <a:cxnSpLocks/>
+            <a:stCxn id="228" idx="2"/>
+            <a:endCxn id="265" idx="0"/>
+          </p:cNvCxnSpPr>
+          <p:nvPr/>
+        </p:nvCxnSpPr>
+        <p:spPr>
+          <a:xfrm>
+            <a:off x="7189813" y="3307377"/>
+            <a:ext cx="6371" cy="1001071"/>
+          </a:xfrm>
+          <a:prstGeom prst="straightConnector1">
+            <a:avLst/>
+          </a:prstGeom>
+          <a:ln w="12700">
+            <a:tailEnd type="triangle"/>
+          </a:ln>
+        </p:spPr>
+        <p:style>
+          <a:lnRef idx="1">
+            <a:schemeClr val="accent1"/>
+          </a:lnRef>
+          <a:fillRef idx="0">
+            <a:schemeClr val="accent1"/>
+          </a:fillRef>
+          <a:effectRef idx="0">
+            <a:schemeClr val="accent1"/>
+          </a:effectRef>
+          <a:fontRef idx="minor">
+            <a:schemeClr val="tx1"/>
+          </a:fontRef>
+        </p:style>
+      </p:cxnSp>
+      <p:sp>
+        <p:nvSpPr>
+          <p:cNvPr id="309" name="Tekstvak 308">
+            <a:extLst>
+              <a:ext uri="{FF2B5EF4-FFF2-40B4-BE49-F238E27FC236}">
+                <a16:creationId xmlns:a16="http://schemas.microsoft.com/office/drawing/2014/main" id="{5E3859B6-3B12-498B-84FC-A4A8ACF08135}"/>
+              </a:ext>
+            </a:extLst>
+          </p:cNvPr>
+          <p:cNvSpPr txBox="1"/>
+          <p:nvPr/>
+        </p:nvSpPr>
+        <p:spPr>
+          <a:xfrm>
+            <a:off x="9347155" y="1931825"/>
+            <a:ext cx="2347883" cy="3230072"/>
+          </a:xfrm>
+          <a:prstGeom prst="rect">
+            <a:avLst/>
+          </a:prstGeom>
+          <a:noFill/>
+          <a:ln>
+            <a:solidFill>
+              <a:schemeClr val="tx1"/>
+            </a:solidFill>
+            <a:prstDash val="dash"/>
+          </a:ln>
+        </p:spPr>
+        <p:style>
+          <a:lnRef idx="2">
+            <a:schemeClr val="dk1"/>
+          </a:lnRef>
+          <a:fillRef idx="1">
+            <a:schemeClr val="lt1"/>
+          </a:fillRef>
+          <a:effectRef idx="0">
+            <a:schemeClr val="dk1"/>
+          </a:effectRef>
+          <a:fontRef idx="minor">
+            <a:schemeClr val="dk1"/>
+          </a:fontRef>
+        </p:style>
+        <p:txBody>
+          <a:bodyPr wrap="square" rtlCol="0" anchor="t" anchorCtr="0">
+            <a:noAutofit/>
+          </a:bodyPr>
+          <a:lstStyle/>
+          <a:p>
+            <a:pPr algn="r"/>
+            <a:r>
+              <a:rPr lang="nl-NL" sz="1000" b="1" dirty="0" err="1"/>
+              <a:t>Payment</a:t>
+            </a:r>
+            <a:endParaRPr lang="nl-NL" sz="1000" b="1" dirty="0"/>
+          </a:p>
+        </p:txBody>
+      </p:sp>
+      <p:sp>
+        <p:nvSpPr>
+          <p:cNvPr id="310" name="Tekstvak 309">
+            <a:extLst>
+              <a:ext uri="{FF2B5EF4-FFF2-40B4-BE49-F238E27FC236}">
+                <a16:creationId xmlns:a16="http://schemas.microsoft.com/office/drawing/2014/main" id="{3DAE99BE-0932-4E53-AB7E-0161B647CEE4}"/>
+              </a:ext>
+            </a:extLst>
+          </p:cNvPr>
+          <p:cNvSpPr txBox="1"/>
+          <p:nvPr/>
+        </p:nvSpPr>
+        <p:spPr>
+          <a:xfrm>
+            <a:off x="9461321" y="1316790"/>
+            <a:ext cx="865764" cy="505842"/>
+          </a:xfrm>
+          <a:prstGeom prst="flowChartManualInput">
+            <a:avLst/>
+          </a:prstGeom>
+          <a:ln>
+            <a:solidFill>
+              <a:schemeClr val="tx1"/>
+            </a:solidFill>
+            <a:prstDash val="solid"/>
+          </a:ln>
+        </p:spPr>
+        <p:style>
+          <a:lnRef idx="2">
+            <a:schemeClr val="dk1"/>
+          </a:lnRef>
+          <a:fillRef idx="1">
+            <a:schemeClr val="lt1"/>
+          </a:fillRef>
+          <a:effectRef idx="0">
+            <a:schemeClr val="dk1"/>
+          </a:effectRef>
+          <a:fontRef idx="minor">
+            <a:schemeClr val="dk1"/>
+          </a:fontRef>
+        </p:style>
+        <p:txBody>
+          <a:bodyPr wrap="square" lIns="0" rIns="0" rtlCol="0" anchor="ctr" anchorCtr="0">
+            <a:noAutofit/>
+          </a:bodyPr>
+          <a:lstStyle/>
+          <a:p>
+            <a:pPr algn="ctr"/>
+            <a:r>
+              <a:rPr lang="nl-NL" sz="900" dirty="0"/>
+              <a:t>Show </a:t>
+            </a:r>
+            <a:r>
+              <a:rPr lang="nl-NL" sz="900" dirty="0" err="1"/>
+              <a:t>payment</a:t>
+            </a:r>
+            <a:r>
+              <a:rPr lang="nl-NL" sz="900" dirty="0"/>
+              <a:t> page</a:t>
+            </a:r>
+          </a:p>
+        </p:txBody>
+      </p:sp>
+      <p:sp>
+        <p:nvSpPr>
+          <p:cNvPr id="311" name="Tekstvak 310">
+            <a:extLst>
+              <a:ext uri="{FF2B5EF4-FFF2-40B4-BE49-F238E27FC236}">
+                <a16:creationId xmlns:a16="http://schemas.microsoft.com/office/drawing/2014/main" id="{BBDCC955-C95F-4DC7-A2AB-4D808B543B66}"/>
+              </a:ext>
+            </a:extLst>
+          </p:cNvPr>
+          <p:cNvSpPr txBox="1"/>
+          <p:nvPr/>
+        </p:nvSpPr>
+        <p:spPr>
+          <a:xfrm>
+            <a:off x="9461321" y="2114455"/>
+            <a:ext cx="865764" cy="505842"/>
+          </a:xfrm>
+          <a:prstGeom prst="rect">
+            <a:avLst/>
+          </a:prstGeom>
+          <a:ln>
+            <a:solidFill>
+              <a:schemeClr val="tx1"/>
+            </a:solidFill>
+            <a:prstDash val="solid"/>
+          </a:ln>
+        </p:spPr>
+        <p:style>
+          <a:lnRef idx="2">
+            <a:schemeClr val="dk1"/>
+          </a:lnRef>
+          <a:fillRef idx="1">
+            <a:schemeClr val="lt1"/>
+          </a:fillRef>
+          <a:effectRef idx="0">
+            <a:schemeClr val="dk1"/>
+          </a:effectRef>
+          <a:fontRef idx="minor">
+            <a:schemeClr val="dk1"/>
+          </a:fontRef>
+        </p:style>
+        <p:txBody>
+          <a:bodyPr wrap="square" rtlCol="0" anchor="ctr" anchorCtr="0">
+            <a:noAutofit/>
+          </a:bodyPr>
+          <a:lstStyle/>
+          <a:p>
+            <a:pPr algn="ctr"/>
+            <a:r>
+              <a:rPr lang="nl-NL" sz="1000" dirty="0" err="1"/>
+              <a:t>Confirm</a:t>
+            </a:r>
+            <a:r>
+              <a:rPr lang="nl-NL" sz="1000" dirty="0"/>
+              <a:t> </a:t>
+            </a:r>
+            <a:r>
+              <a:rPr lang="nl-NL" sz="1000" dirty="0" err="1"/>
+              <a:t>payment</a:t>
             </a:r>
             <a:endParaRPr lang="nl-NL" sz="1000" dirty="0"/>
           </a:p>
         </p:txBody>
       </p:sp>
+      <p:sp>
+        <p:nvSpPr>
+          <p:cNvPr id="318" name="Tekstvak 317">
+            <a:extLst>
+              <a:ext uri="{FF2B5EF4-FFF2-40B4-BE49-F238E27FC236}">
+                <a16:creationId xmlns:a16="http://schemas.microsoft.com/office/drawing/2014/main" id="{5E94269E-7DE7-4BF1-9E94-B215F3BCBC8B}"/>
+              </a:ext>
+            </a:extLst>
+          </p:cNvPr>
+          <p:cNvSpPr txBox="1"/>
+          <p:nvPr/>
+        </p:nvSpPr>
+        <p:spPr>
+          <a:xfrm>
+            <a:off x="7451456" y="3570402"/>
+            <a:ext cx="865764" cy="505842"/>
+          </a:xfrm>
+          <a:prstGeom prst="flowChartManualInput">
+            <a:avLst/>
+          </a:prstGeom>
+        </p:spPr>
+        <p:style>
+          <a:lnRef idx="2">
+            <a:schemeClr val="dk1"/>
+          </a:lnRef>
+          <a:fillRef idx="1">
+            <a:schemeClr val="lt1"/>
+          </a:fillRef>
+          <a:effectRef idx="0">
+            <a:schemeClr val="dk1"/>
+          </a:effectRef>
+          <a:fontRef idx="minor">
+            <a:schemeClr val="dk1"/>
+          </a:fontRef>
+        </p:style>
+        <p:txBody>
+          <a:bodyPr wrap="square" lIns="0" rIns="0" rtlCol="0" anchor="ctr" anchorCtr="0">
+            <a:noAutofit/>
+          </a:bodyPr>
+          <a:lstStyle/>
+          <a:p>
+            <a:pPr algn="ctr"/>
+            <a:r>
+              <a:rPr lang="nl-NL" sz="900" dirty="0"/>
+              <a:t>Show </a:t>
+            </a:r>
+            <a:r>
+              <a:rPr lang="nl-NL" sz="900" dirty="0" err="1"/>
+              <a:t>submission</a:t>
+            </a:r>
+            <a:r>
+              <a:rPr lang="nl-NL" sz="900" dirty="0"/>
+              <a:t> </a:t>
+            </a:r>
+            <a:r>
+              <a:rPr lang="nl-NL" sz="900" dirty="0" err="1"/>
+              <a:t>confirmation</a:t>
+            </a:r>
+            <a:r>
+              <a:rPr lang="nl-NL" sz="900" dirty="0"/>
+              <a:t> page</a:t>
+            </a:r>
+          </a:p>
+        </p:txBody>
+      </p:sp>
+      <p:cxnSp>
+        <p:nvCxnSpPr>
+          <p:cNvPr id="321" name="Rechte verbindingslijn met pijl 320">
+            <a:extLst>
+              <a:ext uri="{FF2B5EF4-FFF2-40B4-BE49-F238E27FC236}">
+                <a16:creationId xmlns:a16="http://schemas.microsoft.com/office/drawing/2014/main" id="{D25D6C31-23D1-4AE5-8B75-4775BB431417}"/>
+              </a:ext>
+            </a:extLst>
+          </p:cNvPr>
+          <p:cNvCxnSpPr>
+            <a:cxnSpLocks/>
+            <a:endCxn id="318" idx="1"/>
+          </p:cNvCxnSpPr>
+          <p:nvPr/>
+        </p:nvCxnSpPr>
+        <p:spPr>
+          <a:xfrm>
+            <a:off x="7192190" y="3823323"/>
+            <a:ext cx="259266" cy="0"/>
+          </a:xfrm>
+          <a:prstGeom prst="straightConnector1">
+            <a:avLst/>
+          </a:prstGeom>
+          <a:ln w="12700">
+            <a:tailEnd type="triangle"/>
+          </a:ln>
+        </p:spPr>
+        <p:style>
+          <a:lnRef idx="1">
+            <a:schemeClr val="accent1"/>
+          </a:lnRef>
+          <a:fillRef idx="0">
+            <a:schemeClr val="accent1"/>
+          </a:fillRef>
+          <a:effectRef idx="0">
+            <a:schemeClr val="accent1"/>
+          </a:effectRef>
+          <a:fontRef idx="minor">
+            <a:schemeClr val="tx1"/>
+          </a:fontRef>
+        </p:style>
+      </p:cxnSp>
+      <p:sp>
+        <p:nvSpPr>
+          <p:cNvPr id="348" name="Tekstvak 347">
+            <a:extLst>
+              <a:ext uri="{FF2B5EF4-FFF2-40B4-BE49-F238E27FC236}">
+                <a16:creationId xmlns:a16="http://schemas.microsoft.com/office/drawing/2014/main" id="{8678FE49-241B-4BFA-981A-233CA7383391}"/>
+              </a:ext>
+            </a:extLst>
+          </p:cNvPr>
+          <p:cNvSpPr txBox="1"/>
+          <p:nvPr/>
+        </p:nvSpPr>
+        <p:spPr>
+          <a:xfrm>
+            <a:off x="9460980" y="2964553"/>
+            <a:ext cx="865763" cy="505842"/>
+          </a:xfrm>
+          <a:prstGeom prst="rect">
+            <a:avLst/>
+          </a:prstGeom>
+        </p:spPr>
+        <p:style>
+          <a:lnRef idx="2">
+            <a:schemeClr val="dk1"/>
+          </a:lnRef>
+          <a:fillRef idx="1">
+            <a:schemeClr val="lt1"/>
+          </a:fillRef>
+          <a:effectRef idx="0">
+            <a:schemeClr val="dk1"/>
+          </a:effectRef>
+          <a:fontRef idx="minor">
+            <a:schemeClr val="dk1"/>
+          </a:fontRef>
+        </p:style>
+        <p:txBody>
+          <a:bodyPr wrap="square" rtlCol="0" anchor="ctr" anchorCtr="0">
+            <a:noAutofit/>
+          </a:bodyPr>
+          <a:lstStyle/>
+          <a:p>
+            <a:pPr algn="ctr"/>
+            <a:r>
+              <a:rPr lang="nl-NL" sz="1000" dirty="0"/>
+              <a:t>Update </a:t>
+            </a:r>
+            <a:r>
+              <a:rPr lang="nl-NL" sz="1000" dirty="0" err="1"/>
+              <a:t>appointment</a:t>
+            </a:r>
+            <a:r>
+              <a:rPr lang="nl-NL" sz="1000" dirty="0"/>
+              <a:t> w/ </a:t>
+            </a:r>
+            <a:r>
+              <a:rPr lang="nl-NL" sz="1000" dirty="0" err="1"/>
+              <a:t>identifier</a:t>
+            </a:r>
+            <a:endParaRPr lang="nl-NL" sz="1000" dirty="0"/>
+          </a:p>
+        </p:txBody>
+      </p:sp>
+      <p:grpSp>
+        <p:nvGrpSpPr>
+          <p:cNvPr id="349" name="Groep 348">
+            <a:extLst>
+              <a:ext uri="{FF2B5EF4-FFF2-40B4-BE49-F238E27FC236}">
+                <a16:creationId xmlns:a16="http://schemas.microsoft.com/office/drawing/2014/main" id="{0E423BD9-56A6-43F8-951A-1EE95D0BC4B8}"/>
+              </a:ext>
+            </a:extLst>
+          </p:cNvPr>
+          <p:cNvGrpSpPr/>
+          <p:nvPr/>
+        </p:nvGrpSpPr>
+        <p:grpSpPr>
+          <a:xfrm>
+            <a:off x="9460980" y="3781831"/>
+            <a:ext cx="865762" cy="505843"/>
+            <a:chOff x="1235389" y="4824894"/>
+            <a:chExt cx="865762" cy="505843"/>
+          </a:xfrm>
+        </p:grpSpPr>
+        <p:sp>
+          <p:nvSpPr>
+            <p:cNvPr id="350" name="Stroomdiagram: Beslissing 349">
+              <a:extLst>
+                <a:ext uri="{FF2B5EF4-FFF2-40B4-BE49-F238E27FC236}">
+                  <a16:creationId xmlns:a16="http://schemas.microsoft.com/office/drawing/2014/main" id="{AF0A7355-98CD-4412-81CA-1DD918B9B45C}"/>
+                </a:ext>
+              </a:extLst>
+            </p:cNvPr>
+            <p:cNvSpPr/>
+            <p:nvPr/>
+          </p:nvSpPr>
+          <p:spPr>
+            <a:xfrm>
+              <a:off x="1235389" y="4824894"/>
+              <a:ext cx="865762" cy="505843"/>
+            </a:xfrm>
+            <a:prstGeom prst="flowChartDecision">
+              <a:avLst/>
+            </a:prstGeom>
+          </p:spPr>
+          <p:style>
+            <a:lnRef idx="2">
+              <a:schemeClr val="dk1"/>
+            </a:lnRef>
+            <a:fillRef idx="1">
+              <a:schemeClr val="lt1"/>
+            </a:fillRef>
+            <a:effectRef idx="0">
+              <a:schemeClr val="dk1"/>
+            </a:effectRef>
+            <a:fontRef idx="minor">
+              <a:schemeClr val="dk1"/>
+            </a:fontRef>
+          </p:style>
+          <p:txBody>
+            <a:bodyPr lIns="0" rIns="0" rtlCol="0" anchor="ctr"/>
+            <a:lstStyle/>
+            <a:p>
+              <a:pPr algn="ctr"/>
+              <a:endParaRPr lang="nl-NL" sz="1000" dirty="0"/>
+            </a:p>
+          </p:txBody>
+        </p:sp>
+        <p:sp>
+          <p:nvSpPr>
+            <p:cNvPr id="351" name="Tekstvak 350">
+              <a:extLst>
+                <a:ext uri="{FF2B5EF4-FFF2-40B4-BE49-F238E27FC236}">
+                  <a16:creationId xmlns:a16="http://schemas.microsoft.com/office/drawing/2014/main" id="{B0302726-367C-44FB-BD10-87A150F981FC}"/>
+                </a:ext>
+              </a:extLst>
+            </p:cNvPr>
+            <p:cNvSpPr txBox="1"/>
+            <p:nvPr/>
+          </p:nvSpPr>
+          <p:spPr>
+            <a:xfrm>
+              <a:off x="1346708" y="4954705"/>
+              <a:ext cx="643125" cy="246221"/>
+            </a:xfrm>
+            <a:prstGeom prst="rect">
+              <a:avLst/>
+            </a:prstGeom>
+            <a:solidFill>
+              <a:schemeClr val="bg1">
+                <a:alpha val="67000"/>
+              </a:schemeClr>
+            </a:solidFill>
+          </p:spPr>
+          <p:txBody>
+            <a:bodyPr wrap="none" rtlCol="0">
+              <a:spAutoFit/>
+            </a:bodyPr>
+            <a:lstStyle/>
+            <a:p>
+              <a:pPr algn="ctr"/>
+              <a:r>
+                <a:rPr lang="nl-NL" sz="1000" dirty="0" err="1"/>
+                <a:t>Success</a:t>
+              </a:r>
+              <a:r>
+                <a:rPr lang="nl-NL" sz="1000" dirty="0"/>
+                <a:t>?</a:t>
+              </a:r>
+            </a:p>
+          </p:txBody>
+        </p:sp>
+      </p:grpSp>
+      <p:sp>
+        <p:nvSpPr>
+          <p:cNvPr id="352" name="Stroomdiagram: Verbindingslijn 351">
+            <a:extLst>
+              <a:ext uri="{FF2B5EF4-FFF2-40B4-BE49-F238E27FC236}">
+                <a16:creationId xmlns:a16="http://schemas.microsoft.com/office/drawing/2014/main" id="{D7DA7A20-3E43-492A-B37F-46BC3391FCF7}"/>
+              </a:ext>
+            </a:extLst>
+          </p:cNvPr>
+          <p:cNvSpPr/>
+          <p:nvPr/>
+        </p:nvSpPr>
+        <p:spPr>
+          <a:xfrm>
+            <a:off x="10708287" y="3793530"/>
+            <a:ext cx="865761" cy="500300"/>
+          </a:xfrm>
+          <a:prstGeom prst="flowChartConnector">
+            <a:avLst/>
+          </a:prstGeom>
+        </p:spPr>
+        <p:style>
+          <a:lnRef idx="2">
+            <a:schemeClr val="dk1"/>
+          </a:lnRef>
+          <a:fillRef idx="1">
+            <a:schemeClr val="lt1"/>
+          </a:fillRef>
+          <a:effectRef idx="0">
+            <a:schemeClr val="dk1"/>
+          </a:effectRef>
+          <a:fontRef idx="minor">
+            <a:schemeClr val="dk1"/>
+          </a:fontRef>
+        </p:style>
+        <p:txBody>
+          <a:bodyPr lIns="0" rIns="0" rtlCol="0" anchor="ctr"/>
+          <a:lstStyle/>
+          <a:p>
+            <a:pPr algn="ctr"/>
+            <a:r>
+              <a:rPr lang="nl-NL" sz="1000" dirty="0"/>
+              <a:t>Schedule </a:t>
+            </a:r>
+            <a:r>
+              <a:rPr lang="nl-NL" sz="1000" dirty="0" err="1"/>
+              <a:t>for</a:t>
+            </a:r>
+            <a:r>
+              <a:rPr lang="nl-NL" sz="1000" dirty="0"/>
+              <a:t> </a:t>
+            </a:r>
+            <a:r>
+              <a:rPr lang="nl-NL" sz="1000" dirty="0" err="1"/>
+              <a:t>retry</a:t>
+            </a:r>
+            <a:endParaRPr lang="nl-NL" sz="1000" dirty="0"/>
+          </a:p>
+        </p:txBody>
+      </p:sp>
+      <p:cxnSp>
+        <p:nvCxnSpPr>
+          <p:cNvPr id="353" name="Rechte verbindingslijn met pijl 352">
+            <a:extLst>
+              <a:ext uri="{FF2B5EF4-FFF2-40B4-BE49-F238E27FC236}">
+                <a16:creationId xmlns:a16="http://schemas.microsoft.com/office/drawing/2014/main" id="{30154302-63EC-428C-85E1-E508114BE13A}"/>
+              </a:ext>
+            </a:extLst>
+          </p:cNvPr>
+          <p:cNvCxnSpPr>
+            <a:cxnSpLocks/>
+            <a:stCxn id="350" idx="3"/>
+            <a:endCxn id="352" idx="2"/>
+          </p:cNvCxnSpPr>
+          <p:nvPr/>
+        </p:nvCxnSpPr>
+        <p:spPr>
+          <a:xfrm>
+            <a:off x="10326742" y="4034753"/>
+            <a:ext cx="381545" cy="8927"/>
+          </a:xfrm>
+          <a:prstGeom prst="straightConnector1">
+            <a:avLst/>
+          </a:prstGeom>
+          <a:ln w="12700">
+            <a:tailEnd type="triangle"/>
+          </a:ln>
+        </p:spPr>
+        <p:style>
+          <a:lnRef idx="1">
+            <a:schemeClr val="accent1"/>
+          </a:lnRef>
+          <a:fillRef idx="0">
+            <a:schemeClr val="accent1"/>
+          </a:fillRef>
+          <a:effectRef idx="0">
+            <a:schemeClr val="accent1"/>
+          </a:effectRef>
+          <a:fontRef idx="minor">
+            <a:schemeClr val="tx1"/>
+          </a:fontRef>
+        </p:style>
+      </p:cxnSp>
+      <p:cxnSp>
+        <p:nvCxnSpPr>
+          <p:cNvPr id="354" name="Rechte verbindingslijn met pijl 353">
+            <a:extLst>
+              <a:ext uri="{FF2B5EF4-FFF2-40B4-BE49-F238E27FC236}">
+                <a16:creationId xmlns:a16="http://schemas.microsoft.com/office/drawing/2014/main" id="{1632DD4A-E223-4741-823A-EABB36ADB47E}"/>
+              </a:ext>
+            </a:extLst>
+          </p:cNvPr>
+          <p:cNvCxnSpPr>
+            <a:cxnSpLocks/>
+            <a:stCxn id="348" idx="2"/>
+            <a:endCxn id="350" idx="0"/>
+          </p:cNvCxnSpPr>
+          <p:nvPr/>
+        </p:nvCxnSpPr>
+        <p:spPr>
+          <a:xfrm flipH="1">
+            <a:off x="9893861" y="3470395"/>
+            <a:ext cx="1" cy="311436"/>
+          </a:xfrm>
+          <a:prstGeom prst="straightConnector1">
+            <a:avLst/>
+          </a:prstGeom>
+          <a:ln w="12700">
+            <a:tailEnd type="triangle"/>
+          </a:ln>
+        </p:spPr>
+        <p:style>
+          <a:lnRef idx="1">
+            <a:schemeClr val="accent1"/>
+          </a:lnRef>
+          <a:fillRef idx="0">
+            <a:schemeClr val="accent1"/>
+          </a:fillRef>
+          <a:effectRef idx="0">
+            <a:schemeClr val="accent1"/>
+          </a:effectRef>
+          <a:fontRef idx="minor">
+            <a:schemeClr val="tx1"/>
+          </a:fontRef>
+        </p:style>
+      </p:cxnSp>
+      <p:sp>
+        <p:nvSpPr>
+          <p:cNvPr id="356" name="Tekstvak 355">
+            <a:extLst>
+              <a:ext uri="{FF2B5EF4-FFF2-40B4-BE49-F238E27FC236}">
+                <a16:creationId xmlns:a16="http://schemas.microsoft.com/office/drawing/2014/main" id="{CCFD4579-0DFA-423E-909D-C99AD355DFD0}"/>
+              </a:ext>
+            </a:extLst>
+          </p:cNvPr>
+          <p:cNvSpPr txBox="1"/>
+          <p:nvPr/>
+        </p:nvSpPr>
+        <p:spPr>
+          <a:xfrm>
+            <a:off x="10269069" y="3800547"/>
+            <a:ext cx="319318" cy="246221"/>
+          </a:xfrm>
+          <a:prstGeom prst="rect">
+            <a:avLst/>
+          </a:prstGeom>
+          <a:noFill/>
+        </p:spPr>
+        <p:txBody>
+          <a:bodyPr wrap="none" rtlCol="0">
+            <a:spAutoFit/>
+          </a:bodyPr>
+          <a:lstStyle/>
+          <a:p>
+            <a:r>
+              <a:rPr lang="nl-NL" sz="1000" dirty="0"/>
+              <a:t>no</a:t>
+            </a:r>
+          </a:p>
+        </p:txBody>
+      </p:sp>
+      <p:sp>
+        <p:nvSpPr>
+          <p:cNvPr id="357" name="Tekstvak 356">
+            <a:extLst>
+              <a:ext uri="{FF2B5EF4-FFF2-40B4-BE49-F238E27FC236}">
+                <a16:creationId xmlns:a16="http://schemas.microsoft.com/office/drawing/2014/main" id="{CA4368FC-9330-4635-B96C-168516D6F7C3}"/>
+              </a:ext>
+            </a:extLst>
+          </p:cNvPr>
+          <p:cNvSpPr txBox="1"/>
+          <p:nvPr/>
+        </p:nvSpPr>
+        <p:spPr>
+          <a:xfrm>
+            <a:off x="9910411" y="4290860"/>
+            <a:ext cx="356188" cy="246221"/>
+          </a:xfrm>
+          <a:prstGeom prst="rect">
+            <a:avLst/>
+          </a:prstGeom>
+          <a:noFill/>
+        </p:spPr>
+        <p:txBody>
+          <a:bodyPr wrap="none" rtlCol="0">
+            <a:spAutoFit/>
+          </a:bodyPr>
+          <a:lstStyle/>
+          <a:p>
+            <a:r>
+              <a:rPr lang="nl-NL" sz="1000" dirty="0"/>
+              <a:t>yes</a:t>
+            </a:r>
+          </a:p>
+        </p:txBody>
+      </p:sp>
+      <p:cxnSp>
+        <p:nvCxnSpPr>
+          <p:cNvPr id="358" name="Rechte verbindingslijn met pijl 357">
+            <a:extLst>
+              <a:ext uri="{FF2B5EF4-FFF2-40B4-BE49-F238E27FC236}">
+                <a16:creationId xmlns:a16="http://schemas.microsoft.com/office/drawing/2014/main" id="{4298F9F6-4F2E-4464-B147-ECD1E80F9A18}"/>
+              </a:ext>
+            </a:extLst>
+          </p:cNvPr>
+          <p:cNvCxnSpPr>
+            <a:cxnSpLocks/>
+            <a:stCxn id="350" idx="2"/>
+            <a:endCxn id="359" idx="0"/>
+          </p:cNvCxnSpPr>
+          <p:nvPr/>
+        </p:nvCxnSpPr>
+        <p:spPr>
+          <a:xfrm>
+            <a:off x="9893861" y="4287674"/>
+            <a:ext cx="1" cy="257625"/>
+          </a:xfrm>
+          <a:prstGeom prst="straightConnector1">
+            <a:avLst/>
+          </a:prstGeom>
+          <a:ln w="12700">
+            <a:tailEnd type="triangle"/>
+          </a:ln>
+        </p:spPr>
+        <p:style>
+          <a:lnRef idx="1">
+            <a:schemeClr val="accent1"/>
+          </a:lnRef>
+          <a:fillRef idx="0">
+            <a:schemeClr val="accent1"/>
+          </a:fillRef>
+          <a:effectRef idx="0">
+            <a:schemeClr val="accent1"/>
+          </a:effectRef>
+          <a:fontRef idx="minor">
+            <a:schemeClr val="tx1"/>
+          </a:fontRef>
+        </p:style>
+      </p:cxnSp>
+      <p:sp>
+        <p:nvSpPr>
+          <p:cNvPr id="359" name="Tekstvak 358">
+            <a:extLst>
+              <a:ext uri="{FF2B5EF4-FFF2-40B4-BE49-F238E27FC236}">
+                <a16:creationId xmlns:a16="http://schemas.microsoft.com/office/drawing/2014/main" id="{DE784FCB-A469-490B-9077-EB05B97C0477}"/>
+              </a:ext>
+            </a:extLst>
+          </p:cNvPr>
+          <p:cNvSpPr txBox="1"/>
+          <p:nvPr/>
+        </p:nvSpPr>
+        <p:spPr>
+          <a:xfrm>
+            <a:off x="9460980" y="4545299"/>
+            <a:ext cx="865763" cy="505842"/>
+          </a:xfrm>
+          <a:prstGeom prst="rect">
+            <a:avLst/>
+          </a:prstGeom>
+        </p:spPr>
+        <p:style>
+          <a:lnRef idx="2">
+            <a:schemeClr val="dk1"/>
+          </a:lnRef>
+          <a:fillRef idx="1">
+            <a:schemeClr val="lt1"/>
+          </a:fillRef>
+          <a:effectRef idx="0">
+            <a:schemeClr val="dk1"/>
+          </a:effectRef>
+          <a:fontRef idx="minor">
+            <a:schemeClr val="dk1"/>
+          </a:fontRef>
+        </p:style>
+        <p:txBody>
+          <a:bodyPr wrap="square" rtlCol="0" anchor="ctr" anchorCtr="0">
+            <a:noAutofit/>
+          </a:bodyPr>
+          <a:lstStyle/>
+          <a:p>
+            <a:pPr algn="ctr"/>
+            <a:r>
+              <a:rPr lang="nl-NL" sz="1000" dirty="0"/>
+              <a:t>Store </a:t>
+            </a:r>
+            <a:r>
+              <a:rPr lang="nl-NL" sz="1000" dirty="0" err="1"/>
+              <a:t>payment</a:t>
+            </a:r>
+            <a:r>
+              <a:rPr lang="nl-NL" sz="1000" dirty="0"/>
+              <a:t> </a:t>
+            </a:r>
+            <a:r>
+              <a:rPr lang="nl-NL" sz="1000" dirty="0" err="1"/>
+              <a:t>result</a:t>
+            </a:r>
+            <a:endParaRPr lang="nl-NL" sz="1000" dirty="0"/>
+          </a:p>
+        </p:txBody>
+      </p:sp>
+      <p:cxnSp>
+        <p:nvCxnSpPr>
+          <p:cNvPr id="360" name="Rechte verbindingslijn met pijl 97">
+            <a:extLst>
+              <a:ext uri="{FF2B5EF4-FFF2-40B4-BE49-F238E27FC236}">
+                <a16:creationId xmlns:a16="http://schemas.microsoft.com/office/drawing/2014/main" id="{E7EB713B-717F-4DB1-B222-D2D337663BC1}"/>
+              </a:ext>
+            </a:extLst>
+          </p:cNvPr>
+          <p:cNvCxnSpPr>
+            <a:cxnSpLocks/>
+            <a:endCxn id="359" idx="3"/>
+          </p:cNvCxnSpPr>
+          <p:nvPr/>
+        </p:nvCxnSpPr>
+        <p:spPr>
+          <a:xfrm rot="5400000">
+            <a:off x="10023744" y="4346679"/>
+            <a:ext cx="754540" cy="148542"/>
+          </a:xfrm>
+          <a:prstGeom prst="bentConnector2">
+            <a:avLst/>
+          </a:prstGeom>
+          <a:ln w="12700">
+            <a:tailEnd type="triangle"/>
+          </a:ln>
+        </p:spPr>
+        <p:style>
+          <a:lnRef idx="1">
+            <a:schemeClr val="accent1"/>
+          </a:lnRef>
+          <a:fillRef idx="0">
+            <a:schemeClr val="accent1"/>
+          </a:fillRef>
+          <a:effectRef idx="0">
+            <a:schemeClr val="accent1"/>
+          </a:effectRef>
+          <a:fontRef idx="minor">
+            <a:schemeClr val="tx1"/>
+          </a:fontRef>
+        </p:style>
+      </p:cxnSp>
+      <p:cxnSp>
+        <p:nvCxnSpPr>
+          <p:cNvPr id="363" name="Rechte verbindingslijn met pijl 362">
+            <a:extLst>
+              <a:ext uri="{FF2B5EF4-FFF2-40B4-BE49-F238E27FC236}">
+                <a16:creationId xmlns:a16="http://schemas.microsoft.com/office/drawing/2014/main" id="{8E0CAD02-9965-42FB-989C-42F56A0E7F81}"/>
+              </a:ext>
+            </a:extLst>
+          </p:cNvPr>
+          <p:cNvCxnSpPr>
+            <a:cxnSpLocks/>
+            <a:stCxn id="310" idx="2"/>
+            <a:endCxn id="311" idx="0"/>
+          </p:cNvCxnSpPr>
+          <p:nvPr/>
+        </p:nvCxnSpPr>
+        <p:spPr>
+          <a:xfrm>
+            <a:off x="9894203" y="1822632"/>
+            <a:ext cx="0" cy="291823"/>
+          </a:xfrm>
+          <a:prstGeom prst="straightConnector1">
+            <a:avLst/>
+          </a:prstGeom>
+          <a:ln w="12700">
+            <a:tailEnd type="triangle"/>
+          </a:ln>
+        </p:spPr>
+        <p:style>
+          <a:lnRef idx="1">
+            <a:schemeClr val="accent1"/>
+          </a:lnRef>
+          <a:fillRef idx="0">
+            <a:schemeClr val="accent1"/>
+          </a:fillRef>
+          <a:effectRef idx="0">
+            <a:schemeClr val="accent1"/>
+          </a:effectRef>
+          <a:fontRef idx="minor">
+            <a:schemeClr val="tx1"/>
+          </a:fontRef>
+        </p:style>
+      </p:cxnSp>
+      <p:cxnSp>
+        <p:nvCxnSpPr>
+          <p:cNvPr id="366" name="Rechte verbindingslijn met pijl 365">
+            <a:extLst>
+              <a:ext uri="{FF2B5EF4-FFF2-40B4-BE49-F238E27FC236}">
+                <a16:creationId xmlns:a16="http://schemas.microsoft.com/office/drawing/2014/main" id="{A0600A5B-1DF7-4652-AA9C-F3A38B28D932}"/>
+              </a:ext>
+            </a:extLst>
+          </p:cNvPr>
+          <p:cNvCxnSpPr>
+            <a:cxnSpLocks/>
+            <a:stCxn id="311" idx="2"/>
+            <a:endCxn id="348" idx="0"/>
+          </p:cNvCxnSpPr>
+          <p:nvPr/>
+        </p:nvCxnSpPr>
+        <p:spPr>
+          <a:xfrm flipH="1">
+            <a:off x="9893862" y="2620297"/>
+            <a:ext cx="341" cy="344256"/>
+          </a:xfrm>
+          <a:prstGeom prst="straightConnector1">
+            <a:avLst/>
+          </a:prstGeom>
+          <a:ln w="12700">
+            <a:tailEnd type="triangle"/>
+          </a:ln>
+        </p:spPr>
+        <p:style>
+          <a:lnRef idx="1">
+            <a:schemeClr val="accent1"/>
+          </a:lnRef>
+          <a:fillRef idx="0">
+            <a:schemeClr val="accent1"/>
+          </a:fillRef>
+          <a:effectRef idx="0">
+            <a:schemeClr val="accent1"/>
+          </a:effectRef>
+          <a:fontRef idx="minor">
+            <a:schemeClr val="tx1"/>
+          </a:fontRef>
+        </p:style>
+      </p:cxnSp>
+      <p:sp>
+        <p:nvSpPr>
+          <p:cNvPr id="382" name="Tekstvak 381">
+            <a:extLst>
+              <a:ext uri="{FF2B5EF4-FFF2-40B4-BE49-F238E27FC236}">
+                <a16:creationId xmlns:a16="http://schemas.microsoft.com/office/drawing/2014/main" id="{1EF4B8F8-9AA1-404B-AC63-78116B9D98DA}"/>
+              </a:ext>
+            </a:extLst>
+          </p:cNvPr>
+          <p:cNvSpPr txBox="1"/>
+          <p:nvPr/>
+        </p:nvSpPr>
+        <p:spPr>
+          <a:xfrm>
+            <a:off x="3763829" y="361356"/>
+            <a:ext cx="2331145" cy="721757"/>
+          </a:xfrm>
+          <a:prstGeom prst="rect">
+            <a:avLst/>
+          </a:prstGeom>
+          <a:noFill/>
+          <a:ln>
+            <a:solidFill>
+              <a:schemeClr val="tx1"/>
+            </a:solidFill>
+            <a:prstDash val="dash"/>
+          </a:ln>
+        </p:spPr>
+        <p:style>
+          <a:lnRef idx="2">
+            <a:schemeClr val="dk1"/>
+          </a:lnRef>
+          <a:fillRef idx="1">
+            <a:schemeClr val="lt1"/>
+          </a:fillRef>
+          <a:effectRef idx="0">
+            <a:schemeClr val="dk1"/>
+          </a:effectRef>
+          <a:fontRef idx="minor">
+            <a:schemeClr val="dk1"/>
+          </a:fontRef>
+        </p:style>
+        <p:txBody>
+          <a:bodyPr wrap="square" rtlCol="0" anchor="t" anchorCtr="0">
+            <a:noAutofit/>
+          </a:bodyPr>
+          <a:lstStyle/>
+          <a:p>
+            <a:pPr algn="r"/>
+            <a:r>
+              <a:rPr lang="nl-NL" sz="1000" b="1" dirty="0"/>
+              <a:t>PDF</a:t>
+            </a:r>
+          </a:p>
+        </p:txBody>
+      </p:sp>
+      <p:cxnSp>
+        <p:nvCxnSpPr>
+          <p:cNvPr id="389" name="Rechte verbindingslijn met pijl 83">
+            <a:extLst>
+              <a:ext uri="{FF2B5EF4-FFF2-40B4-BE49-F238E27FC236}">
+                <a16:creationId xmlns:a16="http://schemas.microsoft.com/office/drawing/2014/main" id="{7F0222AE-B094-4002-928D-B15591CA743D}"/>
+              </a:ext>
+            </a:extLst>
+          </p:cNvPr>
+          <p:cNvCxnSpPr>
+            <a:cxnSpLocks/>
+            <a:stCxn id="318" idx="3"/>
+            <a:endCxn id="310" idx="1"/>
+          </p:cNvCxnSpPr>
+          <p:nvPr/>
+        </p:nvCxnSpPr>
+        <p:spPr>
+          <a:xfrm flipV="1">
+            <a:off x="8317220" y="1569711"/>
+            <a:ext cx="1144101" cy="2253612"/>
+          </a:xfrm>
+          <a:prstGeom prst="bentConnector3">
+            <a:avLst>
+              <a:gd name="adj1" fmla="val 67483"/>
+            </a:avLst>
+          </a:prstGeom>
+          <a:ln w="12700">
+            <a:tailEnd type="triangle"/>
+          </a:ln>
+        </p:spPr>
+        <p:style>
+          <a:lnRef idx="1">
+            <a:schemeClr val="accent1"/>
+          </a:lnRef>
+          <a:fillRef idx="0">
+            <a:schemeClr val="accent1"/>
+          </a:fillRef>
+          <a:effectRef idx="0">
+            <a:schemeClr val="accent1"/>
+          </a:effectRef>
+          <a:fontRef idx="minor">
+            <a:schemeClr val="tx1"/>
+          </a:fontRef>
+        </p:style>
+      </p:cxnSp>
+      <p:sp>
+        <p:nvSpPr>
+          <p:cNvPr id="395" name="Tekstvak 394">
+            <a:extLst>
+              <a:ext uri="{FF2B5EF4-FFF2-40B4-BE49-F238E27FC236}">
+                <a16:creationId xmlns:a16="http://schemas.microsoft.com/office/drawing/2014/main" id="{A903363D-2638-4CD2-A423-FC33CD11F1FC}"/>
+              </a:ext>
+            </a:extLst>
+          </p:cNvPr>
+          <p:cNvSpPr txBox="1"/>
+          <p:nvPr/>
+        </p:nvSpPr>
+        <p:spPr>
+          <a:xfrm>
+            <a:off x="9460980" y="470627"/>
+            <a:ext cx="865764" cy="505842"/>
+          </a:xfrm>
+          <a:prstGeom prst="flowChartManualInput">
+            <a:avLst/>
+          </a:prstGeom>
+          <a:ln>
+            <a:solidFill>
+              <a:schemeClr val="tx1"/>
+            </a:solidFill>
+            <a:prstDash val="solid"/>
+          </a:ln>
+        </p:spPr>
+        <p:style>
+          <a:lnRef idx="2">
+            <a:schemeClr val="dk1"/>
+          </a:lnRef>
+          <a:fillRef idx="1">
+            <a:schemeClr val="lt1"/>
+          </a:fillRef>
+          <a:effectRef idx="0">
+            <a:schemeClr val="dk1"/>
+          </a:effectRef>
+          <a:fontRef idx="minor">
+            <a:schemeClr val="dk1"/>
+          </a:fontRef>
+        </p:style>
+        <p:txBody>
+          <a:bodyPr wrap="square" lIns="0" rIns="0" rtlCol="0" anchor="ctr" anchorCtr="0">
+            <a:noAutofit/>
+          </a:bodyPr>
+          <a:lstStyle/>
+          <a:p>
+            <a:pPr algn="ctr"/>
+            <a:r>
+              <a:rPr lang="nl-NL" sz="900" dirty="0" err="1"/>
+              <a:t>Confirmation</a:t>
+            </a:r>
+            <a:r>
+              <a:rPr lang="nl-NL" sz="900" dirty="0"/>
+              <a:t> e-mail</a:t>
+            </a:r>
+          </a:p>
+        </p:txBody>
+      </p:sp>
+      <p:cxnSp>
+        <p:nvCxnSpPr>
+          <p:cNvPr id="399" name="Rechte verbindingslijn met pijl 398">
+            <a:extLst>
+              <a:ext uri="{FF2B5EF4-FFF2-40B4-BE49-F238E27FC236}">
+                <a16:creationId xmlns:a16="http://schemas.microsoft.com/office/drawing/2014/main" id="{969CE4E4-9307-4617-BDFA-264D19EC00F0}"/>
+              </a:ext>
+            </a:extLst>
+          </p:cNvPr>
+          <p:cNvCxnSpPr>
+            <a:cxnSpLocks/>
+            <a:stCxn id="395" idx="2"/>
+            <a:endCxn id="310" idx="0"/>
+          </p:cNvCxnSpPr>
+          <p:nvPr/>
+        </p:nvCxnSpPr>
+        <p:spPr>
+          <a:xfrm>
+            <a:off x="9893862" y="976469"/>
+            <a:ext cx="341" cy="390905"/>
+          </a:xfrm>
+          <a:prstGeom prst="straightConnector1">
+            <a:avLst/>
+          </a:prstGeom>
+          <a:ln w="12700">
+            <a:tailEnd type="triangle"/>
+          </a:ln>
+        </p:spPr>
+        <p:style>
+          <a:lnRef idx="1">
+            <a:schemeClr val="accent1"/>
+          </a:lnRef>
+          <a:fillRef idx="0">
+            <a:schemeClr val="accent1"/>
+          </a:fillRef>
+          <a:effectRef idx="0">
+            <a:schemeClr val="accent1"/>
+          </a:effectRef>
+          <a:fontRef idx="minor">
+            <a:schemeClr val="tx1"/>
+          </a:fontRef>
+        </p:style>
+      </p:cxnSp>
+      <p:grpSp>
+        <p:nvGrpSpPr>
+          <p:cNvPr id="402" name="Groep 401">
+            <a:extLst>
+              <a:ext uri="{FF2B5EF4-FFF2-40B4-BE49-F238E27FC236}">
+                <a16:creationId xmlns:a16="http://schemas.microsoft.com/office/drawing/2014/main" id="{3DCA9B78-67E3-409D-8A8D-DE53E5A7203E}"/>
+              </a:ext>
+            </a:extLst>
+          </p:cNvPr>
+          <p:cNvGrpSpPr/>
+          <p:nvPr/>
+        </p:nvGrpSpPr>
+        <p:grpSpPr>
+          <a:xfrm>
+            <a:off x="10700180" y="2115998"/>
+            <a:ext cx="881973" cy="505843"/>
+            <a:chOff x="1227288" y="4824894"/>
+            <a:chExt cx="881973" cy="505843"/>
+          </a:xfrm>
+        </p:grpSpPr>
+        <p:sp>
+          <p:nvSpPr>
+            <p:cNvPr id="403" name="Stroomdiagram: Beslissing 402">
+              <a:extLst>
+                <a:ext uri="{FF2B5EF4-FFF2-40B4-BE49-F238E27FC236}">
+                  <a16:creationId xmlns:a16="http://schemas.microsoft.com/office/drawing/2014/main" id="{E817ADDE-85B7-4C74-8D86-536737F8990C}"/>
+                </a:ext>
+              </a:extLst>
+            </p:cNvPr>
+            <p:cNvSpPr/>
+            <p:nvPr/>
+          </p:nvSpPr>
+          <p:spPr>
+            <a:xfrm>
+              <a:off x="1235389" y="4824894"/>
+              <a:ext cx="865762" cy="505843"/>
+            </a:xfrm>
+            <a:prstGeom prst="flowChartDecision">
+              <a:avLst/>
+            </a:prstGeom>
+          </p:spPr>
+          <p:style>
+            <a:lnRef idx="2">
+              <a:schemeClr val="dk1"/>
+            </a:lnRef>
+            <a:fillRef idx="1">
+              <a:schemeClr val="lt1"/>
+            </a:fillRef>
+            <a:effectRef idx="0">
+              <a:schemeClr val="dk1"/>
+            </a:effectRef>
+            <a:fontRef idx="minor">
+              <a:schemeClr val="dk1"/>
+            </a:fontRef>
+          </p:style>
+          <p:txBody>
+            <a:bodyPr lIns="0" rIns="0" rtlCol="0" anchor="ctr"/>
+            <a:lstStyle/>
+            <a:p>
+              <a:pPr algn="ctr"/>
+              <a:endParaRPr lang="nl-NL" sz="1000" dirty="0"/>
+            </a:p>
+          </p:txBody>
+        </p:sp>
+        <p:sp>
+          <p:nvSpPr>
+            <p:cNvPr id="404" name="Tekstvak 403">
+              <a:extLst>
+                <a:ext uri="{FF2B5EF4-FFF2-40B4-BE49-F238E27FC236}">
+                  <a16:creationId xmlns:a16="http://schemas.microsoft.com/office/drawing/2014/main" id="{F30D5237-3E37-4B81-B7E2-D44F83540B04}"/>
+                </a:ext>
+              </a:extLst>
+            </p:cNvPr>
+            <p:cNvSpPr txBox="1"/>
+            <p:nvPr/>
+          </p:nvSpPr>
+          <p:spPr>
+            <a:xfrm>
+              <a:off x="1227288" y="4877042"/>
+              <a:ext cx="881973" cy="400110"/>
+            </a:xfrm>
+            <a:prstGeom prst="rect">
+              <a:avLst/>
+            </a:prstGeom>
+            <a:solidFill>
+              <a:schemeClr val="bg1">
+                <a:alpha val="67000"/>
+              </a:schemeClr>
+            </a:solidFill>
+          </p:spPr>
+          <p:txBody>
+            <a:bodyPr wrap="none" rtlCol="0">
+              <a:spAutoFit/>
+            </a:bodyPr>
+            <a:lstStyle/>
+            <a:p>
+              <a:pPr algn="ctr"/>
+              <a:r>
+                <a:rPr lang="nl-NL" sz="1000" dirty="0"/>
+                <a:t>Is e-mail</a:t>
+              </a:r>
+              <a:br>
+                <a:rPr lang="nl-NL" sz="1000" dirty="0"/>
+              </a:br>
+              <a:r>
+                <a:rPr lang="nl-NL" sz="1000" dirty="0" err="1"/>
+                <a:t>already</a:t>
+              </a:r>
+              <a:r>
+                <a:rPr lang="nl-NL" sz="1000" dirty="0"/>
+                <a:t> sent?</a:t>
+              </a:r>
+            </a:p>
+          </p:txBody>
+        </p:sp>
+      </p:grpSp>
+      <p:cxnSp>
+        <p:nvCxnSpPr>
+          <p:cNvPr id="406" name="Rechte verbindingslijn met pijl 405">
+            <a:extLst>
+              <a:ext uri="{FF2B5EF4-FFF2-40B4-BE49-F238E27FC236}">
+                <a16:creationId xmlns:a16="http://schemas.microsoft.com/office/drawing/2014/main" id="{5DB9F366-53B2-42D5-81C1-2E8BC4C84811}"/>
+              </a:ext>
+            </a:extLst>
+          </p:cNvPr>
+          <p:cNvCxnSpPr>
+            <a:cxnSpLocks/>
+            <a:stCxn id="311" idx="3"/>
+            <a:endCxn id="404" idx="1"/>
+          </p:cNvCxnSpPr>
+          <p:nvPr/>
+        </p:nvCxnSpPr>
+        <p:spPr>
+          <a:xfrm>
+            <a:off x="10327085" y="2367376"/>
+            <a:ext cx="373095" cy="825"/>
+          </a:xfrm>
+          <a:prstGeom prst="straightConnector1">
+            <a:avLst/>
+          </a:prstGeom>
+          <a:ln w="12700">
+            <a:tailEnd type="triangle"/>
+          </a:ln>
+        </p:spPr>
+        <p:style>
+          <a:lnRef idx="1">
+            <a:schemeClr val="accent1"/>
+          </a:lnRef>
+          <a:fillRef idx="0">
+            <a:schemeClr val="accent1"/>
+          </a:fillRef>
+          <a:effectRef idx="0">
+            <a:schemeClr val="accent1"/>
+          </a:effectRef>
+          <a:fontRef idx="minor">
+            <a:schemeClr val="tx1"/>
+          </a:fontRef>
+        </p:style>
+      </p:cxnSp>
+      <p:cxnSp>
+        <p:nvCxnSpPr>
+          <p:cNvPr id="324" name="Rechte verbindingslijn met pijl 323">
+            <a:extLst>
+              <a:ext uri="{FF2B5EF4-FFF2-40B4-BE49-F238E27FC236}">
+                <a16:creationId xmlns:a16="http://schemas.microsoft.com/office/drawing/2014/main" id="{9EFA127A-9286-46E8-85C7-1258D38311A7}"/>
+              </a:ext>
+            </a:extLst>
+          </p:cNvPr>
+          <p:cNvCxnSpPr>
+            <a:cxnSpLocks/>
+            <a:stCxn id="404" idx="3"/>
+            <a:endCxn id="262" idx="3"/>
+          </p:cNvCxnSpPr>
+          <p:nvPr/>
+        </p:nvCxnSpPr>
+        <p:spPr>
+          <a:xfrm flipH="1">
+            <a:off x="7624310" y="2368201"/>
+            <a:ext cx="3957843" cy="3758077"/>
+          </a:xfrm>
+          <a:prstGeom prst="bentConnector3">
+            <a:avLst>
+              <a:gd name="adj1" fmla="val -5776"/>
+            </a:avLst>
+          </a:prstGeom>
+          <a:ln w="12700">
+            <a:tailEnd type="triangle"/>
+          </a:ln>
+        </p:spPr>
+        <p:style>
+          <a:lnRef idx="1">
+            <a:schemeClr val="accent1"/>
+          </a:lnRef>
+          <a:fillRef idx="0">
+            <a:schemeClr val="accent1"/>
+          </a:fillRef>
+          <a:effectRef idx="0">
+            <a:schemeClr val="accent1"/>
+          </a:effectRef>
+          <a:fontRef idx="minor">
+            <a:schemeClr val="tx1"/>
+          </a:fontRef>
+        </p:style>
+      </p:cxnSp>
+      <p:sp>
+        <p:nvSpPr>
+          <p:cNvPr id="413" name="Tekstvak 412">
+            <a:extLst>
+              <a:ext uri="{FF2B5EF4-FFF2-40B4-BE49-F238E27FC236}">
+                <a16:creationId xmlns:a16="http://schemas.microsoft.com/office/drawing/2014/main" id="{079CAC2F-76FF-410C-BEE3-E37665277005}"/>
+              </a:ext>
+            </a:extLst>
+          </p:cNvPr>
+          <p:cNvSpPr txBox="1"/>
+          <p:nvPr/>
+        </p:nvSpPr>
+        <p:spPr>
+          <a:xfrm>
+            <a:off x="11435689" y="2154148"/>
+            <a:ext cx="319318" cy="246221"/>
+          </a:xfrm>
+          <a:prstGeom prst="rect">
+            <a:avLst/>
+          </a:prstGeom>
+          <a:noFill/>
+        </p:spPr>
+        <p:txBody>
+          <a:bodyPr wrap="none" rtlCol="0">
+            <a:spAutoFit/>
+          </a:bodyPr>
+          <a:lstStyle/>
+          <a:p>
+            <a:r>
+              <a:rPr lang="nl-NL" sz="1000" dirty="0"/>
+              <a:t>no</a:t>
+            </a:r>
+          </a:p>
+        </p:txBody>
+      </p:sp>
+      <p:sp>
+        <p:nvSpPr>
+          <p:cNvPr id="144" name="Tekstvak 143">
+            <a:extLst>
+              <a:ext uri="{FF2B5EF4-FFF2-40B4-BE49-F238E27FC236}">
+                <a16:creationId xmlns:a16="http://schemas.microsoft.com/office/drawing/2014/main" id="{352C2735-0675-4F49-ACAC-72F854F213E1}"/>
+              </a:ext>
+            </a:extLst>
+          </p:cNvPr>
+          <p:cNvSpPr txBox="1"/>
+          <p:nvPr/>
+        </p:nvSpPr>
+        <p:spPr>
+          <a:xfrm>
+            <a:off x="9459744" y="5366172"/>
+            <a:ext cx="865764" cy="505842"/>
+          </a:xfrm>
+          <a:prstGeom prst="flowChartManualInput">
+            <a:avLst/>
+          </a:prstGeom>
+          <a:ln>
+            <a:solidFill>
+              <a:schemeClr val="tx1"/>
+            </a:solidFill>
+            <a:prstDash val="solid"/>
+          </a:ln>
+        </p:spPr>
+        <p:style>
+          <a:lnRef idx="2">
+            <a:schemeClr val="dk1"/>
+          </a:lnRef>
+          <a:fillRef idx="1">
+            <a:schemeClr val="lt1"/>
+          </a:fillRef>
+          <a:effectRef idx="0">
+            <a:schemeClr val="dk1"/>
+          </a:effectRef>
+          <a:fontRef idx="minor">
+            <a:schemeClr val="dk1"/>
+          </a:fontRef>
+        </p:style>
+        <p:txBody>
+          <a:bodyPr wrap="square" lIns="0" rIns="0" rtlCol="0" anchor="ctr" anchorCtr="0">
+            <a:noAutofit/>
+          </a:bodyPr>
+          <a:lstStyle/>
+          <a:p>
+            <a:pPr algn="ctr"/>
+            <a:r>
+              <a:rPr lang="nl-NL" sz="900" dirty="0"/>
+              <a:t>Show </a:t>
+            </a:r>
+            <a:r>
+              <a:rPr lang="nl-NL" sz="900" dirty="0" err="1"/>
+              <a:t>payment</a:t>
+            </a:r>
+            <a:r>
+              <a:rPr lang="nl-NL" sz="900" dirty="0"/>
+              <a:t> </a:t>
+            </a:r>
+            <a:r>
+              <a:rPr lang="nl-NL" sz="900" dirty="0" err="1"/>
+              <a:t>confirmation</a:t>
+            </a:r>
+            <a:endParaRPr lang="nl-NL" sz="900" dirty="0"/>
+          </a:p>
+          <a:p>
+            <a:pPr algn="ctr"/>
+            <a:r>
+              <a:rPr lang="nl-NL" sz="900" dirty="0"/>
+              <a:t>page</a:t>
+            </a:r>
+          </a:p>
+        </p:txBody>
+      </p:sp>
+      <p:cxnSp>
+        <p:nvCxnSpPr>
+          <p:cNvPr id="150" name="Rechte verbindingslijn met pijl 149">
+            <a:extLst>
+              <a:ext uri="{FF2B5EF4-FFF2-40B4-BE49-F238E27FC236}">
+                <a16:creationId xmlns:a16="http://schemas.microsoft.com/office/drawing/2014/main" id="{6DD2AA2D-0399-4195-9A96-58F00826DDF3}"/>
+              </a:ext>
+            </a:extLst>
+          </p:cNvPr>
+          <p:cNvCxnSpPr>
+            <a:cxnSpLocks/>
+            <a:stCxn id="359" idx="2"/>
+            <a:endCxn id="144" idx="0"/>
+          </p:cNvCxnSpPr>
+          <p:nvPr/>
+        </p:nvCxnSpPr>
+        <p:spPr>
+          <a:xfrm flipH="1">
+            <a:off x="9892626" y="5051141"/>
+            <a:ext cx="1236" cy="365615"/>
+          </a:xfrm>
+          <a:prstGeom prst="straightConnector1">
+            <a:avLst/>
+          </a:prstGeom>
+          <a:ln w="12700">
+            <a:tailEnd type="triangle"/>
+          </a:ln>
+        </p:spPr>
+        <p:style>
+          <a:lnRef idx="1">
+            <a:schemeClr val="accent1"/>
+          </a:lnRef>
+          <a:fillRef idx="0">
+            <a:schemeClr val="accent1"/>
+          </a:fillRef>
+          <a:effectRef idx="0">
+            <a:schemeClr val="accent1"/>
+          </a:effectRef>
+          <a:fontRef idx="minor">
+            <a:schemeClr val="tx1"/>
+          </a:fontRef>
+        </p:style>
+      </p:cxnSp>
     </p:spTree>
     <p:extLst>
       <p:ext uri="{BB962C8B-B14F-4D97-AF65-F5344CB8AC3E}">
